--- a/Journal-DC-Motor/v5.0/Experimental Result/WPT-motor.pptx
+++ b/Journal-DC-Motor/v5.0/Experimental Result/WPT-motor.pptx
@@ -5,15 +5,18 @@
     <p:sldMasterId id="2147483648" r:id="rId1"/>
   </p:sldMasterIdLst>
   <p:notesMasterIdLst>
-    <p:notesMasterId r:id="rId8"/>
+    <p:notesMasterId r:id="rId11"/>
   </p:notesMasterIdLst>
   <p:sldIdLst>
     <p:sldId id="258" r:id="rId2"/>
     <p:sldId id="256" r:id="rId3"/>
     <p:sldId id="257" r:id="rId4"/>
-    <p:sldId id="259" r:id="rId5"/>
-    <p:sldId id="262" r:id="rId6"/>
-    <p:sldId id="261" r:id="rId7"/>
+    <p:sldId id="263" r:id="rId5"/>
+    <p:sldId id="264" r:id="rId6"/>
+    <p:sldId id="265" r:id="rId7"/>
+    <p:sldId id="259" r:id="rId8"/>
+    <p:sldId id="262" r:id="rId9"/>
+    <p:sldId id="261" r:id="rId10"/>
   </p:sldIdLst>
   <p:sldSz cx="12192000" cy="6858000"/>
   <p:notesSz cx="6858000" cy="9144000"/>
@@ -202,7 +205,7 @@
           <a:p>
             <a:fld id="{C27A73D4-E331-4470-A455-A7A2438242BB}" type="datetimeFigureOut">
               <a:rPr lang="en-US" smtClean="0"/>
-              <a:t>6/29/2021</a:t>
+              <a:t>7/9/2021</a:t>
             </a:fld>
             <a:endParaRPr lang="en-US"/>
           </a:p>
@@ -553,6 +556,90 @@
 </p:notes>
 </file>
 
+<file path=ppt/notesSlides/notesSlide2.xml><?xml version="1.0" encoding="utf-8"?>
+<p:notes xmlns:a="http://schemas.openxmlformats.org/drawingml/2006/main" xmlns:r="http://schemas.openxmlformats.org/officeDocument/2006/relationships" xmlns:p="http://schemas.openxmlformats.org/presentationml/2006/main">
+  <p:cSld>
+    <p:spTree>
+      <p:nvGrpSpPr>
+        <p:cNvPr id="1" name=""/>
+        <p:cNvGrpSpPr/>
+        <p:nvPr/>
+      </p:nvGrpSpPr>
+      <p:grpSpPr>
+        <a:xfrm>
+          <a:off x="0" y="0"/>
+          <a:ext cx="0" cy="0"/>
+          <a:chOff x="0" y="0"/>
+          <a:chExt cx="0" cy="0"/>
+        </a:xfrm>
+      </p:grpSpPr>
+      <p:sp>
+        <p:nvSpPr>
+          <p:cNvPr id="2" name="Slide Image Placeholder 1"/>
+          <p:cNvSpPr>
+            <a:spLocks noGrp="1" noRot="1" noChangeAspect="1"/>
+          </p:cNvSpPr>
+          <p:nvPr>
+            <p:ph type="sldImg"/>
+          </p:nvPr>
+        </p:nvSpPr>
+        <p:spPr/>
+      </p:sp>
+      <p:sp>
+        <p:nvSpPr>
+          <p:cNvPr id="3" name="Notes Placeholder 2"/>
+          <p:cNvSpPr>
+            <a:spLocks noGrp="1"/>
+          </p:cNvSpPr>
+          <p:nvPr>
+            <p:ph type="body" idx="1"/>
+          </p:nvPr>
+        </p:nvSpPr>
+        <p:spPr/>
+        <p:txBody>
+          <a:bodyPr/>
+          <a:lstStyle/>
+          <a:p>
+            <a:endParaRPr lang="en-US" dirty="0"/>
+          </a:p>
+        </p:txBody>
+      </p:sp>
+      <p:sp>
+        <p:nvSpPr>
+          <p:cNvPr id="4" name="Slide Number Placeholder 3"/>
+          <p:cNvSpPr>
+            <a:spLocks noGrp="1"/>
+          </p:cNvSpPr>
+          <p:nvPr>
+            <p:ph type="sldNum" sz="quarter" idx="5"/>
+          </p:nvPr>
+        </p:nvSpPr>
+        <p:spPr/>
+        <p:txBody>
+          <a:bodyPr/>
+          <a:lstStyle/>
+          <a:p>
+            <a:fld id="{3163CD45-4050-4777-8527-29610BE0E964}" type="slidenum">
+              <a:rPr lang="en-US" smtClean="0"/>
+              <a:t>4</a:t>
+            </a:fld>
+            <a:endParaRPr lang="en-US"/>
+          </a:p>
+        </p:txBody>
+      </p:sp>
+    </p:spTree>
+    <p:extLst>
+      <p:ext uri="{BB962C8B-B14F-4D97-AF65-F5344CB8AC3E}">
+        <p14:creationId xmlns:p14="http://schemas.microsoft.com/office/powerpoint/2010/main" val="2480094054"/>
+      </p:ext>
+    </p:extLst>
+  </p:cSld>
+  <p:clrMapOvr>
+    <a:masterClrMapping/>
+  </p:clrMapOvr>
+</p:notes>
+</file>
+
 <file path=ppt/slideLayouts/slideLayout1.xml><?xml version="1.0" encoding="utf-8"?>
 <p:sldLayout xmlns:a="http://schemas.openxmlformats.org/drawingml/2006/main" xmlns:r="http://schemas.openxmlformats.org/officeDocument/2006/relationships" xmlns:p="http://schemas.openxmlformats.org/presentationml/2006/main" type="title" preserve="1">
   <p:cSld name="Title Slide">
@@ -700,7 +787,7 @@
           <a:p>
             <a:fld id="{7F6C451C-F085-483A-9A3C-F0DD68BA6070}" type="datetimeFigureOut">
               <a:rPr lang="en-US" smtClean="0"/>
-              <a:t>6/29/2021</a:t>
+              <a:t>7/9/2021</a:t>
             </a:fld>
             <a:endParaRPr lang="en-US"/>
           </a:p>
@@ -898,7 +985,7 @@
           <a:p>
             <a:fld id="{7F6C451C-F085-483A-9A3C-F0DD68BA6070}" type="datetimeFigureOut">
               <a:rPr lang="en-US" smtClean="0"/>
-              <a:t>6/29/2021</a:t>
+              <a:t>7/9/2021</a:t>
             </a:fld>
             <a:endParaRPr lang="en-US"/>
           </a:p>
@@ -1106,7 +1193,7 @@
           <a:p>
             <a:fld id="{7F6C451C-F085-483A-9A3C-F0DD68BA6070}" type="datetimeFigureOut">
               <a:rPr lang="en-US" smtClean="0"/>
-              <a:t>6/29/2021</a:t>
+              <a:t>7/9/2021</a:t>
             </a:fld>
             <a:endParaRPr lang="en-US"/>
           </a:p>
@@ -1304,7 +1391,7 @@
           <a:p>
             <a:fld id="{7F6C451C-F085-483A-9A3C-F0DD68BA6070}" type="datetimeFigureOut">
               <a:rPr lang="en-US" smtClean="0"/>
-              <a:t>6/29/2021</a:t>
+              <a:t>7/9/2021</a:t>
             </a:fld>
             <a:endParaRPr lang="en-US"/>
           </a:p>
@@ -1579,7 +1666,7 @@
           <a:p>
             <a:fld id="{7F6C451C-F085-483A-9A3C-F0DD68BA6070}" type="datetimeFigureOut">
               <a:rPr lang="en-US" smtClean="0"/>
-              <a:t>6/29/2021</a:t>
+              <a:t>7/9/2021</a:t>
             </a:fld>
             <a:endParaRPr lang="en-US"/>
           </a:p>
@@ -1844,7 +1931,7 @@
           <a:p>
             <a:fld id="{7F6C451C-F085-483A-9A3C-F0DD68BA6070}" type="datetimeFigureOut">
               <a:rPr lang="en-US" smtClean="0"/>
-              <a:t>6/29/2021</a:t>
+              <a:t>7/9/2021</a:t>
             </a:fld>
             <a:endParaRPr lang="en-US"/>
           </a:p>
@@ -2256,7 +2343,7 @@
           <a:p>
             <a:fld id="{7F6C451C-F085-483A-9A3C-F0DD68BA6070}" type="datetimeFigureOut">
               <a:rPr lang="en-US" smtClean="0"/>
-              <a:t>6/29/2021</a:t>
+              <a:t>7/9/2021</a:t>
             </a:fld>
             <a:endParaRPr lang="en-US"/>
           </a:p>
@@ -2397,7 +2484,7 @@
           <a:p>
             <a:fld id="{7F6C451C-F085-483A-9A3C-F0DD68BA6070}" type="datetimeFigureOut">
               <a:rPr lang="en-US" smtClean="0"/>
-              <a:t>6/29/2021</a:t>
+              <a:t>7/9/2021</a:t>
             </a:fld>
             <a:endParaRPr lang="en-US"/>
           </a:p>
@@ -2510,7 +2597,7 @@
           <a:p>
             <a:fld id="{7F6C451C-F085-483A-9A3C-F0DD68BA6070}" type="datetimeFigureOut">
               <a:rPr lang="en-US" smtClean="0"/>
-              <a:t>6/29/2021</a:t>
+              <a:t>7/9/2021</a:t>
             </a:fld>
             <a:endParaRPr lang="en-US"/>
           </a:p>
@@ -2821,7 +2908,7 @@
           <a:p>
             <a:fld id="{7F6C451C-F085-483A-9A3C-F0DD68BA6070}" type="datetimeFigureOut">
               <a:rPr lang="en-US" smtClean="0"/>
-              <a:t>6/29/2021</a:t>
+              <a:t>7/9/2021</a:t>
             </a:fld>
             <a:endParaRPr lang="en-US"/>
           </a:p>
@@ -3109,7 +3196,7 @@
           <a:p>
             <a:fld id="{7F6C451C-F085-483A-9A3C-F0DD68BA6070}" type="datetimeFigureOut">
               <a:rPr lang="en-US" smtClean="0"/>
-              <a:t>6/29/2021</a:t>
+              <a:t>7/9/2021</a:t>
             </a:fld>
             <a:endParaRPr lang="en-US"/>
           </a:p>
@@ -3350,7 +3437,7 @@
           <a:p>
             <a:fld id="{7F6C451C-F085-483A-9A3C-F0DD68BA6070}" type="datetimeFigureOut">
               <a:rPr lang="en-US" smtClean="0"/>
-              <a:t>6/29/2021</a:t>
+              <a:t>7/9/2021</a:t>
             </a:fld>
             <a:endParaRPr lang="en-US"/>
           </a:p>
@@ -4398,8 +4485,8 @@
           </a:fontRef>
         </p:style>
       </p:cxnSp>
-      <mc:AlternateContent xmlns:mc="http://schemas.openxmlformats.org/markup-compatibility/2006">
-        <mc:Choice xmlns:a14="http://schemas.microsoft.com/office/drawing/2010/main" Requires="a14">
+      <mc:AlternateContent xmlns:mc="http://schemas.openxmlformats.org/markup-compatibility/2006" xmlns:a14="http://schemas.microsoft.com/office/drawing/2010/main">
+        <mc:Choice Requires="a14">
           <p:sp>
             <p:nvSpPr>
               <p:cNvPr id="9" name="Rectangle 8">
@@ -4576,7 +4663,7 @@
             </p:txBody>
           </p:sp>
         </mc:Choice>
-        <mc:Fallback>
+        <mc:Fallback xmlns="">
           <p:sp>
             <p:nvSpPr>
               <p:cNvPr id="9" name="Rectangle 8">
@@ -5006,8 +5093,8 @@
           </p:sp>
         </mc:Fallback>
       </mc:AlternateContent>
-      <mc:AlternateContent xmlns:mc="http://schemas.openxmlformats.org/markup-compatibility/2006">
-        <mc:Choice xmlns:a14="http://schemas.microsoft.com/office/drawing/2010/main" Requires="a14">
+      <mc:AlternateContent xmlns:mc="http://schemas.openxmlformats.org/markup-compatibility/2006" xmlns:a14="http://schemas.microsoft.com/office/drawing/2010/main">
+        <mc:Choice Requires="a14">
           <p:sp>
             <p:nvSpPr>
               <p:cNvPr id="14" name="Rectangle 13">
@@ -5207,7 +5294,7 @@
             </p:txBody>
           </p:sp>
         </mc:Choice>
-        <mc:Fallback>
+        <mc:Fallback xmlns="">
           <p:sp>
             <p:nvSpPr>
               <p:cNvPr id="14" name="Rectangle 13">
@@ -5255,6 +5342,226 @@
           </p:sp>
         </mc:Fallback>
       </mc:AlternateContent>
+      <mc:AlternateContent xmlns:mc="http://schemas.openxmlformats.org/markup-compatibility/2006" xmlns:a14="http://schemas.microsoft.com/office/drawing/2010/main">
+        <mc:Choice Requires="a14">
+          <p:sp>
+            <p:nvSpPr>
+              <p:cNvPr id="15" name="Rectangle 14">
+                <a:extLst>
+                  <a:ext uri="{FF2B5EF4-FFF2-40B4-BE49-F238E27FC236}">
+                    <a16:creationId xmlns:a16="http://schemas.microsoft.com/office/drawing/2014/main" id="{AD0F62FB-B28F-4E23-B929-6E36BF09151E}"/>
+                  </a:ext>
+                </a:extLst>
+              </p:cNvPr>
+              <p:cNvSpPr/>
+              <p:nvPr/>
+            </p:nvSpPr>
+            <p:spPr>
+              <a:xfrm>
+                <a:off x="10274648" y="4421907"/>
+                <a:ext cx="1901714" cy="420679"/>
+              </a:xfrm>
+              <a:prstGeom prst="rect">
+                <a:avLst/>
+              </a:prstGeom>
+              <a:noFill/>
+              <a:ln>
+                <a:noFill/>
+              </a:ln>
+            </p:spPr>
+            <p:style>
+              <a:lnRef idx="2">
+                <a:schemeClr val="accent1">
+                  <a:shade val="50000"/>
+                </a:schemeClr>
+              </a:lnRef>
+              <a:fillRef idx="1">
+                <a:schemeClr val="accent1"/>
+              </a:fillRef>
+              <a:effectRef idx="0">
+                <a:schemeClr val="accent1"/>
+              </a:effectRef>
+              <a:fontRef idx="minor">
+                <a:schemeClr val="lt1"/>
+              </a:fontRef>
+            </p:style>
+            <p:txBody>
+              <a:bodyPr rtlCol="0" anchor="ctr"/>
+              <a:lstStyle/>
+              <a:p>
+                <a:pPr algn="ctr"/>
+                <a14:m>
+                  <m:oMathPara xmlns:m="http://schemas.openxmlformats.org/officeDocument/2006/math">
+                    <m:oMathParaPr>
+                      <m:jc m:val="centerGroup"/>
+                    </m:oMathParaPr>
+                    <m:oMath xmlns:m="http://schemas.openxmlformats.org/officeDocument/2006/math">
+                      <m:r>
+                        <a:rPr lang="en-US" i="1" dirty="0" smtClean="0">
+                          <a:solidFill>
+                            <a:schemeClr val="tx1"/>
+                          </a:solidFill>
+                          <a:latin typeface="Cambria Math" panose="02040503050406030204" pitchFamily="18" charset="0"/>
+                          <a:cs typeface="Times New Roman" panose="02020603050405020304" pitchFamily="18" charset="0"/>
+                        </a:rPr>
+                        <m:t>𝑓</m:t>
+                      </m:r>
+                      <m:r>
+                        <a:rPr lang="en-US" b="0" i="0" dirty="0" smtClean="0">
+                          <a:solidFill>
+                            <a:schemeClr val="tx1"/>
+                          </a:solidFill>
+                          <a:latin typeface="Cambria Math" panose="02040503050406030204" pitchFamily="18" charset="0"/>
+                          <a:cs typeface="Times New Roman" panose="02020603050405020304" pitchFamily="18" charset="0"/>
+                        </a:rPr>
+                        <m:t>=</m:t>
+                      </m:r>
+                      <m:r>
+                        <a:rPr lang="en-US" b="0" i="1" dirty="0" smtClean="0">
+                          <a:solidFill>
+                            <a:schemeClr val="tx1"/>
+                          </a:solidFill>
+                          <a:latin typeface="Cambria Math" panose="02040503050406030204" pitchFamily="18" charset="0"/>
+                          <a:cs typeface="Times New Roman" panose="02020603050405020304" pitchFamily="18" charset="0"/>
+                        </a:rPr>
+                        <m:t>81.3 </m:t>
+                      </m:r>
+                      <m:r>
+                        <a:rPr lang="en-US" b="0" i="1" dirty="0" smtClean="0">
+                          <a:solidFill>
+                            <a:schemeClr val="tx1"/>
+                          </a:solidFill>
+                          <a:latin typeface="Cambria Math" panose="02040503050406030204" pitchFamily="18" charset="0"/>
+                          <a:cs typeface="Times New Roman" panose="02020603050405020304" pitchFamily="18" charset="0"/>
+                        </a:rPr>
+                        <m:t>𝑘𝐻𝑧</m:t>
+                      </m:r>
+                      <m:r>
+                        <a:rPr lang="en-US" b="1" i="1" dirty="0" smtClean="0">
+                          <a:solidFill>
+                            <a:schemeClr val="tx1"/>
+                          </a:solidFill>
+                          <a:latin typeface="Cambria Math" panose="02040503050406030204" pitchFamily="18" charset="0"/>
+                          <a:cs typeface="Times New Roman" panose="02020603050405020304" pitchFamily="18" charset="0"/>
+                        </a:rPr>
+                        <m:t> </m:t>
+                      </m:r>
+                    </m:oMath>
+                  </m:oMathPara>
+                </a14:m>
+                <a:endParaRPr lang="en-US" b="1" dirty="0">
+                  <a:solidFill>
+                    <a:schemeClr val="tx1"/>
+                  </a:solidFill>
+                  <a:latin typeface="Times New Roman" panose="02020603050405020304" pitchFamily="18" charset="0"/>
+                  <a:cs typeface="Times New Roman" panose="02020603050405020304" pitchFamily="18" charset="0"/>
+                </a:endParaRPr>
+              </a:p>
+            </p:txBody>
+          </p:sp>
+        </mc:Choice>
+        <mc:Fallback xmlns="">
+          <p:sp>
+            <p:nvSpPr>
+              <p:cNvPr id="15" name="Rectangle 14">
+                <a:extLst>
+                  <a:ext uri="{FF2B5EF4-FFF2-40B4-BE49-F238E27FC236}">
+                    <a16:creationId xmlns:a16="http://schemas.microsoft.com/office/drawing/2014/main" id="{AD0F62FB-B28F-4E23-B929-6E36BF09151E}"/>
+                  </a:ext>
+                </a:extLst>
+              </p:cNvPr>
+              <p:cNvSpPr>
+                <a:spLocks noRot="1" noChangeAspect="1" noMove="1" noResize="1" noEditPoints="1" noAdjustHandles="1" noChangeArrowheads="1" noChangeShapeType="1" noTextEdit="1"/>
+              </p:cNvSpPr>
+              <p:nvPr/>
+            </p:nvSpPr>
+            <p:spPr>
+              <a:xfrm>
+                <a:off x="10274648" y="4421907"/>
+                <a:ext cx="1901714" cy="420679"/>
+              </a:xfrm>
+              <a:prstGeom prst="rect">
+                <a:avLst/>
+              </a:prstGeom>
+              <a:blipFill>
+                <a:blip r:embed="rId11"/>
+                <a:stretch>
+                  <a:fillRect b="-7246"/>
+                </a:stretch>
+              </a:blipFill>
+              <a:ln>
+                <a:noFill/>
+              </a:ln>
+            </p:spPr>
+            <p:txBody>
+              <a:bodyPr/>
+              <a:lstStyle/>
+              <a:p>
+                <a:r>
+                  <a:rPr lang="en-US">
+                    <a:noFill/>
+                  </a:rPr>
+                  <a:t> </a:t>
+                </a:r>
+              </a:p>
+            </p:txBody>
+          </p:sp>
+        </mc:Fallback>
+      </mc:AlternateContent>
+      <p:sp>
+        <p:nvSpPr>
+          <p:cNvPr id="2" name="Rectangle 1">
+            <a:extLst>
+              <a:ext uri="{FF2B5EF4-FFF2-40B4-BE49-F238E27FC236}">
+                <a16:creationId xmlns:a16="http://schemas.microsoft.com/office/drawing/2014/main" id="{20992950-6D20-4FCB-B411-A944429EBA27}"/>
+              </a:ext>
+            </a:extLst>
+          </p:cNvPr>
+          <p:cNvSpPr/>
+          <p:nvPr/>
+        </p:nvSpPr>
+        <p:spPr>
+          <a:xfrm>
+            <a:off x="0" y="4562668"/>
+            <a:ext cx="10498494" cy="559837"/>
+          </a:xfrm>
+          <a:prstGeom prst="rect">
+            <a:avLst/>
+          </a:prstGeom>
+          <a:solidFill>
+            <a:schemeClr val="bg1"/>
+          </a:solidFill>
+          <a:ln>
+            <a:solidFill>
+              <a:schemeClr val="bg1"/>
+            </a:solidFill>
+          </a:ln>
+        </p:spPr>
+        <p:style>
+          <a:lnRef idx="2">
+            <a:schemeClr val="accent1">
+              <a:shade val="50000"/>
+            </a:schemeClr>
+          </a:lnRef>
+          <a:fillRef idx="1">
+            <a:schemeClr val="accent1"/>
+          </a:fillRef>
+          <a:effectRef idx="0">
+            <a:schemeClr val="accent1"/>
+          </a:effectRef>
+          <a:fontRef idx="minor">
+            <a:schemeClr val="lt1"/>
+          </a:fontRef>
+        </p:style>
+        <p:txBody>
+          <a:bodyPr rtlCol="0" anchor="ctr"/>
+          <a:lstStyle/>
+          <a:p>
+            <a:pPr algn="ctr"/>
+            <a:endParaRPr lang="en-US"/>
+          </a:p>
+        </p:txBody>
+      </p:sp>
     </p:spTree>
     <p:extLst>
       <p:ext uri="{BB962C8B-B14F-4D97-AF65-F5344CB8AC3E}">
@@ -5715,8 +6022,8 @@
           </a:fontRef>
         </p:style>
       </p:cxnSp>
-      <mc:AlternateContent xmlns:mc="http://schemas.openxmlformats.org/markup-compatibility/2006">
-        <mc:Choice xmlns:a14="http://schemas.microsoft.com/office/drawing/2010/main" Requires="a14">
+      <mc:AlternateContent xmlns:mc="http://schemas.openxmlformats.org/markup-compatibility/2006" xmlns:a14="http://schemas.microsoft.com/office/drawing/2010/main">
+        <mc:Choice Requires="a14">
           <p:sp>
             <p:nvSpPr>
               <p:cNvPr id="11" name="Rectangle 10">
@@ -5883,7 +6190,7 @@
             </p:txBody>
           </p:sp>
         </mc:Choice>
-        <mc:Fallback>
+        <mc:Fallback xmlns="">
           <p:sp>
             <p:nvSpPr>
               <p:cNvPr id="11" name="Rectangle 10">
@@ -6313,6 +6620,226 @@
           </p:sp>
         </mc:Fallback>
       </mc:AlternateContent>
+      <p:sp>
+        <p:nvSpPr>
+          <p:cNvPr id="10" name="Rectangle 9">
+            <a:extLst>
+              <a:ext uri="{FF2B5EF4-FFF2-40B4-BE49-F238E27FC236}">
+                <a16:creationId xmlns:a16="http://schemas.microsoft.com/office/drawing/2014/main" id="{FBB23840-B6CD-44A5-9A5F-5554E7B8396F}"/>
+              </a:ext>
+            </a:extLst>
+          </p:cNvPr>
+          <p:cNvSpPr/>
+          <p:nvPr/>
+        </p:nvSpPr>
+        <p:spPr>
+          <a:xfrm>
+            <a:off x="72595" y="4368567"/>
+            <a:ext cx="10498494" cy="559837"/>
+          </a:xfrm>
+          <a:prstGeom prst="rect">
+            <a:avLst/>
+          </a:prstGeom>
+          <a:solidFill>
+            <a:schemeClr val="bg1"/>
+          </a:solidFill>
+          <a:ln>
+            <a:solidFill>
+              <a:schemeClr val="bg1"/>
+            </a:solidFill>
+          </a:ln>
+        </p:spPr>
+        <p:style>
+          <a:lnRef idx="2">
+            <a:schemeClr val="accent1">
+              <a:shade val="50000"/>
+            </a:schemeClr>
+          </a:lnRef>
+          <a:fillRef idx="1">
+            <a:schemeClr val="accent1"/>
+          </a:fillRef>
+          <a:effectRef idx="0">
+            <a:schemeClr val="accent1"/>
+          </a:effectRef>
+          <a:fontRef idx="minor">
+            <a:schemeClr val="lt1"/>
+          </a:fontRef>
+        </p:style>
+        <p:txBody>
+          <a:bodyPr rtlCol="0" anchor="ctr"/>
+          <a:lstStyle/>
+          <a:p>
+            <a:pPr algn="ctr"/>
+            <a:endParaRPr lang="en-US"/>
+          </a:p>
+        </p:txBody>
+      </p:sp>
+      <mc:AlternateContent xmlns:mc="http://schemas.openxmlformats.org/markup-compatibility/2006" xmlns:a14="http://schemas.microsoft.com/office/drawing/2010/main">
+        <mc:Choice Requires="a14">
+          <p:sp>
+            <p:nvSpPr>
+              <p:cNvPr id="14" name="Rectangle 13">
+                <a:extLst>
+                  <a:ext uri="{FF2B5EF4-FFF2-40B4-BE49-F238E27FC236}">
+                    <a16:creationId xmlns:a16="http://schemas.microsoft.com/office/drawing/2014/main" id="{2D916F1F-EC5A-4BAC-BCF8-F83128BF394B}"/>
+                  </a:ext>
+                </a:extLst>
+              </p:cNvPr>
+              <p:cNvSpPr/>
+              <p:nvPr/>
+            </p:nvSpPr>
+            <p:spPr>
+              <a:xfrm>
+                <a:off x="10290286" y="4365611"/>
+                <a:ext cx="1901714" cy="420679"/>
+              </a:xfrm>
+              <a:prstGeom prst="rect">
+                <a:avLst/>
+              </a:prstGeom>
+              <a:noFill/>
+              <a:ln>
+                <a:noFill/>
+              </a:ln>
+            </p:spPr>
+            <p:style>
+              <a:lnRef idx="2">
+                <a:schemeClr val="accent1">
+                  <a:shade val="50000"/>
+                </a:schemeClr>
+              </a:lnRef>
+              <a:fillRef idx="1">
+                <a:schemeClr val="accent1"/>
+              </a:fillRef>
+              <a:effectRef idx="0">
+                <a:schemeClr val="accent1"/>
+              </a:effectRef>
+              <a:fontRef idx="minor">
+                <a:schemeClr val="lt1"/>
+              </a:fontRef>
+            </p:style>
+            <p:txBody>
+              <a:bodyPr rtlCol="0" anchor="ctr"/>
+              <a:lstStyle/>
+              <a:p>
+                <a:pPr algn="ctr"/>
+                <a14:m>
+                  <m:oMathPara xmlns:m="http://schemas.openxmlformats.org/officeDocument/2006/math">
+                    <m:oMathParaPr>
+                      <m:jc m:val="centerGroup"/>
+                    </m:oMathParaPr>
+                    <m:oMath xmlns:m="http://schemas.openxmlformats.org/officeDocument/2006/math">
+                      <m:r>
+                        <a:rPr lang="en-US" i="1" dirty="0" smtClean="0">
+                          <a:solidFill>
+                            <a:schemeClr val="tx1"/>
+                          </a:solidFill>
+                          <a:latin typeface="Cambria Math" panose="02040503050406030204" pitchFamily="18" charset="0"/>
+                          <a:cs typeface="Times New Roman" panose="02020603050405020304" pitchFamily="18" charset="0"/>
+                        </a:rPr>
+                        <m:t>𝑓</m:t>
+                      </m:r>
+                      <m:r>
+                        <a:rPr lang="en-US" b="0" i="0" dirty="0" smtClean="0">
+                          <a:solidFill>
+                            <a:schemeClr val="tx1"/>
+                          </a:solidFill>
+                          <a:latin typeface="Cambria Math" panose="02040503050406030204" pitchFamily="18" charset="0"/>
+                          <a:cs typeface="Times New Roman" panose="02020603050405020304" pitchFamily="18" charset="0"/>
+                        </a:rPr>
+                        <m:t>=</m:t>
+                      </m:r>
+                      <m:r>
+                        <a:rPr lang="en-US" b="0" i="1" dirty="0" smtClean="0">
+                          <a:solidFill>
+                            <a:schemeClr val="tx1"/>
+                          </a:solidFill>
+                          <a:latin typeface="Cambria Math" panose="02040503050406030204" pitchFamily="18" charset="0"/>
+                          <a:cs typeface="Times New Roman" panose="02020603050405020304" pitchFamily="18" charset="0"/>
+                        </a:rPr>
+                        <m:t>81.3 </m:t>
+                      </m:r>
+                      <m:r>
+                        <a:rPr lang="en-US" b="0" i="1" dirty="0" smtClean="0">
+                          <a:solidFill>
+                            <a:schemeClr val="tx1"/>
+                          </a:solidFill>
+                          <a:latin typeface="Cambria Math" panose="02040503050406030204" pitchFamily="18" charset="0"/>
+                          <a:cs typeface="Times New Roman" panose="02020603050405020304" pitchFamily="18" charset="0"/>
+                        </a:rPr>
+                        <m:t>𝑘𝐻𝑧</m:t>
+                      </m:r>
+                      <m:r>
+                        <a:rPr lang="en-US" b="1" i="1" dirty="0" smtClean="0">
+                          <a:solidFill>
+                            <a:schemeClr val="tx1"/>
+                          </a:solidFill>
+                          <a:latin typeface="Cambria Math" panose="02040503050406030204" pitchFamily="18" charset="0"/>
+                          <a:cs typeface="Times New Roman" panose="02020603050405020304" pitchFamily="18" charset="0"/>
+                        </a:rPr>
+                        <m:t> </m:t>
+                      </m:r>
+                    </m:oMath>
+                  </m:oMathPara>
+                </a14:m>
+                <a:endParaRPr lang="en-US" b="1" dirty="0">
+                  <a:solidFill>
+                    <a:schemeClr val="tx1"/>
+                  </a:solidFill>
+                  <a:latin typeface="Times New Roman" panose="02020603050405020304" pitchFamily="18" charset="0"/>
+                  <a:cs typeface="Times New Roman" panose="02020603050405020304" pitchFamily="18" charset="0"/>
+                </a:endParaRPr>
+              </a:p>
+            </p:txBody>
+          </p:sp>
+        </mc:Choice>
+        <mc:Fallback xmlns="">
+          <p:sp>
+            <p:nvSpPr>
+              <p:cNvPr id="14" name="Rectangle 13">
+                <a:extLst>
+                  <a:ext uri="{FF2B5EF4-FFF2-40B4-BE49-F238E27FC236}">
+                    <a16:creationId xmlns:a16="http://schemas.microsoft.com/office/drawing/2014/main" id="{2D916F1F-EC5A-4BAC-BCF8-F83128BF394B}"/>
+                  </a:ext>
+                </a:extLst>
+              </p:cNvPr>
+              <p:cNvSpPr>
+                <a:spLocks noRot="1" noChangeAspect="1" noMove="1" noResize="1" noEditPoints="1" noAdjustHandles="1" noChangeArrowheads="1" noChangeShapeType="1" noTextEdit="1"/>
+              </p:cNvSpPr>
+              <p:nvPr/>
+            </p:nvSpPr>
+            <p:spPr>
+              <a:xfrm>
+                <a:off x="10290286" y="4365611"/>
+                <a:ext cx="1901714" cy="420679"/>
+              </a:xfrm>
+              <a:prstGeom prst="rect">
+                <a:avLst/>
+              </a:prstGeom>
+              <a:blipFill>
+                <a:blip r:embed="rId8"/>
+                <a:stretch>
+                  <a:fillRect b="-7246"/>
+                </a:stretch>
+              </a:blipFill>
+              <a:ln>
+                <a:noFill/>
+              </a:ln>
+            </p:spPr>
+            <p:txBody>
+              <a:bodyPr/>
+              <a:lstStyle/>
+              <a:p>
+                <a:r>
+                  <a:rPr lang="en-US">
+                    <a:noFill/>
+                  </a:rPr>
+                  <a:t> </a:t>
+                </a:r>
+              </a:p>
+            </p:txBody>
+          </p:sp>
+        </mc:Fallback>
+      </mc:AlternateContent>
     </p:spTree>
     <p:extLst>
       <p:ext uri="{BB962C8B-B14F-4D97-AF65-F5344CB8AC3E}">
@@ -7167,8 +7694,8 @@
           </a:fontRef>
         </p:style>
       </p:cxnSp>
-      <mc:AlternateContent xmlns:mc="http://schemas.openxmlformats.org/markup-compatibility/2006">
-        <mc:Choice xmlns:a14="http://schemas.microsoft.com/office/drawing/2010/main" Requires="a14">
+      <mc:AlternateContent xmlns:mc="http://schemas.openxmlformats.org/markup-compatibility/2006" xmlns:a14="http://schemas.microsoft.com/office/drawing/2010/main">
+        <mc:Choice Requires="a14">
           <p:sp>
             <p:nvSpPr>
               <p:cNvPr id="14" name="Rectangle 13">
@@ -7345,7 +7872,7 @@
             </p:txBody>
           </p:sp>
         </mc:Choice>
-        <mc:Fallback>
+        <mc:Fallback xmlns="">
           <p:sp>
             <p:nvSpPr>
               <p:cNvPr id="14" name="Rectangle 13">
@@ -7775,8 +8302,8 @@
           </p:sp>
         </mc:Fallback>
       </mc:AlternateContent>
-      <mc:AlternateContent xmlns:mc="http://schemas.openxmlformats.org/markup-compatibility/2006">
-        <mc:Choice xmlns:a14="http://schemas.microsoft.com/office/drawing/2010/main" Requires="a14">
+      <mc:AlternateContent xmlns:mc="http://schemas.openxmlformats.org/markup-compatibility/2006" xmlns:a14="http://schemas.microsoft.com/office/drawing/2010/main">
+        <mc:Choice Requires="a14">
           <p:sp>
             <p:nvSpPr>
               <p:cNvPr id="17" name="Rectangle 16">
@@ -7976,7 +8503,7 @@
             </p:txBody>
           </p:sp>
         </mc:Choice>
-        <mc:Fallback>
+        <mc:Fallback xmlns="">
           <p:sp>
             <p:nvSpPr>
               <p:cNvPr id="17" name="Rectangle 16">
@@ -8213,6 +8740,226 @@
           </p:sp>
         </mc:Fallback>
       </mc:AlternateContent>
+      <p:sp>
+        <p:nvSpPr>
+          <p:cNvPr id="19" name="Rectangle 18">
+            <a:extLst>
+              <a:ext uri="{FF2B5EF4-FFF2-40B4-BE49-F238E27FC236}">
+                <a16:creationId xmlns:a16="http://schemas.microsoft.com/office/drawing/2014/main" id="{9E4EC551-E6F1-492D-8233-BB93453778FD}"/>
+              </a:ext>
+            </a:extLst>
+          </p:cNvPr>
+          <p:cNvSpPr/>
+          <p:nvPr/>
+        </p:nvSpPr>
+        <p:spPr>
+          <a:xfrm>
+            <a:off x="77202" y="4606616"/>
+            <a:ext cx="10498494" cy="565008"/>
+          </a:xfrm>
+          <a:prstGeom prst="rect">
+            <a:avLst/>
+          </a:prstGeom>
+          <a:solidFill>
+            <a:schemeClr val="bg1"/>
+          </a:solidFill>
+          <a:ln>
+            <a:solidFill>
+              <a:schemeClr val="bg1"/>
+            </a:solidFill>
+          </a:ln>
+        </p:spPr>
+        <p:style>
+          <a:lnRef idx="2">
+            <a:schemeClr val="accent1">
+              <a:shade val="50000"/>
+            </a:schemeClr>
+          </a:lnRef>
+          <a:fillRef idx="1">
+            <a:schemeClr val="accent1"/>
+          </a:fillRef>
+          <a:effectRef idx="0">
+            <a:schemeClr val="accent1"/>
+          </a:effectRef>
+          <a:fontRef idx="minor">
+            <a:schemeClr val="lt1"/>
+          </a:fontRef>
+        </p:style>
+        <p:txBody>
+          <a:bodyPr rtlCol="0" anchor="ctr"/>
+          <a:lstStyle/>
+          <a:p>
+            <a:pPr algn="ctr"/>
+            <a:endParaRPr lang="en-US"/>
+          </a:p>
+        </p:txBody>
+      </p:sp>
+      <mc:AlternateContent xmlns:mc="http://schemas.openxmlformats.org/markup-compatibility/2006" xmlns:a14="http://schemas.microsoft.com/office/drawing/2010/main">
+        <mc:Choice Requires="a14">
+          <p:sp>
+            <p:nvSpPr>
+              <p:cNvPr id="20" name="Rectangle 19">
+                <a:extLst>
+                  <a:ext uri="{FF2B5EF4-FFF2-40B4-BE49-F238E27FC236}">
+                    <a16:creationId xmlns:a16="http://schemas.microsoft.com/office/drawing/2014/main" id="{D56AEFAD-EF9A-4898-8F6E-3F48EA9B8778}"/>
+                  </a:ext>
+                </a:extLst>
+              </p:cNvPr>
+              <p:cNvSpPr/>
+              <p:nvPr/>
+            </p:nvSpPr>
+            <p:spPr>
+              <a:xfrm>
+                <a:off x="10290286" y="4597508"/>
+                <a:ext cx="1901714" cy="420679"/>
+              </a:xfrm>
+              <a:prstGeom prst="rect">
+                <a:avLst/>
+              </a:prstGeom>
+              <a:noFill/>
+              <a:ln>
+                <a:noFill/>
+              </a:ln>
+            </p:spPr>
+            <p:style>
+              <a:lnRef idx="2">
+                <a:schemeClr val="accent1">
+                  <a:shade val="50000"/>
+                </a:schemeClr>
+              </a:lnRef>
+              <a:fillRef idx="1">
+                <a:schemeClr val="accent1"/>
+              </a:fillRef>
+              <a:effectRef idx="0">
+                <a:schemeClr val="accent1"/>
+              </a:effectRef>
+              <a:fontRef idx="minor">
+                <a:schemeClr val="lt1"/>
+              </a:fontRef>
+            </p:style>
+            <p:txBody>
+              <a:bodyPr rtlCol="0" anchor="ctr"/>
+              <a:lstStyle/>
+              <a:p>
+                <a:pPr algn="ctr"/>
+                <a14:m>
+                  <m:oMathPara xmlns:m="http://schemas.openxmlformats.org/officeDocument/2006/math">
+                    <m:oMathParaPr>
+                      <m:jc m:val="centerGroup"/>
+                    </m:oMathParaPr>
+                    <m:oMath xmlns:m="http://schemas.openxmlformats.org/officeDocument/2006/math">
+                      <m:r>
+                        <a:rPr lang="en-US" i="1" dirty="0" smtClean="0">
+                          <a:solidFill>
+                            <a:schemeClr val="tx1"/>
+                          </a:solidFill>
+                          <a:latin typeface="Cambria Math" panose="02040503050406030204" pitchFamily="18" charset="0"/>
+                          <a:cs typeface="Times New Roman" panose="02020603050405020304" pitchFamily="18" charset="0"/>
+                        </a:rPr>
+                        <m:t>𝑓</m:t>
+                      </m:r>
+                      <m:r>
+                        <a:rPr lang="en-US" b="0" i="0" dirty="0" smtClean="0">
+                          <a:solidFill>
+                            <a:schemeClr val="tx1"/>
+                          </a:solidFill>
+                          <a:latin typeface="Cambria Math" panose="02040503050406030204" pitchFamily="18" charset="0"/>
+                          <a:cs typeface="Times New Roman" panose="02020603050405020304" pitchFamily="18" charset="0"/>
+                        </a:rPr>
+                        <m:t>=</m:t>
+                      </m:r>
+                      <m:r>
+                        <a:rPr lang="en-US" b="0" i="1" dirty="0" smtClean="0">
+                          <a:solidFill>
+                            <a:schemeClr val="tx1"/>
+                          </a:solidFill>
+                          <a:latin typeface="Cambria Math" panose="02040503050406030204" pitchFamily="18" charset="0"/>
+                          <a:cs typeface="Times New Roman" panose="02020603050405020304" pitchFamily="18" charset="0"/>
+                        </a:rPr>
+                        <m:t>81.3 </m:t>
+                      </m:r>
+                      <m:r>
+                        <a:rPr lang="en-US" b="0" i="1" dirty="0" smtClean="0">
+                          <a:solidFill>
+                            <a:schemeClr val="tx1"/>
+                          </a:solidFill>
+                          <a:latin typeface="Cambria Math" panose="02040503050406030204" pitchFamily="18" charset="0"/>
+                          <a:cs typeface="Times New Roman" panose="02020603050405020304" pitchFamily="18" charset="0"/>
+                        </a:rPr>
+                        <m:t>𝑘𝐻𝑧</m:t>
+                      </m:r>
+                      <m:r>
+                        <a:rPr lang="en-US" b="1" i="1" dirty="0" smtClean="0">
+                          <a:solidFill>
+                            <a:schemeClr val="tx1"/>
+                          </a:solidFill>
+                          <a:latin typeface="Cambria Math" panose="02040503050406030204" pitchFamily="18" charset="0"/>
+                          <a:cs typeface="Times New Roman" panose="02020603050405020304" pitchFamily="18" charset="0"/>
+                        </a:rPr>
+                        <m:t> </m:t>
+                      </m:r>
+                    </m:oMath>
+                  </m:oMathPara>
+                </a14:m>
+                <a:endParaRPr lang="en-US" b="1" dirty="0">
+                  <a:solidFill>
+                    <a:schemeClr val="tx1"/>
+                  </a:solidFill>
+                  <a:latin typeface="Times New Roman" panose="02020603050405020304" pitchFamily="18" charset="0"/>
+                  <a:cs typeface="Times New Roman" panose="02020603050405020304" pitchFamily="18" charset="0"/>
+                </a:endParaRPr>
+              </a:p>
+            </p:txBody>
+          </p:sp>
+        </mc:Choice>
+        <mc:Fallback xmlns="">
+          <p:sp>
+            <p:nvSpPr>
+              <p:cNvPr id="20" name="Rectangle 19">
+                <a:extLst>
+                  <a:ext uri="{FF2B5EF4-FFF2-40B4-BE49-F238E27FC236}">
+                    <a16:creationId xmlns:a16="http://schemas.microsoft.com/office/drawing/2014/main" id="{D56AEFAD-EF9A-4898-8F6E-3F48EA9B8778}"/>
+                  </a:ext>
+                </a:extLst>
+              </p:cNvPr>
+              <p:cNvSpPr>
+                <a:spLocks noRot="1" noChangeAspect="1" noMove="1" noResize="1" noEditPoints="1" noAdjustHandles="1" noChangeArrowheads="1" noChangeShapeType="1" noTextEdit="1"/>
+              </p:cNvSpPr>
+              <p:nvPr/>
+            </p:nvSpPr>
+            <p:spPr>
+              <a:xfrm>
+                <a:off x="10290286" y="4597508"/>
+                <a:ext cx="1901714" cy="420679"/>
+              </a:xfrm>
+              <a:prstGeom prst="rect">
+                <a:avLst/>
+              </a:prstGeom>
+              <a:blipFill>
+                <a:blip r:embed="rId12"/>
+                <a:stretch>
+                  <a:fillRect b="-7246"/>
+                </a:stretch>
+              </a:blipFill>
+              <a:ln>
+                <a:noFill/>
+              </a:ln>
+            </p:spPr>
+            <p:txBody>
+              <a:bodyPr/>
+              <a:lstStyle/>
+              <a:p>
+                <a:r>
+                  <a:rPr lang="en-US">
+                    <a:noFill/>
+                  </a:rPr>
+                  <a:t> </a:t>
+                </a:r>
+              </a:p>
+            </p:txBody>
+          </p:sp>
+        </mc:Fallback>
+      </mc:AlternateContent>
     </p:spTree>
     <p:extLst>
       <p:ext uri="{BB962C8B-B14F-4D97-AF65-F5344CB8AC3E}">
@@ -8243,6 +8990,5656 @@
           <a:chExt cx="0" cy="0"/>
         </a:xfrm>
       </p:grpSpPr>
+      <p:pic>
+        <p:nvPicPr>
+          <p:cNvPr id="3" name="Picture 2">
+            <a:extLst>
+              <a:ext uri="{FF2B5EF4-FFF2-40B4-BE49-F238E27FC236}">
+                <a16:creationId xmlns:a16="http://schemas.microsoft.com/office/drawing/2014/main" id="{35666693-5BE4-41A0-95BC-84C0798C8BF6}"/>
+              </a:ext>
+            </a:extLst>
+          </p:cNvPr>
+          <p:cNvPicPr>
+            <a:picLocks noChangeAspect="1"/>
+          </p:cNvPicPr>
+          <p:nvPr/>
+        </p:nvPicPr>
+        <p:blipFill>
+          <a:blip r:embed="rId3">
+            <a:extLst>
+              <a:ext uri="{28A0092B-C50C-407E-A947-70E740481C1C}">
+                <a14:useLocalDpi xmlns:a14="http://schemas.microsoft.com/office/drawing/2010/main" val="0"/>
+              </a:ext>
+            </a:extLst>
+          </a:blip>
+          <a:stretch>
+            <a:fillRect/>
+          </a:stretch>
+        </p:blipFill>
+        <p:spPr>
+          <a:xfrm>
+            <a:off x="0" y="1414689"/>
+            <a:ext cx="10498494" cy="4383121"/>
+          </a:xfrm>
+          <a:prstGeom prst="rect">
+            <a:avLst/>
+          </a:prstGeom>
+        </p:spPr>
+      </p:pic>
+      <mc:AlternateContent xmlns:mc="http://schemas.openxmlformats.org/markup-compatibility/2006" xmlns:a14="http://schemas.microsoft.com/office/drawing/2010/main">
+        <mc:Choice Requires="a14">
+          <p:sp>
+            <p:nvSpPr>
+              <p:cNvPr id="13" name="Rectangle 12">
+                <a:extLst>
+                  <a:ext uri="{FF2B5EF4-FFF2-40B4-BE49-F238E27FC236}">
+                    <a16:creationId xmlns:a16="http://schemas.microsoft.com/office/drawing/2014/main" id="{C78D190F-CC1B-45BE-9B83-F10B33254BBC}"/>
+                  </a:ext>
+                </a:extLst>
+              </p:cNvPr>
+              <p:cNvSpPr/>
+              <p:nvPr/>
+            </p:nvSpPr>
+            <p:spPr>
+              <a:xfrm>
+                <a:off x="5911724" y="2267050"/>
+                <a:ext cx="1091681" cy="420679"/>
+              </a:xfrm>
+              <a:prstGeom prst="rect">
+                <a:avLst/>
+              </a:prstGeom>
+              <a:noFill/>
+              <a:ln>
+                <a:solidFill>
+                  <a:schemeClr val="bg1"/>
+                </a:solidFill>
+              </a:ln>
+            </p:spPr>
+            <p:style>
+              <a:lnRef idx="2">
+                <a:schemeClr val="accent1">
+                  <a:shade val="50000"/>
+                </a:schemeClr>
+              </a:lnRef>
+              <a:fillRef idx="1">
+                <a:schemeClr val="accent1"/>
+              </a:fillRef>
+              <a:effectRef idx="0">
+                <a:schemeClr val="accent1"/>
+              </a:effectRef>
+              <a:fontRef idx="minor">
+                <a:schemeClr val="lt1"/>
+              </a:fontRef>
+            </p:style>
+            <p:txBody>
+              <a:bodyPr rtlCol="0" anchor="ctr"/>
+              <a:lstStyle/>
+              <a:p>
+                <a:pPr algn="ctr"/>
+                <a14:m>
+                  <m:oMathPara xmlns:m="http://schemas.openxmlformats.org/officeDocument/2006/math">
+                    <m:oMathParaPr>
+                      <m:jc m:val="centerGroup"/>
+                    </m:oMathParaPr>
+                    <m:oMath xmlns:m="http://schemas.openxmlformats.org/officeDocument/2006/math">
+                      <m:sSub>
+                        <m:sSubPr>
+                          <m:ctrlPr>
+                            <a:rPr lang="en-US" sz="2000" b="1" i="1" smtClean="0">
+                              <a:solidFill>
+                                <a:schemeClr val="tx1"/>
+                              </a:solidFill>
+                              <a:latin typeface="Cambria Math" panose="02040503050406030204" pitchFamily="18" charset="0"/>
+                              <a:cs typeface="Times New Roman" panose="02020603050405020304" pitchFamily="18" charset="0"/>
+                            </a:rPr>
+                          </m:ctrlPr>
+                        </m:sSubPr>
+                        <m:e>
+                          <m:r>
+                            <a:rPr lang="en-US" sz="2000" b="1" i="0" smtClean="0">
+                              <a:solidFill>
+                                <a:schemeClr val="tx1"/>
+                              </a:solidFill>
+                              <a:latin typeface="Cambria Math" panose="02040503050406030204" pitchFamily="18" charset="0"/>
+                              <a:cs typeface="Times New Roman" panose="02020603050405020304" pitchFamily="18" charset="0"/>
+                            </a:rPr>
+                            <m:t>𝐕</m:t>
+                          </m:r>
+                        </m:e>
+                        <m:sub>
+                          <m:r>
+                            <a:rPr lang="en-US" sz="2000" b="1" i="0" smtClean="0">
+                              <a:solidFill>
+                                <a:schemeClr val="tx1"/>
+                              </a:solidFill>
+                              <a:latin typeface="Cambria Math" panose="02040503050406030204" pitchFamily="18" charset="0"/>
+                              <a:cs typeface="Times New Roman" panose="02020603050405020304" pitchFamily="18" charset="0"/>
+                            </a:rPr>
+                            <m:t>𝐎</m:t>
+                          </m:r>
+                        </m:sub>
+                      </m:sSub>
+                    </m:oMath>
+                  </m:oMathPara>
+                </a14:m>
+                <a:endParaRPr lang="en-US" sz="2000" b="1" dirty="0">
+                  <a:solidFill>
+                    <a:schemeClr val="tx1"/>
+                  </a:solidFill>
+                  <a:latin typeface="Times New Roman" panose="02020603050405020304" pitchFamily="18" charset="0"/>
+                  <a:cs typeface="Times New Roman" panose="02020603050405020304" pitchFamily="18" charset="0"/>
+                </a:endParaRPr>
+              </a:p>
+            </p:txBody>
+          </p:sp>
+        </mc:Choice>
+        <mc:Fallback xmlns="">
+          <p:sp>
+            <p:nvSpPr>
+              <p:cNvPr id="13" name="Rectangle 12">
+                <a:extLst>
+                  <a:ext uri="{FF2B5EF4-FFF2-40B4-BE49-F238E27FC236}">
+                    <a16:creationId xmlns:a16="http://schemas.microsoft.com/office/drawing/2014/main" id="{C78D190F-CC1B-45BE-9B83-F10B33254BBC}"/>
+                  </a:ext>
+                </a:extLst>
+              </p:cNvPr>
+              <p:cNvSpPr>
+                <a:spLocks noRot="1" noChangeAspect="1" noMove="1" noResize="1" noEditPoints="1" noAdjustHandles="1" noChangeArrowheads="1" noChangeShapeType="1" noTextEdit="1"/>
+              </p:cNvSpPr>
+              <p:nvPr/>
+            </p:nvSpPr>
+            <p:spPr>
+              <a:xfrm>
+                <a:off x="5911724" y="2267050"/>
+                <a:ext cx="1091681" cy="420679"/>
+              </a:xfrm>
+              <a:prstGeom prst="rect">
+                <a:avLst/>
+              </a:prstGeom>
+              <a:blipFill>
+                <a:blip r:embed="rId4"/>
+                <a:stretch>
+                  <a:fillRect/>
+                </a:stretch>
+              </a:blipFill>
+              <a:ln>
+                <a:solidFill>
+                  <a:schemeClr val="bg1"/>
+                </a:solidFill>
+              </a:ln>
+            </p:spPr>
+            <p:txBody>
+              <a:bodyPr/>
+              <a:lstStyle/>
+              <a:p>
+                <a:r>
+                  <a:rPr lang="en-US">
+                    <a:noFill/>
+                  </a:rPr>
+                  <a:t> </a:t>
+                </a:r>
+              </a:p>
+            </p:txBody>
+          </p:sp>
+        </mc:Fallback>
+      </mc:AlternateContent>
+      <mc:AlternateContent xmlns:mc="http://schemas.openxmlformats.org/markup-compatibility/2006" xmlns:a14="http://schemas.microsoft.com/office/drawing/2010/main">
+        <mc:Choice Requires="a14">
+          <p:sp>
+            <p:nvSpPr>
+              <p:cNvPr id="18" name="Rectangle 17">
+                <a:extLst>
+                  <a:ext uri="{FF2B5EF4-FFF2-40B4-BE49-F238E27FC236}">
+                    <a16:creationId xmlns:a16="http://schemas.microsoft.com/office/drawing/2014/main" id="{D639AAEF-24B2-424D-A094-692B9F3DFA26}"/>
+                  </a:ext>
+                </a:extLst>
+              </p:cNvPr>
+              <p:cNvSpPr/>
+              <p:nvPr/>
+            </p:nvSpPr>
+            <p:spPr>
+              <a:xfrm>
+                <a:off x="6098827" y="1095352"/>
+                <a:ext cx="1091681" cy="420679"/>
+              </a:xfrm>
+              <a:prstGeom prst="rect">
+                <a:avLst/>
+              </a:prstGeom>
+              <a:noFill/>
+              <a:ln>
+                <a:noFill/>
+              </a:ln>
+            </p:spPr>
+            <p:style>
+              <a:lnRef idx="2">
+                <a:schemeClr val="accent1">
+                  <a:shade val="50000"/>
+                </a:schemeClr>
+              </a:lnRef>
+              <a:fillRef idx="1">
+                <a:schemeClr val="accent1"/>
+              </a:fillRef>
+              <a:effectRef idx="0">
+                <a:schemeClr val="accent1"/>
+              </a:effectRef>
+              <a:fontRef idx="minor">
+                <a:schemeClr val="lt1"/>
+              </a:fontRef>
+            </p:style>
+            <p:txBody>
+              <a:bodyPr rtlCol="0" anchor="ctr"/>
+              <a:lstStyle/>
+              <a:p>
+                <a:pPr algn="ctr"/>
+                <a14:m>
+                  <m:oMathPara xmlns:m="http://schemas.openxmlformats.org/officeDocument/2006/math">
+                    <m:oMathParaPr>
+                      <m:jc m:val="centerGroup"/>
+                    </m:oMathParaPr>
+                    <m:oMath xmlns:m="http://schemas.openxmlformats.org/officeDocument/2006/math">
+                      <m:sSub>
+                        <m:sSubPr>
+                          <m:ctrlPr>
+                            <a:rPr lang="en-US" sz="2000" b="1" i="1" smtClean="0">
+                              <a:solidFill>
+                                <a:schemeClr val="tx1"/>
+                              </a:solidFill>
+                              <a:latin typeface="Cambria Math" panose="02040503050406030204" pitchFamily="18" charset="0"/>
+                              <a:cs typeface="Times New Roman" panose="02020603050405020304" pitchFamily="18" charset="0"/>
+                            </a:rPr>
+                          </m:ctrlPr>
+                        </m:sSubPr>
+                        <m:e>
+                          <m:r>
+                            <a:rPr lang="en-US" sz="2000" b="1" i="0" smtClean="0">
+                              <a:solidFill>
+                                <a:schemeClr val="tx1"/>
+                              </a:solidFill>
+                              <a:latin typeface="Cambria Math" panose="02040503050406030204" pitchFamily="18" charset="0"/>
+                              <a:cs typeface="Times New Roman" panose="02020603050405020304" pitchFamily="18" charset="0"/>
+                            </a:rPr>
+                            <m:t>𝐕</m:t>
+                          </m:r>
+                        </m:e>
+                        <m:sub>
+                          <m:r>
+                            <a:rPr lang="en-US" sz="2000" b="1" i="0" smtClean="0">
+                              <a:solidFill>
+                                <a:schemeClr val="tx1"/>
+                              </a:solidFill>
+                              <a:latin typeface="Cambria Math" panose="02040503050406030204" pitchFamily="18" charset="0"/>
+                              <a:cs typeface="Times New Roman" panose="02020603050405020304" pitchFamily="18" charset="0"/>
+                            </a:rPr>
+                            <m:t>𝐑𝐗</m:t>
+                          </m:r>
+                        </m:sub>
+                      </m:sSub>
+                    </m:oMath>
+                  </m:oMathPara>
+                </a14:m>
+                <a:endParaRPr lang="en-US" sz="2000" b="1" dirty="0">
+                  <a:solidFill>
+                    <a:schemeClr val="tx1"/>
+                  </a:solidFill>
+                  <a:latin typeface="Times New Roman" panose="02020603050405020304" pitchFamily="18" charset="0"/>
+                  <a:cs typeface="Times New Roman" panose="02020603050405020304" pitchFamily="18" charset="0"/>
+                </a:endParaRPr>
+              </a:p>
+            </p:txBody>
+          </p:sp>
+        </mc:Choice>
+        <mc:Fallback xmlns="">
+          <p:sp>
+            <p:nvSpPr>
+              <p:cNvPr id="18" name="Rectangle 17">
+                <a:extLst>
+                  <a:ext uri="{FF2B5EF4-FFF2-40B4-BE49-F238E27FC236}">
+                    <a16:creationId xmlns:a16="http://schemas.microsoft.com/office/drawing/2014/main" id="{D639AAEF-24B2-424D-A094-692B9F3DFA26}"/>
+                  </a:ext>
+                </a:extLst>
+              </p:cNvPr>
+              <p:cNvSpPr>
+                <a:spLocks noRot="1" noChangeAspect="1" noMove="1" noResize="1" noEditPoints="1" noAdjustHandles="1" noChangeArrowheads="1" noChangeShapeType="1" noTextEdit="1"/>
+              </p:cNvSpPr>
+              <p:nvPr/>
+            </p:nvSpPr>
+            <p:spPr>
+              <a:xfrm>
+                <a:off x="6098827" y="1095352"/>
+                <a:ext cx="1091681" cy="420679"/>
+              </a:xfrm>
+              <a:prstGeom prst="rect">
+                <a:avLst/>
+              </a:prstGeom>
+              <a:blipFill>
+                <a:blip r:embed="rId5"/>
+                <a:stretch>
+                  <a:fillRect/>
+                </a:stretch>
+              </a:blipFill>
+              <a:ln>
+                <a:noFill/>
+              </a:ln>
+            </p:spPr>
+            <p:txBody>
+              <a:bodyPr/>
+              <a:lstStyle/>
+              <a:p>
+                <a:r>
+                  <a:rPr lang="en-US">
+                    <a:noFill/>
+                  </a:rPr>
+                  <a:t> </a:t>
+                </a:r>
+              </a:p>
+            </p:txBody>
+          </p:sp>
+        </mc:Fallback>
+      </mc:AlternateContent>
+      <mc:AlternateContent xmlns:mc="http://schemas.openxmlformats.org/markup-compatibility/2006" xmlns:a14="http://schemas.microsoft.com/office/drawing/2010/main">
+        <mc:Choice Requires="a14">
+          <p:sp>
+            <p:nvSpPr>
+              <p:cNvPr id="19" name="Rectangle 18">
+                <a:extLst>
+                  <a:ext uri="{FF2B5EF4-FFF2-40B4-BE49-F238E27FC236}">
+                    <a16:creationId xmlns:a16="http://schemas.microsoft.com/office/drawing/2014/main" id="{329A5B9E-73F7-4D12-A03F-E6E60CA255C3}"/>
+                  </a:ext>
+                </a:extLst>
+              </p:cNvPr>
+              <p:cNvSpPr/>
+              <p:nvPr/>
+            </p:nvSpPr>
+            <p:spPr>
+              <a:xfrm>
+                <a:off x="5552987" y="3475653"/>
+                <a:ext cx="1091681" cy="420679"/>
+              </a:xfrm>
+              <a:prstGeom prst="rect">
+                <a:avLst/>
+              </a:prstGeom>
+              <a:noFill/>
+              <a:ln>
+                <a:noFill/>
+              </a:ln>
+            </p:spPr>
+            <p:style>
+              <a:lnRef idx="2">
+                <a:schemeClr val="accent1">
+                  <a:shade val="50000"/>
+                </a:schemeClr>
+              </a:lnRef>
+              <a:fillRef idx="1">
+                <a:schemeClr val="accent1"/>
+              </a:fillRef>
+              <a:effectRef idx="0">
+                <a:schemeClr val="accent1"/>
+              </a:effectRef>
+              <a:fontRef idx="minor">
+                <a:schemeClr val="lt1"/>
+              </a:fontRef>
+            </p:style>
+            <p:txBody>
+              <a:bodyPr rtlCol="0" anchor="ctr"/>
+              <a:lstStyle/>
+              <a:p>
+                <a:pPr algn="ctr"/>
+                <a14:m>
+                  <m:oMathPara xmlns:m="http://schemas.openxmlformats.org/officeDocument/2006/math">
+                    <m:oMathParaPr>
+                      <m:jc m:val="centerGroup"/>
+                    </m:oMathParaPr>
+                    <m:oMath xmlns:m="http://schemas.openxmlformats.org/officeDocument/2006/math">
+                      <m:sSub>
+                        <m:sSubPr>
+                          <m:ctrlPr>
+                            <a:rPr lang="en-US" sz="2000" b="1" i="1" smtClean="0">
+                              <a:solidFill>
+                                <a:schemeClr val="tx1"/>
+                              </a:solidFill>
+                              <a:latin typeface="Cambria Math" panose="02040503050406030204" pitchFamily="18" charset="0"/>
+                              <a:cs typeface="Times New Roman" panose="02020603050405020304" pitchFamily="18" charset="0"/>
+                            </a:rPr>
+                          </m:ctrlPr>
+                        </m:sSubPr>
+                        <m:e>
+                          <m:r>
+                            <a:rPr lang="en-US" sz="2000" b="1" i="0" smtClean="0">
+                              <a:solidFill>
+                                <a:schemeClr val="tx1"/>
+                              </a:solidFill>
+                              <a:latin typeface="Cambria Math" panose="02040503050406030204" pitchFamily="18" charset="0"/>
+                              <a:cs typeface="Times New Roman" panose="02020603050405020304" pitchFamily="18" charset="0"/>
+                            </a:rPr>
+                            <m:t>𝐈</m:t>
+                          </m:r>
+                        </m:e>
+                        <m:sub>
+                          <m:r>
+                            <a:rPr lang="en-US" sz="2000" b="1" i="0" smtClean="0">
+                              <a:solidFill>
+                                <a:schemeClr val="tx1"/>
+                              </a:solidFill>
+                              <a:latin typeface="Cambria Math" panose="02040503050406030204" pitchFamily="18" charset="0"/>
+                              <a:cs typeface="Times New Roman" panose="02020603050405020304" pitchFamily="18" charset="0"/>
+                            </a:rPr>
+                            <m:t>𝐓𝐗</m:t>
+                          </m:r>
+                        </m:sub>
+                      </m:sSub>
+                    </m:oMath>
+                  </m:oMathPara>
+                </a14:m>
+                <a:endParaRPr lang="en-US" sz="2000" b="1" dirty="0">
+                  <a:solidFill>
+                    <a:schemeClr val="tx1"/>
+                  </a:solidFill>
+                  <a:latin typeface="Times New Roman" panose="02020603050405020304" pitchFamily="18" charset="0"/>
+                  <a:cs typeface="Times New Roman" panose="02020603050405020304" pitchFamily="18" charset="0"/>
+                </a:endParaRPr>
+              </a:p>
+            </p:txBody>
+          </p:sp>
+        </mc:Choice>
+        <mc:Fallback xmlns="">
+          <p:sp>
+            <p:nvSpPr>
+              <p:cNvPr id="19" name="Rectangle 18">
+                <a:extLst>
+                  <a:ext uri="{FF2B5EF4-FFF2-40B4-BE49-F238E27FC236}">
+                    <a16:creationId xmlns:a16="http://schemas.microsoft.com/office/drawing/2014/main" id="{329A5B9E-73F7-4D12-A03F-E6E60CA255C3}"/>
+                  </a:ext>
+                </a:extLst>
+              </p:cNvPr>
+              <p:cNvSpPr>
+                <a:spLocks noRot="1" noChangeAspect="1" noMove="1" noResize="1" noEditPoints="1" noAdjustHandles="1" noChangeArrowheads="1" noChangeShapeType="1" noTextEdit="1"/>
+              </p:cNvSpPr>
+              <p:nvPr/>
+            </p:nvSpPr>
+            <p:spPr>
+              <a:xfrm>
+                <a:off x="5552987" y="3475653"/>
+                <a:ext cx="1091681" cy="420679"/>
+              </a:xfrm>
+              <a:prstGeom prst="rect">
+                <a:avLst/>
+              </a:prstGeom>
+              <a:blipFill>
+                <a:blip r:embed="rId6"/>
+                <a:stretch>
+                  <a:fillRect b="-1449"/>
+                </a:stretch>
+              </a:blipFill>
+              <a:ln>
+                <a:noFill/>
+              </a:ln>
+            </p:spPr>
+            <p:txBody>
+              <a:bodyPr/>
+              <a:lstStyle/>
+              <a:p>
+                <a:r>
+                  <a:rPr lang="en-US">
+                    <a:noFill/>
+                  </a:rPr>
+                  <a:t> </a:t>
+                </a:r>
+              </a:p>
+            </p:txBody>
+          </p:sp>
+        </mc:Fallback>
+      </mc:AlternateContent>
+      <p:cxnSp>
+        <p:nvCxnSpPr>
+          <p:cNvPr id="24" name="Straight Arrow Connector 23">
+            <a:extLst>
+              <a:ext uri="{FF2B5EF4-FFF2-40B4-BE49-F238E27FC236}">
+                <a16:creationId xmlns:a16="http://schemas.microsoft.com/office/drawing/2014/main" id="{1561FD11-ED2C-45FE-9BCF-4A8229560D6D}"/>
+              </a:ext>
+            </a:extLst>
+          </p:cNvPr>
+          <p:cNvCxnSpPr>
+            <a:cxnSpLocks/>
+          </p:cNvCxnSpPr>
+          <p:nvPr/>
+        </p:nvCxnSpPr>
+        <p:spPr>
+          <a:xfrm flipH="1">
+            <a:off x="5695567" y="3755600"/>
+            <a:ext cx="181950" cy="143317"/>
+          </a:xfrm>
+          <a:prstGeom prst="straightConnector1">
+            <a:avLst/>
+          </a:prstGeom>
+          <a:ln>
+            <a:solidFill>
+              <a:schemeClr val="tx1"/>
+            </a:solidFill>
+            <a:tailEnd type="triangle"/>
+          </a:ln>
+        </p:spPr>
+        <p:style>
+          <a:lnRef idx="1">
+            <a:schemeClr val="accent1"/>
+          </a:lnRef>
+          <a:fillRef idx="0">
+            <a:schemeClr val="accent1"/>
+          </a:fillRef>
+          <a:effectRef idx="0">
+            <a:schemeClr val="accent1"/>
+          </a:effectRef>
+          <a:fontRef idx="minor">
+            <a:schemeClr val="tx1"/>
+          </a:fontRef>
+        </p:style>
+      </p:cxnSp>
+      <p:cxnSp>
+        <p:nvCxnSpPr>
+          <p:cNvPr id="35" name="Straight Arrow Connector 34">
+            <a:extLst>
+              <a:ext uri="{FF2B5EF4-FFF2-40B4-BE49-F238E27FC236}">
+                <a16:creationId xmlns:a16="http://schemas.microsoft.com/office/drawing/2014/main" id="{45FAB3C2-9FED-49F0-8CFD-429A52682953}"/>
+              </a:ext>
+            </a:extLst>
+          </p:cNvPr>
+          <p:cNvCxnSpPr>
+            <a:cxnSpLocks/>
+          </p:cNvCxnSpPr>
+          <p:nvPr/>
+        </p:nvCxnSpPr>
+        <p:spPr>
+          <a:xfrm flipH="1">
+            <a:off x="6033795" y="2546513"/>
+            <a:ext cx="181950" cy="143317"/>
+          </a:xfrm>
+          <a:prstGeom prst="straightConnector1">
+            <a:avLst/>
+          </a:prstGeom>
+          <a:ln>
+            <a:solidFill>
+              <a:schemeClr val="tx1"/>
+            </a:solidFill>
+            <a:tailEnd type="triangle"/>
+          </a:ln>
+        </p:spPr>
+        <p:style>
+          <a:lnRef idx="1">
+            <a:schemeClr val="accent1"/>
+          </a:lnRef>
+          <a:fillRef idx="0">
+            <a:schemeClr val="accent1"/>
+          </a:fillRef>
+          <a:effectRef idx="0">
+            <a:schemeClr val="accent1"/>
+          </a:effectRef>
+          <a:fontRef idx="minor">
+            <a:schemeClr val="tx1"/>
+          </a:fontRef>
+        </p:style>
+      </p:cxnSp>
+      <p:cxnSp>
+        <p:nvCxnSpPr>
+          <p:cNvPr id="36" name="Straight Arrow Connector 35">
+            <a:extLst>
+              <a:ext uri="{FF2B5EF4-FFF2-40B4-BE49-F238E27FC236}">
+                <a16:creationId xmlns:a16="http://schemas.microsoft.com/office/drawing/2014/main" id="{C33A3D9F-BD1E-4C75-B08B-9C88AEABA8DD}"/>
+              </a:ext>
+            </a:extLst>
+          </p:cNvPr>
+          <p:cNvCxnSpPr>
+            <a:cxnSpLocks/>
+          </p:cNvCxnSpPr>
+          <p:nvPr/>
+        </p:nvCxnSpPr>
+        <p:spPr>
+          <a:xfrm flipH="1">
+            <a:off x="6215745" y="1464529"/>
+            <a:ext cx="181950" cy="143317"/>
+          </a:xfrm>
+          <a:prstGeom prst="straightConnector1">
+            <a:avLst/>
+          </a:prstGeom>
+          <a:ln>
+            <a:solidFill>
+              <a:schemeClr val="tx1"/>
+            </a:solidFill>
+            <a:tailEnd type="triangle"/>
+          </a:ln>
+        </p:spPr>
+        <p:style>
+          <a:lnRef idx="1">
+            <a:schemeClr val="accent1"/>
+          </a:lnRef>
+          <a:fillRef idx="0">
+            <a:schemeClr val="accent1"/>
+          </a:fillRef>
+          <a:effectRef idx="0">
+            <a:schemeClr val="accent1"/>
+          </a:effectRef>
+          <a:fontRef idx="minor">
+            <a:schemeClr val="tx1"/>
+          </a:fontRef>
+        </p:style>
+      </p:cxnSp>
+      <p:sp>
+        <p:nvSpPr>
+          <p:cNvPr id="26" name="Rectangle 25">
+            <a:extLst>
+              <a:ext uri="{FF2B5EF4-FFF2-40B4-BE49-F238E27FC236}">
+                <a16:creationId xmlns:a16="http://schemas.microsoft.com/office/drawing/2014/main" id="{D1D4A26E-CB84-4F6F-89FC-F0BF3CAD86A7}"/>
+              </a:ext>
+            </a:extLst>
+          </p:cNvPr>
+          <p:cNvSpPr/>
+          <p:nvPr/>
+        </p:nvSpPr>
+        <p:spPr>
+          <a:xfrm>
+            <a:off x="0" y="4536027"/>
+            <a:ext cx="10498494" cy="605139"/>
+          </a:xfrm>
+          <a:prstGeom prst="rect">
+            <a:avLst/>
+          </a:prstGeom>
+          <a:solidFill>
+            <a:schemeClr val="bg1"/>
+          </a:solidFill>
+          <a:ln>
+            <a:solidFill>
+              <a:schemeClr val="bg1"/>
+            </a:solidFill>
+          </a:ln>
+        </p:spPr>
+        <p:style>
+          <a:lnRef idx="2">
+            <a:schemeClr val="accent1">
+              <a:shade val="50000"/>
+            </a:schemeClr>
+          </a:lnRef>
+          <a:fillRef idx="1">
+            <a:schemeClr val="accent1"/>
+          </a:fillRef>
+          <a:effectRef idx="0">
+            <a:schemeClr val="accent1"/>
+          </a:effectRef>
+          <a:fontRef idx="minor">
+            <a:schemeClr val="lt1"/>
+          </a:fontRef>
+        </p:style>
+        <p:txBody>
+          <a:bodyPr rtlCol="0" anchor="ctr"/>
+          <a:lstStyle/>
+          <a:p>
+            <a:pPr algn="ctr"/>
+            <a:endParaRPr lang="en-US"/>
+          </a:p>
+        </p:txBody>
+      </p:sp>
+      <mc:AlternateContent xmlns:mc="http://schemas.openxmlformats.org/markup-compatibility/2006" xmlns:a14="http://schemas.microsoft.com/office/drawing/2010/main">
+        <mc:Choice Requires="a14">
+          <p:sp>
+            <p:nvSpPr>
+              <p:cNvPr id="27" name="Rectangle 26">
+                <a:extLst>
+                  <a:ext uri="{FF2B5EF4-FFF2-40B4-BE49-F238E27FC236}">
+                    <a16:creationId xmlns:a16="http://schemas.microsoft.com/office/drawing/2014/main" id="{5C4A066B-DE9B-4115-B0FF-2B3CB6F8EF74}"/>
+                  </a:ext>
+                </a:extLst>
+              </p:cNvPr>
+              <p:cNvSpPr/>
+              <p:nvPr/>
+            </p:nvSpPr>
+            <p:spPr>
+              <a:xfrm>
+                <a:off x="361085" y="4548065"/>
+                <a:ext cx="1901714" cy="420679"/>
+              </a:xfrm>
+              <a:prstGeom prst="rect">
+                <a:avLst/>
+              </a:prstGeom>
+              <a:noFill/>
+              <a:ln>
+                <a:noFill/>
+              </a:ln>
+            </p:spPr>
+            <p:style>
+              <a:lnRef idx="2">
+                <a:schemeClr val="accent1">
+                  <a:shade val="50000"/>
+                </a:schemeClr>
+              </a:lnRef>
+              <a:fillRef idx="1">
+                <a:schemeClr val="accent1"/>
+              </a:fillRef>
+              <a:effectRef idx="0">
+                <a:schemeClr val="accent1"/>
+              </a:effectRef>
+              <a:fontRef idx="minor">
+                <a:schemeClr val="lt1"/>
+              </a:fontRef>
+            </p:style>
+            <p:txBody>
+              <a:bodyPr rtlCol="0" anchor="ctr"/>
+              <a:lstStyle/>
+              <a:p>
+                <a:pPr algn="ctr"/>
+                <a14:m>
+                  <m:oMathPara xmlns:m="http://schemas.openxmlformats.org/officeDocument/2006/math">
+                    <m:oMathParaPr>
+                      <m:jc m:val="centerGroup"/>
+                    </m:oMathParaPr>
+                    <m:oMath xmlns:m="http://schemas.openxmlformats.org/officeDocument/2006/math">
+                      <m:sSub>
+                        <m:sSubPr>
+                          <m:ctrlPr>
+                            <a:rPr lang="en-US" i="1" dirty="0" smtClean="0">
+                              <a:solidFill>
+                                <a:schemeClr val="tx1"/>
+                              </a:solidFill>
+                              <a:latin typeface="Cambria Math" panose="02040503050406030204" pitchFamily="18" charset="0"/>
+                              <a:cs typeface="Times New Roman" panose="02020603050405020304" pitchFamily="18" charset="0"/>
+                            </a:rPr>
+                          </m:ctrlPr>
+                        </m:sSubPr>
+                        <m:e>
+                          <m:r>
+                            <m:rPr>
+                              <m:sty m:val="p"/>
+                            </m:rPr>
+                            <a:rPr lang="en-US" b="0" i="0" dirty="0" smtClean="0">
+                              <a:solidFill>
+                                <a:schemeClr val="tx1"/>
+                              </a:solidFill>
+                              <a:latin typeface="Cambria Math" panose="02040503050406030204" pitchFamily="18" charset="0"/>
+                              <a:cs typeface="Times New Roman" panose="02020603050405020304" pitchFamily="18" charset="0"/>
+                            </a:rPr>
+                            <m:t>V</m:t>
+                          </m:r>
+                        </m:e>
+                        <m:sub>
+                          <m:r>
+                            <m:rPr>
+                              <m:sty m:val="p"/>
+                            </m:rPr>
+                            <a:rPr lang="en-US" b="0" i="0" dirty="0">
+                              <a:solidFill>
+                                <a:schemeClr val="tx1"/>
+                              </a:solidFill>
+                              <a:latin typeface="Cambria Math" panose="02040503050406030204" pitchFamily="18" charset="0"/>
+                              <a:cs typeface="Times New Roman" panose="02020603050405020304" pitchFamily="18" charset="0"/>
+                            </a:rPr>
+                            <m:t>RX</m:t>
+                          </m:r>
+                        </m:sub>
+                      </m:sSub>
+                      <m:r>
+                        <a:rPr lang="en-US" b="0" i="0" dirty="0" smtClean="0">
+                          <a:solidFill>
+                            <a:schemeClr val="tx1"/>
+                          </a:solidFill>
+                          <a:latin typeface="Cambria Math" panose="02040503050406030204" pitchFamily="18" charset="0"/>
+                          <a:cs typeface="Times New Roman" panose="02020603050405020304" pitchFamily="18" charset="0"/>
+                        </a:rPr>
+                        <m:t>=20.</m:t>
+                      </m:r>
+                      <m:r>
+                        <a:rPr lang="en-US" b="0" i="1" dirty="0" smtClean="0">
+                          <a:solidFill>
+                            <a:schemeClr val="tx1"/>
+                          </a:solidFill>
+                          <a:latin typeface="Cambria Math" panose="02040503050406030204" pitchFamily="18" charset="0"/>
+                          <a:cs typeface="Times New Roman" panose="02020603050405020304" pitchFamily="18" charset="0"/>
+                        </a:rPr>
+                        <m:t>8</m:t>
+                      </m:r>
+                      <m:sSub>
+                        <m:sSubPr>
+                          <m:ctrlPr>
+                            <a:rPr lang="en-US" i="1" dirty="0" smtClean="0">
+                              <a:solidFill>
+                                <a:schemeClr val="tx1"/>
+                              </a:solidFill>
+                              <a:latin typeface="Cambria Math" panose="02040503050406030204" pitchFamily="18" charset="0"/>
+                              <a:cs typeface="Times New Roman" panose="02020603050405020304" pitchFamily="18" charset="0"/>
+                            </a:rPr>
+                          </m:ctrlPr>
+                        </m:sSubPr>
+                        <m:e>
+                          <m:r>
+                            <a:rPr lang="en-US" b="0" i="1" dirty="0" smtClean="0">
+                              <a:solidFill>
+                                <a:schemeClr val="tx1"/>
+                              </a:solidFill>
+                              <a:latin typeface="Cambria Math" panose="02040503050406030204" pitchFamily="18" charset="0"/>
+                              <a:cs typeface="Times New Roman" panose="02020603050405020304" pitchFamily="18" charset="0"/>
+                            </a:rPr>
+                            <m:t> </m:t>
+                          </m:r>
+                          <m:r>
+                            <a:rPr lang="en-US" b="0" i="1" dirty="0" smtClean="0">
+                              <a:solidFill>
+                                <a:schemeClr val="tx1"/>
+                              </a:solidFill>
+                              <a:latin typeface="Cambria Math" panose="02040503050406030204" pitchFamily="18" charset="0"/>
+                              <a:cs typeface="Times New Roman" panose="02020603050405020304" pitchFamily="18" charset="0"/>
+                            </a:rPr>
+                            <m:t>𝐴</m:t>
+                          </m:r>
+                        </m:e>
+                        <m:sub>
+                          <m:r>
+                            <a:rPr lang="en-US" b="0" i="1" dirty="0" smtClean="0">
+                              <a:solidFill>
+                                <a:schemeClr val="tx1"/>
+                              </a:solidFill>
+                              <a:latin typeface="Cambria Math" panose="02040503050406030204" pitchFamily="18" charset="0"/>
+                              <a:cs typeface="Times New Roman" panose="02020603050405020304" pitchFamily="18" charset="0"/>
+                            </a:rPr>
+                            <m:t>𝑅𝑀𝑆</m:t>
+                          </m:r>
+                        </m:sub>
+                      </m:sSub>
+                      <m:r>
+                        <a:rPr lang="en-US" b="1" i="1" dirty="0" smtClean="0">
+                          <a:solidFill>
+                            <a:schemeClr val="tx1"/>
+                          </a:solidFill>
+                          <a:latin typeface="Cambria Math" panose="02040503050406030204" pitchFamily="18" charset="0"/>
+                          <a:cs typeface="Times New Roman" panose="02020603050405020304" pitchFamily="18" charset="0"/>
+                        </a:rPr>
+                        <m:t> </m:t>
+                      </m:r>
+                    </m:oMath>
+                  </m:oMathPara>
+                </a14:m>
+                <a:endParaRPr lang="en-US" b="1" dirty="0">
+                  <a:solidFill>
+                    <a:schemeClr val="tx1"/>
+                  </a:solidFill>
+                  <a:latin typeface="Times New Roman" panose="02020603050405020304" pitchFamily="18" charset="0"/>
+                  <a:cs typeface="Times New Roman" panose="02020603050405020304" pitchFamily="18" charset="0"/>
+                </a:endParaRPr>
+              </a:p>
+            </p:txBody>
+          </p:sp>
+        </mc:Choice>
+        <mc:Fallback xmlns="">
+          <p:sp>
+            <p:nvSpPr>
+              <p:cNvPr id="27" name="Rectangle 26">
+                <a:extLst>
+                  <a:ext uri="{FF2B5EF4-FFF2-40B4-BE49-F238E27FC236}">
+                    <a16:creationId xmlns:a16="http://schemas.microsoft.com/office/drawing/2014/main" id="{5C4A066B-DE9B-4115-B0FF-2B3CB6F8EF74}"/>
+                  </a:ext>
+                </a:extLst>
+              </p:cNvPr>
+              <p:cNvSpPr>
+                <a:spLocks noRot="1" noChangeAspect="1" noMove="1" noResize="1" noEditPoints="1" noAdjustHandles="1" noChangeArrowheads="1" noChangeShapeType="1" noTextEdit="1"/>
+              </p:cNvSpPr>
+              <p:nvPr/>
+            </p:nvSpPr>
+            <p:spPr>
+              <a:xfrm>
+                <a:off x="361085" y="4548065"/>
+                <a:ext cx="1901714" cy="420679"/>
+              </a:xfrm>
+              <a:prstGeom prst="rect">
+                <a:avLst/>
+              </a:prstGeom>
+              <a:blipFill>
+                <a:blip r:embed="rId7"/>
+                <a:stretch>
+                  <a:fillRect/>
+                </a:stretch>
+              </a:blipFill>
+              <a:ln>
+                <a:noFill/>
+              </a:ln>
+            </p:spPr>
+            <p:txBody>
+              <a:bodyPr/>
+              <a:lstStyle/>
+              <a:p>
+                <a:r>
+                  <a:rPr lang="en-US">
+                    <a:noFill/>
+                  </a:rPr>
+                  <a:t> </a:t>
+                </a:r>
+              </a:p>
+            </p:txBody>
+          </p:sp>
+        </mc:Fallback>
+      </mc:AlternateContent>
+      <mc:AlternateContent xmlns:mc="http://schemas.openxmlformats.org/markup-compatibility/2006" xmlns:a14="http://schemas.microsoft.com/office/drawing/2010/main">
+        <mc:Choice Requires="a14">
+          <p:sp>
+            <p:nvSpPr>
+              <p:cNvPr id="28" name="Rectangle 27">
+                <a:extLst>
+                  <a:ext uri="{FF2B5EF4-FFF2-40B4-BE49-F238E27FC236}">
+                    <a16:creationId xmlns:a16="http://schemas.microsoft.com/office/drawing/2014/main" id="{5151196A-5469-4F81-9F67-70DA68D1B669}"/>
+                  </a:ext>
+                </a:extLst>
+              </p:cNvPr>
+              <p:cNvSpPr/>
+              <p:nvPr/>
+            </p:nvSpPr>
+            <p:spPr>
+              <a:xfrm>
+                <a:off x="3863382" y="4548065"/>
+                <a:ext cx="1714159" cy="420679"/>
+              </a:xfrm>
+              <a:prstGeom prst="rect">
+                <a:avLst/>
+              </a:prstGeom>
+              <a:noFill/>
+              <a:ln>
+                <a:noFill/>
+              </a:ln>
+            </p:spPr>
+            <p:style>
+              <a:lnRef idx="2">
+                <a:schemeClr val="accent1">
+                  <a:shade val="50000"/>
+                </a:schemeClr>
+              </a:lnRef>
+              <a:fillRef idx="1">
+                <a:schemeClr val="accent1"/>
+              </a:fillRef>
+              <a:effectRef idx="0">
+                <a:schemeClr val="accent1"/>
+              </a:effectRef>
+              <a:fontRef idx="minor">
+                <a:schemeClr val="lt1"/>
+              </a:fontRef>
+            </p:style>
+            <p:txBody>
+              <a:bodyPr rtlCol="0" anchor="ctr"/>
+              <a:lstStyle/>
+              <a:p>
+                <a:pPr algn="ctr"/>
+                <a14:m>
+                  <m:oMathPara xmlns:m="http://schemas.openxmlformats.org/officeDocument/2006/math">
+                    <m:oMathParaPr>
+                      <m:jc m:val="centerGroup"/>
+                    </m:oMathParaPr>
+                    <m:oMath xmlns:m="http://schemas.openxmlformats.org/officeDocument/2006/math">
+                      <m:sSub>
+                        <m:sSubPr>
+                          <m:ctrlPr>
+                            <a:rPr lang="en-US" i="1" dirty="0" smtClean="0">
+                              <a:solidFill>
+                                <a:schemeClr val="tx1"/>
+                              </a:solidFill>
+                              <a:latin typeface="Cambria Math" panose="02040503050406030204" pitchFamily="18" charset="0"/>
+                              <a:cs typeface="Times New Roman" panose="02020603050405020304" pitchFamily="18" charset="0"/>
+                            </a:rPr>
+                          </m:ctrlPr>
+                        </m:sSubPr>
+                        <m:e>
+                          <m:r>
+                            <m:rPr>
+                              <m:sty m:val="p"/>
+                            </m:rPr>
+                            <a:rPr lang="en-US" b="0" i="0" dirty="0" smtClean="0">
+                              <a:solidFill>
+                                <a:schemeClr val="tx1"/>
+                              </a:solidFill>
+                              <a:latin typeface="Cambria Math" panose="02040503050406030204" pitchFamily="18" charset="0"/>
+                              <a:cs typeface="Times New Roman" panose="02020603050405020304" pitchFamily="18" charset="0"/>
+                            </a:rPr>
+                            <m:t>V</m:t>
+                          </m:r>
+                        </m:e>
+                        <m:sub>
+                          <m:r>
+                            <m:rPr>
+                              <m:sty m:val="p"/>
+                            </m:rPr>
+                            <a:rPr lang="en-US" b="0" i="0" dirty="0" smtClean="0">
+                              <a:solidFill>
+                                <a:schemeClr val="tx1"/>
+                              </a:solidFill>
+                              <a:latin typeface="Cambria Math" panose="02040503050406030204" pitchFamily="18" charset="0"/>
+                              <a:cs typeface="Times New Roman" panose="02020603050405020304" pitchFamily="18" charset="0"/>
+                            </a:rPr>
+                            <m:t>o</m:t>
+                          </m:r>
+                        </m:sub>
+                      </m:sSub>
+                      <m:r>
+                        <a:rPr lang="en-US" b="0" i="0" dirty="0" smtClean="0">
+                          <a:solidFill>
+                            <a:schemeClr val="tx1"/>
+                          </a:solidFill>
+                          <a:latin typeface="Cambria Math" panose="02040503050406030204" pitchFamily="18" charset="0"/>
+                          <a:cs typeface="Times New Roman" panose="02020603050405020304" pitchFamily="18" charset="0"/>
+                        </a:rPr>
+                        <m:t>=20</m:t>
+                      </m:r>
+                      <m:r>
+                        <a:rPr lang="en-US" i="1" dirty="0" smtClean="0">
+                          <a:solidFill>
+                            <a:schemeClr val="tx1"/>
+                          </a:solidFill>
+                          <a:latin typeface="Cambria Math" panose="02040503050406030204" pitchFamily="18" charset="0"/>
+                          <a:cs typeface="Times New Roman" panose="02020603050405020304" pitchFamily="18" charset="0"/>
+                        </a:rPr>
+                        <m:t>0</m:t>
+                      </m:r>
+                      <m:r>
+                        <a:rPr lang="en-US" b="0" i="1" dirty="0" smtClean="0">
+                          <a:solidFill>
+                            <a:schemeClr val="tx1"/>
+                          </a:solidFill>
+                          <a:latin typeface="Cambria Math" panose="02040503050406030204" pitchFamily="18" charset="0"/>
+                          <a:cs typeface="Times New Roman" panose="02020603050405020304" pitchFamily="18" charset="0"/>
+                        </a:rPr>
+                        <m:t> </m:t>
+                      </m:r>
+                      <m:sSub>
+                        <m:sSubPr>
+                          <m:ctrlPr>
+                            <a:rPr lang="en-US" b="1" i="1" dirty="0" smtClean="0">
+                              <a:solidFill>
+                                <a:schemeClr val="tx1"/>
+                              </a:solidFill>
+                              <a:latin typeface="Cambria Math" panose="02040503050406030204" pitchFamily="18" charset="0"/>
+                              <a:cs typeface="Times New Roman" panose="02020603050405020304" pitchFamily="18" charset="0"/>
+                            </a:rPr>
+                          </m:ctrlPr>
+                        </m:sSubPr>
+                        <m:e>
+                          <m:r>
+                            <a:rPr lang="en-US" b="0" i="1" dirty="0" smtClean="0">
+                              <a:solidFill>
+                                <a:schemeClr val="tx1"/>
+                              </a:solidFill>
+                              <a:latin typeface="Cambria Math" panose="02040503050406030204" pitchFamily="18" charset="0"/>
+                              <a:cs typeface="Times New Roman" panose="02020603050405020304" pitchFamily="18" charset="0"/>
+                            </a:rPr>
+                            <m:t>𝑉</m:t>
+                          </m:r>
+                        </m:e>
+                        <m:sub>
+                          <m:r>
+                            <a:rPr lang="en-US" b="1" i="1" dirty="0" smtClean="0">
+                              <a:solidFill>
+                                <a:schemeClr val="tx1"/>
+                              </a:solidFill>
+                              <a:latin typeface="Cambria Math" panose="02040503050406030204" pitchFamily="18" charset="0"/>
+                              <a:cs typeface="Times New Roman" panose="02020603050405020304" pitchFamily="18" charset="0"/>
+                            </a:rPr>
+                            <m:t>𝒑𝒑</m:t>
+                          </m:r>
+                        </m:sub>
+                      </m:sSub>
+                      <m:r>
+                        <a:rPr lang="en-US" b="1" i="1" dirty="0" smtClean="0">
+                          <a:solidFill>
+                            <a:schemeClr val="tx1"/>
+                          </a:solidFill>
+                          <a:latin typeface="Cambria Math" panose="02040503050406030204" pitchFamily="18" charset="0"/>
+                          <a:cs typeface="Times New Roman" panose="02020603050405020304" pitchFamily="18" charset="0"/>
+                        </a:rPr>
+                        <m:t> </m:t>
+                      </m:r>
+                    </m:oMath>
+                  </m:oMathPara>
+                </a14:m>
+                <a:endParaRPr lang="en-US" b="1" dirty="0">
+                  <a:solidFill>
+                    <a:schemeClr val="tx1"/>
+                  </a:solidFill>
+                  <a:latin typeface="Times New Roman" panose="02020603050405020304" pitchFamily="18" charset="0"/>
+                  <a:cs typeface="Times New Roman" panose="02020603050405020304" pitchFamily="18" charset="0"/>
+                </a:endParaRPr>
+              </a:p>
+            </p:txBody>
+          </p:sp>
+        </mc:Choice>
+        <mc:Fallback xmlns="">
+          <p:sp>
+            <p:nvSpPr>
+              <p:cNvPr id="28" name="Rectangle 27">
+                <a:extLst>
+                  <a:ext uri="{FF2B5EF4-FFF2-40B4-BE49-F238E27FC236}">
+                    <a16:creationId xmlns:a16="http://schemas.microsoft.com/office/drawing/2014/main" id="{5151196A-5469-4F81-9F67-70DA68D1B669}"/>
+                  </a:ext>
+                </a:extLst>
+              </p:cNvPr>
+              <p:cNvSpPr>
+                <a:spLocks noRot="1" noChangeAspect="1" noMove="1" noResize="1" noEditPoints="1" noAdjustHandles="1" noChangeArrowheads="1" noChangeShapeType="1" noTextEdit="1"/>
+              </p:cNvSpPr>
+              <p:nvPr/>
+            </p:nvSpPr>
+            <p:spPr>
+              <a:xfrm>
+                <a:off x="3863382" y="4548065"/>
+                <a:ext cx="1714159" cy="420679"/>
+              </a:xfrm>
+              <a:prstGeom prst="rect">
+                <a:avLst/>
+              </a:prstGeom>
+              <a:blipFill>
+                <a:blip r:embed="rId8"/>
+                <a:stretch>
+                  <a:fillRect b="-2899"/>
+                </a:stretch>
+              </a:blipFill>
+              <a:ln>
+                <a:noFill/>
+              </a:ln>
+            </p:spPr>
+            <p:txBody>
+              <a:bodyPr/>
+              <a:lstStyle/>
+              <a:p>
+                <a:r>
+                  <a:rPr lang="en-US">
+                    <a:noFill/>
+                  </a:rPr>
+                  <a:t> </a:t>
+                </a:r>
+              </a:p>
+            </p:txBody>
+          </p:sp>
+        </mc:Fallback>
+      </mc:AlternateContent>
+      <mc:AlternateContent xmlns:mc="http://schemas.openxmlformats.org/markup-compatibility/2006" xmlns:a14="http://schemas.microsoft.com/office/drawing/2010/main">
+        <mc:Choice Requires="a14">
+          <p:sp>
+            <p:nvSpPr>
+              <p:cNvPr id="29" name="Rectangle 28">
+                <a:extLst>
+                  <a:ext uri="{FF2B5EF4-FFF2-40B4-BE49-F238E27FC236}">
+                    <a16:creationId xmlns:a16="http://schemas.microsoft.com/office/drawing/2014/main" id="{52EC5AAF-01CE-4678-86EB-AF49BB6DD5A0}"/>
+                  </a:ext>
+                </a:extLst>
+              </p:cNvPr>
+              <p:cNvSpPr/>
+              <p:nvPr/>
+            </p:nvSpPr>
+            <p:spPr>
+              <a:xfrm>
+                <a:off x="6959557" y="4481535"/>
+                <a:ext cx="1901714" cy="420679"/>
+              </a:xfrm>
+              <a:prstGeom prst="rect">
+                <a:avLst/>
+              </a:prstGeom>
+              <a:noFill/>
+              <a:ln>
+                <a:noFill/>
+              </a:ln>
+            </p:spPr>
+            <p:style>
+              <a:lnRef idx="2">
+                <a:schemeClr val="accent1">
+                  <a:shade val="50000"/>
+                </a:schemeClr>
+              </a:lnRef>
+              <a:fillRef idx="1">
+                <a:schemeClr val="accent1"/>
+              </a:fillRef>
+              <a:effectRef idx="0">
+                <a:schemeClr val="accent1"/>
+              </a:effectRef>
+              <a:fontRef idx="minor">
+                <a:schemeClr val="lt1"/>
+              </a:fontRef>
+            </p:style>
+            <p:txBody>
+              <a:bodyPr rtlCol="0" anchor="ctr"/>
+              <a:lstStyle/>
+              <a:p>
+                <a:pPr algn="ctr"/>
+                <a14:m>
+                  <m:oMathPara xmlns:m="http://schemas.openxmlformats.org/officeDocument/2006/math">
+                    <m:oMathParaPr>
+                      <m:jc m:val="centerGroup"/>
+                    </m:oMathParaPr>
+                    <m:oMath xmlns:m="http://schemas.openxmlformats.org/officeDocument/2006/math">
+                      <m:sSub>
+                        <m:sSubPr>
+                          <m:ctrlPr>
+                            <a:rPr lang="en-US" i="1" dirty="0" smtClean="0">
+                              <a:solidFill>
+                                <a:schemeClr val="tx1"/>
+                              </a:solidFill>
+                              <a:latin typeface="Cambria Math" panose="02040503050406030204" pitchFamily="18" charset="0"/>
+                              <a:cs typeface="Times New Roman" panose="02020603050405020304" pitchFamily="18" charset="0"/>
+                            </a:rPr>
+                          </m:ctrlPr>
+                        </m:sSubPr>
+                        <m:e>
+                          <m:r>
+                            <m:rPr>
+                              <m:sty m:val="p"/>
+                            </m:rPr>
+                            <a:rPr lang="en-US" b="0" i="0" dirty="0" smtClean="0">
+                              <a:solidFill>
+                                <a:schemeClr val="tx1"/>
+                              </a:solidFill>
+                              <a:latin typeface="Cambria Math" panose="02040503050406030204" pitchFamily="18" charset="0"/>
+                              <a:cs typeface="Times New Roman" panose="02020603050405020304" pitchFamily="18" charset="0"/>
+                            </a:rPr>
+                            <m:t>I</m:t>
+                          </m:r>
+                        </m:e>
+                        <m:sub>
+                          <m:r>
+                            <m:rPr>
+                              <m:sty m:val="p"/>
+                            </m:rPr>
+                            <a:rPr lang="en-US" b="0" i="0" dirty="0" smtClean="0">
+                              <a:solidFill>
+                                <a:schemeClr val="tx1"/>
+                              </a:solidFill>
+                              <a:latin typeface="Cambria Math" panose="02040503050406030204" pitchFamily="18" charset="0"/>
+                              <a:cs typeface="Times New Roman" panose="02020603050405020304" pitchFamily="18" charset="0"/>
+                            </a:rPr>
+                            <m:t>T</m:t>
+                          </m:r>
+                          <m:r>
+                            <m:rPr>
+                              <m:sty m:val="p"/>
+                            </m:rPr>
+                            <a:rPr lang="en-US" b="0" i="0" dirty="0">
+                              <a:solidFill>
+                                <a:schemeClr val="tx1"/>
+                              </a:solidFill>
+                              <a:latin typeface="Cambria Math" panose="02040503050406030204" pitchFamily="18" charset="0"/>
+                              <a:cs typeface="Times New Roman" panose="02020603050405020304" pitchFamily="18" charset="0"/>
+                            </a:rPr>
+                            <m:t>X</m:t>
+                          </m:r>
+                        </m:sub>
+                      </m:sSub>
+                      <m:r>
+                        <a:rPr lang="en-US" b="0" i="0" dirty="0" smtClean="0">
+                          <a:solidFill>
+                            <a:schemeClr val="tx1"/>
+                          </a:solidFill>
+                          <a:latin typeface="Cambria Math" panose="02040503050406030204" pitchFamily="18" charset="0"/>
+                          <a:cs typeface="Times New Roman" panose="02020603050405020304" pitchFamily="18" charset="0"/>
+                        </a:rPr>
+                        <m:t>=</m:t>
+                      </m:r>
+                      <m:r>
+                        <a:rPr lang="en-US" b="0" i="1" dirty="0" smtClean="0">
+                          <a:solidFill>
+                            <a:schemeClr val="tx1"/>
+                          </a:solidFill>
+                          <a:latin typeface="Cambria Math" panose="02040503050406030204" pitchFamily="18" charset="0"/>
+                          <a:cs typeface="Times New Roman" panose="02020603050405020304" pitchFamily="18" charset="0"/>
+                        </a:rPr>
+                        <m:t>1.77</m:t>
+                      </m:r>
+                      <m:sSub>
+                        <m:sSubPr>
+                          <m:ctrlPr>
+                            <a:rPr lang="en-US" b="0" i="1" dirty="0" smtClean="0">
+                              <a:solidFill>
+                                <a:schemeClr val="tx1"/>
+                              </a:solidFill>
+                              <a:latin typeface="Cambria Math" panose="02040503050406030204" pitchFamily="18" charset="0"/>
+                              <a:cs typeface="Times New Roman" panose="02020603050405020304" pitchFamily="18" charset="0"/>
+                            </a:rPr>
+                          </m:ctrlPr>
+                        </m:sSubPr>
+                        <m:e>
+                          <m:r>
+                            <a:rPr lang="en-US" b="0" i="1" dirty="0" smtClean="0">
+                              <a:solidFill>
+                                <a:schemeClr val="tx1"/>
+                              </a:solidFill>
+                              <a:latin typeface="Cambria Math" panose="02040503050406030204" pitchFamily="18" charset="0"/>
+                              <a:cs typeface="Times New Roman" panose="02020603050405020304" pitchFamily="18" charset="0"/>
+                            </a:rPr>
+                            <m:t> </m:t>
+                          </m:r>
+                          <m:r>
+                            <a:rPr lang="en-US" b="0" i="1" dirty="0" smtClean="0">
+                              <a:solidFill>
+                                <a:schemeClr val="tx1"/>
+                              </a:solidFill>
+                              <a:latin typeface="Cambria Math" panose="02040503050406030204" pitchFamily="18" charset="0"/>
+                              <a:cs typeface="Times New Roman" panose="02020603050405020304" pitchFamily="18" charset="0"/>
+                            </a:rPr>
+                            <m:t>𝐴</m:t>
+                          </m:r>
+                        </m:e>
+                        <m:sub>
+                          <m:r>
+                            <a:rPr lang="en-US" b="0" i="1" dirty="0" smtClean="0">
+                              <a:solidFill>
+                                <a:schemeClr val="tx1"/>
+                              </a:solidFill>
+                              <a:latin typeface="Cambria Math" panose="02040503050406030204" pitchFamily="18" charset="0"/>
+                              <a:cs typeface="Times New Roman" panose="02020603050405020304" pitchFamily="18" charset="0"/>
+                            </a:rPr>
+                            <m:t>𝑅𝑚𝑠</m:t>
+                          </m:r>
+                        </m:sub>
+                      </m:sSub>
+                      <m:r>
+                        <a:rPr lang="en-US" b="1" i="1" dirty="0" smtClean="0">
+                          <a:solidFill>
+                            <a:schemeClr val="tx1"/>
+                          </a:solidFill>
+                          <a:latin typeface="Cambria Math" panose="02040503050406030204" pitchFamily="18" charset="0"/>
+                          <a:cs typeface="Times New Roman" panose="02020603050405020304" pitchFamily="18" charset="0"/>
+                        </a:rPr>
+                        <m:t> </m:t>
+                      </m:r>
+                    </m:oMath>
+                  </m:oMathPara>
+                </a14:m>
+                <a:endParaRPr lang="en-US" b="1" dirty="0">
+                  <a:solidFill>
+                    <a:schemeClr val="tx1"/>
+                  </a:solidFill>
+                  <a:latin typeface="Times New Roman" panose="02020603050405020304" pitchFamily="18" charset="0"/>
+                  <a:cs typeface="Times New Roman" panose="02020603050405020304" pitchFamily="18" charset="0"/>
+                </a:endParaRPr>
+              </a:p>
+            </p:txBody>
+          </p:sp>
+        </mc:Choice>
+        <mc:Fallback xmlns="">
+          <p:sp>
+            <p:nvSpPr>
+              <p:cNvPr id="29" name="Rectangle 28">
+                <a:extLst>
+                  <a:ext uri="{FF2B5EF4-FFF2-40B4-BE49-F238E27FC236}">
+                    <a16:creationId xmlns:a16="http://schemas.microsoft.com/office/drawing/2014/main" id="{52EC5AAF-01CE-4678-86EB-AF49BB6DD5A0}"/>
+                  </a:ext>
+                </a:extLst>
+              </p:cNvPr>
+              <p:cNvSpPr>
+                <a:spLocks noRot="1" noChangeAspect="1" noMove="1" noResize="1" noEditPoints="1" noAdjustHandles="1" noChangeArrowheads="1" noChangeShapeType="1" noTextEdit="1"/>
+              </p:cNvSpPr>
+              <p:nvPr/>
+            </p:nvSpPr>
+            <p:spPr>
+              <a:xfrm>
+                <a:off x="6959557" y="4481535"/>
+                <a:ext cx="1901714" cy="420679"/>
+              </a:xfrm>
+              <a:prstGeom prst="rect">
+                <a:avLst/>
+              </a:prstGeom>
+              <a:blipFill>
+                <a:blip r:embed="rId9"/>
+                <a:stretch>
+                  <a:fillRect/>
+                </a:stretch>
+              </a:blipFill>
+              <a:ln>
+                <a:noFill/>
+              </a:ln>
+            </p:spPr>
+            <p:txBody>
+              <a:bodyPr/>
+              <a:lstStyle/>
+              <a:p>
+                <a:r>
+                  <a:rPr lang="en-US">
+                    <a:noFill/>
+                  </a:rPr>
+                  <a:t> </a:t>
+                </a:r>
+              </a:p>
+            </p:txBody>
+          </p:sp>
+        </mc:Fallback>
+      </mc:AlternateContent>
+      <mc:AlternateContent xmlns:mc="http://schemas.openxmlformats.org/markup-compatibility/2006" xmlns:a14="http://schemas.microsoft.com/office/drawing/2010/main">
+        <mc:Choice Requires="a14">
+          <p:sp>
+            <p:nvSpPr>
+              <p:cNvPr id="31" name="Rectangle 30">
+                <a:extLst>
+                  <a:ext uri="{FF2B5EF4-FFF2-40B4-BE49-F238E27FC236}">
+                    <a16:creationId xmlns:a16="http://schemas.microsoft.com/office/drawing/2014/main" id="{7E40BC50-11BD-4EE9-9F46-B49046E7433D}"/>
+                  </a:ext>
+                </a:extLst>
+              </p:cNvPr>
+              <p:cNvSpPr/>
+              <p:nvPr/>
+            </p:nvSpPr>
+            <p:spPr>
+              <a:xfrm>
+                <a:off x="8861271" y="4481535"/>
+                <a:ext cx="1562365" cy="420679"/>
+              </a:xfrm>
+              <a:prstGeom prst="rect">
+                <a:avLst/>
+              </a:prstGeom>
+              <a:noFill/>
+              <a:ln>
+                <a:noFill/>
+              </a:ln>
+            </p:spPr>
+            <p:style>
+              <a:lnRef idx="2">
+                <a:schemeClr val="accent1">
+                  <a:shade val="50000"/>
+                </a:schemeClr>
+              </a:lnRef>
+              <a:fillRef idx="1">
+                <a:schemeClr val="accent1"/>
+              </a:fillRef>
+              <a:effectRef idx="0">
+                <a:schemeClr val="accent1"/>
+              </a:effectRef>
+              <a:fontRef idx="minor">
+                <a:schemeClr val="lt1"/>
+              </a:fontRef>
+            </p:style>
+            <p:txBody>
+              <a:bodyPr rtlCol="0" anchor="ctr"/>
+              <a:lstStyle/>
+              <a:p>
+                <a:pPr algn="ctr"/>
+                <a14:m>
+                  <m:oMathPara xmlns:m="http://schemas.openxmlformats.org/officeDocument/2006/math">
+                    <m:oMathParaPr>
+                      <m:jc m:val="centerGroup"/>
+                    </m:oMathParaPr>
+                    <m:oMath xmlns:m="http://schemas.openxmlformats.org/officeDocument/2006/math">
+                      <m:r>
+                        <a:rPr lang="en-US" i="1" dirty="0" smtClean="0">
+                          <a:solidFill>
+                            <a:schemeClr val="tx1"/>
+                          </a:solidFill>
+                          <a:latin typeface="Cambria Math" panose="02040503050406030204" pitchFamily="18" charset="0"/>
+                          <a:cs typeface="Times New Roman" panose="02020603050405020304" pitchFamily="18" charset="0"/>
+                        </a:rPr>
+                        <m:t>𝑓</m:t>
+                      </m:r>
+                      <m:r>
+                        <a:rPr lang="en-US" b="0" i="0" dirty="0" smtClean="0">
+                          <a:solidFill>
+                            <a:schemeClr val="tx1"/>
+                          </a:solidFill>
+                          <a:latin typeface="Cambria Math" panose="02040503050406030204" pitchFamily="18" charset="0"/>
+                          <a:cs typeface="Times New Roman" panose="02020603050405020304" pitchFamily="18" charset="0"/>
+                        </a:rPr>
+                        <m:t>=</m:t>
+                      </m:r>
+                      <m:r>
+                        <a:rPr lang="en-US" b="0" i="1" dirty="0" smtClean="0">
+                          <a:solidFill>
+                            <a:schemeClr val="tx1"/>
+                          </a:solidFill>
+                          <a:latin typeface="Cambria Math" panose="02040503050406030204" pitchFamily="18" charset="0"/>
+                          <a:cs typeface="Times New Roman" panose="02020603050405020304" pitchFamily="18" charset="0"/>
+                        </a:rPr>
+                        <m:t>81.3 </m:t>
+                      </m:r>
+                      <m:r>
+                        <a:rPr lang="en-US" b="0" i="1" dirty="0" smtClean="0">
+                          <a:solidFill>
+                            <a:schemeClr val="tx1"/>
+                          </a:solidFill>
+                          <a:latin typeface="Cambria Math" panose="02040503050406030204" pitchFamily="18" charset="0"/>
+                          <a:cs typeface="Times New Roman" panose="02020603050405020304" pitchFamily="18" charset="0"/>
+                        </a:rPr>
+                        <m:t>𝑘𝐻𝑧</m:t>
+                      </m:r>
+                      <m:r>
+                        <a:rPr lang="en-US" b="1" i="1" dirty="0" smtClean="0">
+                          <a:solidFill>
+                            <a:schemeClr val="tx1"/>
+                          </a:solidFill>
+                          <a:latin typeface="Cambria Math" panose="02040503050406030204" pitchFamily="18" charset="0"/>
+                          <a:cs typeface="Times New Roman" panose="02020603050405020304" pitchFamily="18" charset="0"/>
+                        </a:rPr>
+                        <m:t> </m:t>
+                      </m:r>
+                    </m:oMath>
+                  </m:oMathPara>
+                </a14:m>
+                <a:endParaRPr lang="en-US" b="1" dirty="0">
+                  <a:solidFill>
+                    <a:schemeClr val="tx1"/>
+                  </a:solidFill>
+                  <a:latin typeface="Times New Roman" panose="02020603050405020304" pitchFamily="18" charset="0"/>
+                  <a:cs typeface="Times New Roman" panose="02020603050405020304" pitchFamily="18" charset="0"/>
+                </a:endParaRPr>
+              </a:p>
+            </p:txBody>
+          </p:sp>
+        </mc:Choice>
+        <mc:Fallback xmlns="">
+          <p:sp>
+            <p:nvSpPr>
+              <p:cNvPr id="31" name="Rectangle 30">
+                <a:extLst>
+                  <a:ext uri="{FF2B5EF4-FFF2-40B4-BE49-F238E27FC236}">
+                    <a16:creationId xmlns:a16="http://schemas.microsoft.com/office/drawing/2014/main" id="{7E40BC50-11BD-4EE9-9F46-B49046E7433D}"/>
+                  </a:ext>
+                </a:extLst>
+              </p:cNvPr>
+              <p:cNvSpPr>
+                <a:spLocks noRot="1" noChangeAspect="1" noMove="1" noResize="1" noEditPoints="1" noAdjustHandles="1" noChangeArrowheads="1" noChangeShapeType="1" noTextEdit="1"/>
+              </p:cNvSpPr>
+              <p:nvPr/>
+            </p:nvSpPr>
+            <p:spPr>
+              <a:xfrm>
+                <a:off x="8861271" y="4481535"/>
+                <a:ext cx="1562365" cy="420679"/>
+              </a:xfrm>
+              <a:prstGeom prst="rect">
+                <a:avLst/>
+              </a:prstGeom>
+              <a:blipFill>
+                <a:blip r:embed="rId10"/>
+                <a:stretch>
+                  <a:fillRect l="-2734" b="-7246"/>
+                </a:stretch>
+              </a:blipFill>
+              <a:ln>
+                <a:noFill/>
+              </a:ln>
+            </p:spPr>
+            <p:txBody>
+              <a:bodyPr/>
+              <a:lstStyle/>
+              <a:p>
+                <a:r>
+                  <a:rPr lang="en-US">
+                    <a:noFill/>
+                  </a:rPr>
+                  <a:t> </a:t>
+                </a:r>
+              </a:p>
+            </p:txBody>
+          </p:sp>
+        </mc:Fallback>
+      </mc:AlternateContent>
+      <mc:AlternateContent xmlns:mc="http://schemas.openxmlformats.org/markup-compatibility/2006" xmlns:a14="http://schemas.microsoft.com/office/drawing/2010/main">
+        <mc:Choice Requires="a14">
+          <p:sp>
+            <p:nvSpPr>
+              <p:cNvPr id="32" name="Rectangle 31">
+                <a:extLst>
+                  <a:ext uri="{FF2B5EF4-FFF2-40B4-BE49-F238E27FC236}">
+                    <a16:creationId xmlns:a16="http://schemas.microsoft.com/office/drawing/2014/main" id="{0569602E-34CA-46E2-B411-FB9BD2D04157}"/>
+                  </a:ext>
+                </a:extLst>
+              </p:cNvPr>
+              <p:cNvSpPr/>
+              <p:nvPr/>
+            </p:nvSpPr>
+            <p:spPr>
+              <a:xfrm>
+                <a:off x="5260366" y="4506819"/>
+                <a:ext cx="1901714" cy="420679"/>
+              </a:xfrm>
+              <a:prstGeom prst="rect">
+                <a:avLst/>
+              </a:prstGeom>
+              <a:noFill/>
+              <a:ln>
+                <a:noFill/>
+              </a:ln>
+            </p:spPr>
+            <p:style>
+              <a:lnRef idx="2">
+                <a:schemeClr val="accent1">
+                  <a:shade val="50000"/>
+                </a:schemeClr>
+              </a:lnRef>
+              <a:fillRef idx="1">
+                <a:schemeClr val="accent1"/>
+              </a:fillRef>
+              <a:effectRef idx="0">
+                <a:schemeClr val="accent1"/>
+              </a:effectRef>
+              <a:fontRef idx="minor">
+                <a:schemeClr val="lt1"/>
+              </a:fontRef>
+            </p:style>
+            <p:txBody>
+              <a:bodyPr rtlCol="0" anchor="ctr"/>
+              <a:lstStyle/>
+              <a:p>
+                <a:pPr algn="ctr"/>
+                <a14:m>
+                  <m:oMathPara xmlns:m="http://schemas.openxmlformats.org/officeDocument/2006/math">
+                    <m:oMathParaPr>
+                      <m:jc m:val="centerGroup"/>
+                    </m:oMathParaPr>
+                    <m:oMath xmlns:m="http://schemas.openxmlformats.org/officeDocument/2006/math">
+                      <m:r>
+                        <a:rPr lang="en-US" i="1" dirty="0" smtClean="0">
+                          <a:solidFill>
+                            <a:schemeClr val="tx1"/>
+                          </a:solidFill>
+                          <a:latin typeface="Cambria Math" panose="02040503050406030204" pitchFamily="18" charset="0"/>
+                          <a:cs typeface="Times New Roman" panose="02020603050405020304" pitchFamily="18" charset="0"/>
+                        </a:rPr>
+                        <m:t>𝐷</m:t>
+                      </m:r>
+                      <m:r>
+                        <a:rPr lang="en-US" b="0" i="0" dirty="0" smtClean="0">
+                          <a:solidFill>
+                            <a:schemeClr val="tx1"/>
+                          </a:solidFill>
+                          <a:latin typeface="Cambria Math" panose="02040503050406030204" pitchFamily="18" charset="0"/>
+                          <a:cs typeface="Times New Roman" panose="02020603050405020304" pitchFamily="18" charset="0"/>
+                        </a:rPr>
+                        <m:t>=</m:t>
+                      </m:r>
+                      <m:r>
+                        <a:rPr lang="en-US" b="0" i="1" dirty="0" smtClean="0">
+                          <a:solidFill>
+                            <a:schemeClr val="tx1"/>
+                          </a:solidFill>
+                          <a:latin typeface="Cambria Math" panose="02040503050406030204" pitchFamily="18" charset="0"/>
+                          <a:cs typeface="Times New Roman" panose="02020603050405020304" pitchFamily="18" charset="0"/>
+                        </a:rPr>
+                        <m:t>0.85</m:t>
+                      </m:r>
+                    </m:oMath>
+                  </m:oMathPara>
+                </a14:m>
+                <a:endParaRPr lang="en-US" b="1" dirty="0">
+                  <a:solidFill>
+                    <a:schemeClr val="tx1"/>
+                  </a:solidFill>
+                  <a:latin typeface="Times New Roman" panose="02020603050405020304" pitchFamily="18" charset="0"/>
+                  <a:cs typeface="Times New Roman" panose="02020603050405020304" pitchFamily="18" charset="0"/>
+                </a:endParaRPr>
+              </a:p>
+            </p:txBody>
+          </p:sp>
+        </mc:Choice>
+        <mc:Fallback xmlns="">
+          <p:sp>
+            <p:nvSpPr>
+              <p:cNvPr id="32" name="Rectangle 31">
+                <a:extLst>
+                  <a:ext uri="{FF2B5EF4-FFF2-40B4-BE49-F238E27FC236}">
+                    <a16:creationId xmlns:a16="http://schemas.microsoft.com/office/drawing/2014/main" id="{0569602E-34CA-46E2-B411-FB9BD2D04157}"/>
+                  </a:ext>
+                </a:extLst>
+              </p:cNvPr>
+              <p:cNvSpPr>
+                <a:spLocks noRot="1" noChangeAspect="1" noMove="1" noResize="1" noEditPoints="1" noAdjustHandles="1" noChangeArrowheads="1" noChangeShapeType="1" noTextEdit="1"/>
+              </p:cNvSpPr>
+              <p:nvPr/>
+            </p:nvSpPr>
+            <p:spPr>
+              <a:xfrm>
+                <a:off x="5260366" y="4506819"/>
+                <a:ext cx="1901714" cy="420679"/>
+              </a:xfrm>
+              <a:prstGeom prst="rect">
+                <a:avLst/>
+              </a:prstGeom>
+              <a:blipFill>
+                <a:blip r:embed="rId11"/>
+                <a:stretch>
+                  <a:fillRect/>
+                </a:stretch>
+              </a:blipFill>
+              <a:ln>
+                <a:noFill/>
+              </a:ln>
+            </p:spPr>
+            <p:txBody>
+              <a:bodyPr/>
+              <a:lstStyle/>
+              <a:p>
+                <a:r>
+                  <a:rPr lang="en-US">
+                    <a:noFill/>
+                  </a:rPr>
+                  <a:t> </a:t>
+                </a:r>
+              </a:p>
+            </p:txBody>
+          </p:sp>
+        </mc:Fallback>
+      </mc:AlternateContent>
+      <p:cxnSp>
+        <p:nvCxnSpPr>
+          <p:cNvPr id="5" name="Straight Arrow Connector 4">
+            <a:extLst>
+              <a:ext uri="{FF2B5EF4-FFF2-40B4-BE49-F238E27FC236}">
+                <a16:creationId xmlns:a16="http://schemas.microsoft.com/office/drawing/2014/main" id="{08D77DEA-2BEC-4767-8DDD-533DC1B77D01}"/>
+              </a:ext>
+            </a:extLst>
+          </p:cNvPr>
+          <p:cNvCxnSpPr>
+            <a:cxnSpLocks/>
+          </p:cNvCxnSpPr>
+          <p:nvPr/>
+        </p:nvCxnSpPr>
+        <p:spPr>
+          <a:xfrm>
+            <a:off x="7162080" y="2677654"/>
+            <a:ext cx="535675" cy="0"/>
+          </a:xfrm>
+          <a:prstGeom prst="straightConnector1">
+            <a:avLst/>
+          </a:prstGeom>
+          <a:ln w="28575" cap="flat" cmpd="sng" algn="ctr">
+            <a:solidFill>
+              <a:schemeClr val="dk1"/>
+            </a:solidFill>
+            <a:prstDash val="solid"/>
+            <a:round/>
+            <a:headEnd type="arrow" w="med" len="med"/>
+            <a:tailEnd type="arrow" w="med" len="med"/>
+          </a:ln>
+        </p:spPr>
+        <p:style>
+          <a:lnRef idx="0">
+            <a:scrgbClr r="0" g="0" b="0"/>
+          </a:lnRef>
+          <a:fillRef idx="0">
+            <a:scrgbClr r="0" g="0" b="0"/>
+          </a:fillRef>
+          <a:effectRef idx="0">
+            <a:scrgbClr r="0" g="0" b="0"/>
+          </a:effectRef>
+          <a:fontRef idx="minor">
+            <a:schemeClr val="tx1"/>
+          </a:fontRef>
+        </p:style>
+      </p:cxnSp>
+      <mc:AlternateContent xmlns:mc="http://schemas.openxmlformats.org/markup-compatibility/2006" xmlns:a14="http://schemas.microsoft.com/office/drawing/2010/main">
+        <mc:Choice Requires="a14">
+          <p:sp>
+            <p:nvSpPr>
+              <p:cNvPr id="33" name="Rectangle 32">
+                <a:extLst>
+                  <a:ext uri="{FF2B5EF4-FFF2-40B4-BE49-F238E27FC236}">
+                    <a16:creationId xmlns:a16="http://schemas.microsoft.com/office/drawing/2014/main" id="{D2253907-FF43-4273-AFCF-6839969F31A6}"/>
+                  </a:ext>
+                </a:extLst>
+              </p:cNvPr>
+              <p:cNvSpPr/>
+              <p:nvPr/>
+            </p:nvSpPr>
+            <p:spPr>
+              <a:xfrm>
+                <a:off x="6959557" y="2306937"/>
+                <a:ext cx="1091681" cy="267610"/>
+              </a:xfrm>
+              <a:prstGeom prst="rect">
+                <a:avLst/>
+              </a:prstGeom>
+              <a:noFill/>
+              <a:ln>
+                <a:solidFill>
+                  <a:schemeClr val="bg1"/>
+                </a:solidFill>
+              </a:ln>
+            </p:spPr>
+            <p:style>
+              <a:lnRef idx="2">
+                <a:schemeClr val="accent1">
+                  <a:shade val="50000"/>
+                </a:schemeClr>
+              </a:lnRef>
+              <a:fillRef idx="1">
+                <a:schemeClr val="accent1"/>
+              </a:fillRef>
+              <a:effectRef idx="0">
+                <a:schemeClr val="accent1"/>
+              </a:effectRef>
+              <a:fontRef idx="minor">
+                <a:schemeClr val="lt1"/>
+              </a:fontRef>
+            </p:style>
+            <p:txBody>
+              <a:bodyPr rtlCol="0" anchor="ctr"/>
+              <a:lstStyle/>
+              <a:p>
+                <a:pPr algn="ctr"/>
+                <a14:m>
+                  <m:oMathPara xmlns:m="http://schemas.openxmlformats.org/officeDocument/2006/math">
+                    <m:oMathParaPr>
+                      <m:jc m:val="centerGroup"/>
+                    </m:oMathParaPr>
+                    <m:oMath xmlns:m="http://schemas.openxmlformats.org/officeDocument/2006/math">
+                      <m:r>
+                        <a:rPr lang="en-US" sz="2000" b="1" i="1" smtClean="0">
+                          <a:solidFill>
+                            <a:schemeClr val="tx1"/>
+                          </a:solidFill>
+                          <a:latin typeface="Cambria Math" panose="02040503050406030204" pitchFamily="18" charset="0"/>
+                          <a:cs typeface="Times New Roman" panose="02020603050405020304" pitchFamily="18" charset="0"/>
+                        </a:rPr>
+                        <m:t>𝑫</m:t>
+                      </m:r>
+                    </m:oMath>
+                  </m:oMathPara>
+                </a14:m>
+                <a:endParaRPr lang="en-US" sz="2000" b="1" dirty="0">
+                  <a:solidFill>
+                    <a:schemeClr val="tx1"/>
+                  </a:solidFill>
+                  <a:latin typeface="Times New Roman" panose="02020603050405020304" pitchFamily="18" charset="0"/>
+                  <a:cs typeface="Times New Roman" panose="02020603050405020304" pitchFamily="18" charset="0"/>
+                </a:endParaRPr>
+              </a:p>
+            </p:txBody>
+          </p:sp>
+        </mc:Choice>
+        <mc:Fallback xmlns="">
+          <p:sp>
+            <p:nvSpPr>
+              <p:cNvPr id="33" name="Rectangle 32">
+                <a:extLst>
+                  <a:ext uri="{FF2B5EF4-FFF2-40B4-BE49-F238E27FC236}">
+                    <a16:creationId xmlns:a16="http://schemas.microsoft.com/office/drawing/2014/main" id="{D2253907-FF43-4273-AFCF-6839969F31A6}"/>
+                  </a:ext>
+                </a:extLst>
+              </p:cNvPr>
+              <p:cNvSpPr>
+                <a:spLocks noRot="1" noChangeAspect="1" noMove="1" noResize="1" noEditPoints="1" noAdjustHandles="1" noChangeArrowheads="1" noChangeShapeType="1" noTextEdit="1"/>
+              </p:cNvSpPr>
+              <p:nvPr/>
+            </p:nvSpPr>
+            <p:spPr>
+              <a:xfrm>
+                <a:off x="6959557" y="2306937"/>
+                <a:ext cx="1091681" cy="267610"/>
+              </a:xfrm>
+              <a:prstGeom prst="rect">
+                <a:avLst/>
+              </a:prstGeom>
+              <a:blipFill>
+                <a:blip r:embed="rId12"/>
+                <a:stretch>
+                  <a:fillRect b="-15217"/>
+                </a:stretch>
+              </a:blipFill>
+              <a:ln>
+                <a:solidFill>
+                  <a:schemeClr val="bg1"/>
+                </a:solidFill>
+              </a:ln>
+            </p:spPr>
+            <p:txBody>
+              <a:bodyPr/>
+              <a:lstStyle/>
+              <a:p>
+                <a:r>
+                  <a:rPr lang="en-US">
+                    <a:noFill/>
+                  </a:rPr>
+                  <a:t> </a:t>
+                </a:r>
+              </a:p>
+            </p:txBody>
+          </p:sp>
+        </mc:Fallback>
+      </mc:AlternateContent>
+    </p:spTree>
+    <p:extLst>
+      <p:ext uri="{BB962C8B-B14F-4D97-AF65-F5344CB8AC3E}">
+        <p14:creationId xmlns:p14="http://schemas.microsoft.com/office/powerpoint/2010/main" val="1079556625"/>
+      </p:ext>
+    </p:extLst>
+  </p:cSld>
+  <p:clrMapOvr>
+    <a:masterClrMapping/>
+  </p:clrMapOvr>
+</p:sld>
+</file>
+
+<file path=ppt/slides/slide5.xml><?xml version="1.0" encoding="utf-8"?>
+<p:sld xmlns:a="http://schemas.openxmlformats.org/drawingml/2006/main" xmlns:r="http://schemas.openxmlformats.org/officeDocument/2006/relationships" xmlns:p="http://schemas.openxmlformats.org/presentationml/2006/main">
+  <p:cSld>
+    <p:spTree>
+      <p:nvGrpSpPr>
+        <p:cNvPr id="1" name=""/>
+        <p:cNvGrpSpPr/>
+        <p:nvPr/>
+      </p:nvGrpSpPr>
+      <p:grpSpPr>
+        <a:xfrm>
+          <a:off x="0" y="0"/>
+          <a:ext cx="0" cy="0"/>
+          <a:chOff x="0" y="0"/>
+          <a:chExt cx="0" cy="0"/>
+        </a:xfrm>
+      </p:grpSpPr>
+      <p:pic>
+        <p:nvPicPr>
+          <p:cNvPr id="5" name="Picture 4">
+            <a:extLst>
+              <a:ext uri="{FF2B5EF4-FFF2-40B4-BE49-F238E27FC236}">
+                <a16:creationId xmlns:a16="http://schemas.microsoft.com/office/drawing/2014/main" id="{15ADA7A5-2525-4D6D-A484-B53887223571}"/>
+              </a:ext>
+            </a:extLst>
+          </p:cNvPr>
+          <p:cNvPicPr>
+            <a:picLocks noChangeAspect="1"/>
+          </p:cNvPicPr>
+          <p:nvPr/>
+        </p:nvPicPr>
+        <p:blipFill>
+          <a:blip r:embed="rId2">
+            <a:extLst>
+              <a:ext uri="{28A0092B-C50C-407E-A947-70E740481C1C}">
+                <a14:useLocalDpi xmlns:a14="http://schemas.microsoft.com/office/drawing/2010/main" val="0"/>
+              </a:ext>
+            </a:extLst>
+          </a:blip>
+          <a:stretch>
+            <a:fillRect/>
+          </a:stretch>
+        </p:blipFill>
+        <p:spPr>
+          <a:xfrm>
+            <a:off x="72595" y="1237439"/>
+            <a:ext cx="10498493" cy="4383121"/>
+          </a:xfrm>
+          <a:prstGeom prst="rect">
+            <a:avLst/>
+          </a:prstGeom>
+        </p:spPr>
+      </p:pic>
+      <mc:AlternateContent xmlns:mc="http://schemas.openxmlformats.org/markup-compatibility/2006" xmlns:a14="http://schemas.microsoft.com/office/drawing/2010/main">
+        <mc:Choice Requires="a14">
+          <p:sp>
+            <p:nvSpPr>
+              <p:cNvPr id="6" name="Rectangle 5">
+                <a:extLst>
+                  <a:ext uri="{FF2B5EF4-FFF2-40B4-BE49-F238E27FC236}">
+                    <a16:creationId xmlns:a16="http://schemas.microsoft.com/office/drawing/2014/main" id="{2E269634-A2D8-422B-97B1-12EC6D79EBB2}"/>
+                  </a:ext>
+                </a:extLst>
+              </p:cNvPr>
+              <p:cNvSpPr/>
+              <p:nvPr/>
+            </p:nvSpPr>
+            <p:spPr>
+              <a:xfrm>
+                <a:off x="6068007" y="2094347"/>
+                <a:ext cx="1091681" cy="420679"/>
+              </a:xfrm>
+              <a:prstGeom prst="rect">
+                <a:avLst/>
+              </a:prstGeom>
+              <a:noFill/>
+              <a:ln>
+                <a:noFill/>
+              </a:ln>
+            </p:spPr>
+            <p:style>
+              <a:lnRef idx="2">
+                <a:schemeClr val="accent1">
+                  <a:shade val="50000"/>
+                </a:schemeClr>
+              </a:lnRef>
+              <a:fillRef idx="1">
+                <a:schemeClr val="accent1"/>
+              </a:fillRef>
+              <a:effectRef idx="0">
+                <a:schemeClr val="accent1"/>
+              </a:effectRef>
+              <a:fontRef idx="minor">
+                <a:schemeClr val="lt1"/>
+              </a:fontRef>
+            </p:style>
+            <p:txBody>
+              <a:bodyPr rtlCol="0" anchor="ctr"/>
+              <a:lstStyle/>
+              <a:p>
+                <a:pPr algn="ctr"/>
+                <a14:m>
+                  <m:oMathPara xmlns:m="http://schemas.openxmlformats.org/officeDocument/2006/math">
+                    <m:oMathParaPr>
+                      <m:jc m:val="centerGroup"/>
+                    </m:oMathParaPr>
+                    <m:oMath xmlns:m="http://schemas.openxmlformats.org/officeDocument/2006/math">
+                      <m:sSub>
+                        <m:sSubPr>
+                          <m:ctrlPr>
+                            <a:rPr lang="en-US" sz="2000" b="1" i="1" smtClean="0">
+                              <a:solidFill>
+                                <a:schemeClr val="tx1"/>
+                              </a:solidFill>
+                              <a:latin typeface="Cambria Math" panose="02040503050406030204" pitchFamily="18" charset="0"/>
+                              <a:cs typeface="Times New Roman" panose="02020603050405020304" pitchFamily="18" charset="0"/>
+                            </a:rPr>
+                          </m:ctrlPr>
+                        </m:sSubPr>
+                        <m:e>
+                          <m:r>
+                            <a:rPr lang="en-US" sz="2000" b="1" i="0" smtClean="0">
+                              <a:solidFill>
+                                <a:schemeClr val="tx1"/>
+                              </a:solidFill>
+                              <a:latin typeface="Cambria Math" panose="02040503050406030204" pitchFamily="18" charset="0"/>
+                              <a:cs typeface="Times New Roman" panose="02020603050405020304" pitchFamily="18" charset="0"/>
+                            </a:rPr>
+                            <m:t>𝐕</m:t>
+                          </m:r>
+                        </m:e>
+                        <m:sub>
+                          <m:r>
+                            <a:rPr lang="en-US" sz="2000" b="1" i="0" smtClean="0">
+                              <a:solidFill>
+                                <a:schemeClr val="tx1"/>
+                              </a:solidFill>
+                              <a:latin typeface="Cambria Math" panose="02040503050406030204" pitchFamily="18" charset="0"/>
+                              <a:cs typeface="Times New Roman" panose="02020603050405020304" pitchFamily="18" charset="0"/>
+                            </a:rPr>
+                            <m:t>𝐎</m:t>
+                          </m:r>
+                        </m:sub>
+                      </m:sSub>
+                    </m:oMath>
+                  </m:oMathPara>
+                </a14:m>
+                <a:endParaRPr lang="en-US" sz="2000" b="1" dirty="0">
+                  <a:solidFill>
+                    <a:schemeClr val="tx1"/>
+                  </a:solidFill>
+                  <a:latin typeface="Times New Roman" panose="02020603050405020304" pitchFamily="18" charset="0"/>
+                  <a:cs typeface="Times New Roman" panose="02020603050405020304" pitchFamily="18" charset="0"/>
+                </a:endParaRPr>
+              </a:p>
+            </p:txBody>
+          </p:sp>
+        </mc:Choice>
+        <mc:Fallback xmlns="">
+          <p:sp>
+            <p:nvSpPr>
+              <p:cNvPr id="6" name="Rectangle 5">
+                <a:extLst>
+                  <a:ext uri="{FF2B5EF4-FFF2-40B4-BE49-F238E27FC236}">
+                    <a16:creationId xmlns:a16="http://schemas.microsoft.com/office/drawing/2014/main" id="{2E269634-A2D8-422B-97B1-12EC6D79EBB2}"/>
+                  </a:ext>
+                </a:extLst>
+              </p:cNvPr>
+              <p:cNvSpPr>
+                <a:spLocks noRot="1" noChangeAspect="1" noMove="1" noResize="1" noEditPoints="1" noAdjustHandles="1" noChangeArrowheads="1" noChangeShapeType="1" noTextEdit="1"/>
+              </p:cNvSpPr>
+              <p:nvPr/>
+            </p:nvSpPr>
+            <p:spPr>
+              <a:xfrm>
+                <a:off x="6068007" y="2094347"/>
+                <a:ext cx="1091681" cy="420679"/>
+              </a:xfrm>
+              <a:prstGeom prst="rect">
+                <a:avLst/>
+              </a:prstGeom>
+              <a:blipFill>
+                <a:blip r:embed="rId3"/>
+                <a:stretch>
+                  <a:fillRect/>
+                </a:stretch>
+              </a:blipFill>
+              <a:ln>
+                <a:noFill/>
+              </a:ln>
+            </p:spPr>
+            <p:txBody>
+              <a:bodyPr/>
+              <a:lstStyle/>
+              <a:p>
+                <a:r>
+                  <a:rPr lang="en-US">
+                    <a:noFill/>
+                  </a:rPr>
+                  <a:t> </a:t>
+                </a:r>
+              </a:p>
+            </p:txBody>
+          </p:sp>
+        </mc:Fallback>
+      </mc:AlternateContent>
+      <p:cxnSp>
+        <p:nvCxnSpPr>
+          <p:cNvPr id="7" name="Straight Arrow Connector 6">
+            <a:extLst>
+              <a:ext uri="{FF2B5EF4-FFF2-40B4-BE49-F238E27FC236}">
+                <a16:creationId xmlns:a16="http://schemas.microsoft.com/office/drawing/2014/main" id="{05829CCD-B7E9-4714-B326-89B1E7FC15FE}"/>
+              </a:ext>
+            </a:extLst>
+          </p:cNvPr>
+          <p:cNvCxnSpPr>
+            <a:cxnSpLocks/>
+          </p:cNvCxnSpPr>
+          <p:nvPr/>
+        </p:nvCxnSpPr>
+        <p:spPr>
+          <a:xfrm flipH="1">
+            <a:off x="6163435" y="2350452"/>
+            <a:ext cx="181950" cy="143317"/>
+          </a:xfrm>
+          <a:prstGeom prst="straightConnector1">
+            <a:avLst/>
+          </a:prstGeom>
+          <a:ln>
+            <a:solidFill>
+              <a:schemeClr val="tx1"/>
+            </a:solidFill>
+            <a:tailEnd type="triangle"/>
+          </a:ln>
+        </p:spPr>
+        <p:style>
+          <a:lnRef idx="1">
+            <a:schemeClr val="accent1"/>
+          </a:lnRef>
+          <a:fillRef idx="0">
+            <a:schemeClr val="accent1"/>
+          </a:fillRef>
+          <a:effectRef idx="0">
+            <a:schemeClr val="accent1"/>
+          </a:effectRef>
+          <a:fontRef idx="minor">
+            <a:schemeClr val="tx1"/>
+          </a:fontRef>
+        </p:style>
+      </p:cxnSp>
+      <mc:AlternateContent xmlns:mc="http://schemas.openxmlformats.org/markup-compatibility/2006" xmlns:a14="http://schemas.microsoft.com/office/drawing/2010/main">
+        <mc:Choice Requires="a14">
+          <p:sp>
+            <p:nvSpPr>
+              <p:cNvPr id="8" name="Rectangle 7">
+                <a:extLst>
+                  <a:ext uri="{FF2B5EF4-FFF2-40B4-BE49-F238E27FC236}">
+                    <a16:creationId xmlns:a16="http://schemas.microsoft.com/office/drawing/2014/main" id="{9D48D67F-B3CB-4C36-8F6C-00285F46E265}"/>
+                  </a:ext>
+                </a:extLst>
+              </p:cNvPr>
+              <p:cNvSpPr/>
+              <p:nvPr/>
+            </p:nvSpPr>
+            <p:spPr>
+              <a:xfrm>
+                <a:off x="5956040" y="1424917"/>
+                <a:ext cx="1091681" cy="420679"/>
+              </a:xfrm>
+              <a:prstGeom prst="rect">
+                <a:avLst/>
+              </a:prstGeom>
+              <a:noFill/>
+              <a:ln>
+                <a:noFill/>
+              </a:ln>
+            </p:spPr>
+            <p:style>
+              <a:lnRef idx="2">
+                <a:schemeClr val="accent1">
+                  <a:shade val="50000"/>
+                </a:schemeClr>
+              </a:lnRef>
+              <a:fillRef idx="1">
+                <a:schemeClr val="accent1"/>
+              </a:fillRef>
+              <a:effectRef idx="0">
+                <a:schemeClr val="accent1"/>
+              </a:effectRef>
+              <a:fontRef idx="minor">
+                <a:schemeClr val="lt1"/>
+              </a:fontRef>
+            </p:style>
+            <p:txBody>
+              <a:bodyPr rtlCol="0" anchor="ctr"/>
+              <a:lstStyle/>
+              <a:p>
+                <a:pPr algn="ctr"/>
+                <a14:m>
+                  <m:oMathPara xmlns:m="http://schemas.openxmlformats.org/officeDocument/2006/math">
+                    <m:oMathParaPr>
+                      <m:jc m:val="centerGroup"/>
+                    </m:oMathParaPr>
+                    <m:oMath xmlns:m="http://schemas.openxmlformats.org/officeDocument/2006/math">
+                      <m:sSub>
+                        <m:sSubPr>
+                          <m:ctrlPr>
+                            <a:rPr lang="en-US" sz="2000" b="1" i="1" smtClean="0">
+                              <a:solidFill>
+                                <a:schemeClr val="tx1"/>
+                              </a:solidFill>
+                              <a:latin typeface="Cambria Math" panose="02040503050406030204" pitchFamily="18" charset="0"/>
+                              <a:cs typeface="Times New Roman" panose="02020603050405020304" pitchFamily="18" charset="0"/>
+                            </a:rPr>
+                          </m:ctrlPr>
+                        </m:sSubPr>
+                        <m:e>
+                          <m:r>
+                            <a:rPr lang="en-US" sz="2000" b="1" i="0" smtClean="0">
+                              <a:solidFill>
+                                <a:schemeClr val="tx1"/>
+                              </a:solidFill>
+                              <a:latin typeface="Cambria Math" panose="02040503050406030204" pitchFamily="18" charset="0"/>
+                              <a:cs typeface="Times New Roman" panose="02020603050405020304" pitchFamily="18" charset="0"/>
+                            </a:rPr>
+                            <m:t>𝐈</m:t>
+                          </m:r>
+                        </m:e>
+                        <m:sub>
+                          <m:r>
+                            <a:rPr lang="en-US" sz="2000" b="1" i="0" smtClean="0">
+                              <a:solidFill>
+                                <a:schemeClr val="tx1"/>
+                              </a:solidFill>
+                              <a:latin typeface="Cambria Math" panose="02040503050406030204" pitchFamily="18" charset="0"/>
+                              <a:cs typeface="Times New Roman" panose="02020603050405020304" pitchFamily="18" charset="0"/>
+                            </a:rPr>
+                            <m:t>𝐌</m:t>
+                          </m:r>
+                        </m:sub>
+                      </m:sSub>
+                    </m:oMath>
+                  </m:oMathPara>
+                </a14:m>
+                <a:endParaRPr lang="en-US" sz="2000" b="1" dirty="0">
+                  <a:solidFill>
+                    <a:schemeClr val="tx1"/>
+                  </a:solidFill>
+                  <a:latin typeface="Times New Roman" panose="02020603050405020304" pitchFamily="18" charset="0"/>
+                  <a:cs typeface="Times New Roman" panose="02020603050405020304" pitchFamily="18" charset="0"/>
+                </a:endParaRPr>
+              </a:p>
+            </p:txBody>
+          </p:sp>
+        </mc:Choice>
+        <mc:Fallback xmlns="">
+          <p:sp>
+            <p:nvSpPr>
+              <p:cNvPr id="8" name="Rectangle 7">
+                <a:extLst>
+                  <a:ext uri="{FF2B5EF4-FFF2-40B4-BE49-F238E27FC236}">
+                    <a16:creationId xmlns:a16="http://schemas.microsoft.com/office/drawing/2014/main" id="{9D48D67F-B3CB-4C36-8F6C-00285F46E265}"/>
+                  </a:ext>
+                </a:extLst>
+              </p:cNvPr>
+              <p:cNvSpPr>
+                <a:spLocks noRot="1" noChangeAspect="1" noMove="1" noResize="1" noEditPoints="1" noAdjustHandles="1" noChangeArrowheads="1" noChangeShapeType="1" noTextEdit="1"/>
+              </p:cNvSpPr>
+              <p:nvPr/>
+            </p:nvSpPr>
+            <p:spPr>
+              <a:xfrm>
+                <a:off x="5956040" y="1424917"/>
+                <a:ext cx="1091681" cy="420679"/>
+              </a:xfrm>
+              <a:prstGeom prst="rect">
+                <a:avLst/>
+              </a:prstGeom>
+              <a:blipFill>
+                <a:blip r:embed="rId4"/>
+                <a:stretch>
+                  <a:fillRect/>
+                </a:stretch>
+              </a:blipFill>
+              <a:ln>
+                <a:noFill/>
+              </a:ln>
+            </p:spPr>
+            <p:txBody>
+              <a:bodyPr/>
+              <a:lstStyle/>
+              <a:p>
+                <a:r>
+                  <a:rPr lang="en-US">
+                    <a:noFill/>
+                  </a:rPr>
+                  <a:t> </a:t>
+                </a:r>
+              </a:p>
+            </p:txBody>
+          </p:sp>
+        </mc:Fallback>
+      </mc:AlternateContent>
+      <p:cxnSp>
+        <p:nvCxnSpPr>
+          <p:cNvPr id="9" name="Straight Arrow Connector 8">
+            <a:extLst>
+              <a:ext uri="{FF2B5EF4-FFF2-40B4-BE49-F238E27FC236}">
+                <a16:creationId xmlns:a16="http://schemas.microsoft.com/office/drawing/2014/main" id="{D526C4B6-AB92-4736-B5C3-D9DC914AF73B}"/>
+              </a:ext>
+            </a:extLst>
+          </p:cNvPr>
+          <p:cNvCxnSpPr>
+            <a:cxnSpLocks/>
+          </p:cNvCxnSpPr>
+          <p:nvPr/>
+        </p:nvCxnSpPr>
+        <p:spPr>
+          <a:xfrm flipH="1">
+            <a:off x="6072460" y="1782535"/>
+            <a:ext cx="181950" cy="143317"/>
+          </a:xfrm>
+          <a:prstGeom prst="straightConnector1">
+            <a:avLst/>
+          </a:prstGeom>
+          <a:ln>
+            <a:solidFill>
+              <a:schemeClr val="tx1"/>
+            </a:solidFill>
+            <a:tailEnd type="triangle"/>
+          </a:ln>
+        </p:spPr>
+        <p:style>
+          <a:lnRef idx="1">
+            <a:schemeClr val="accent1"/>
+          </a:lnRef>
+          <a:fillRef idx="0">
+            <a:schemeClr val="accent1"/>
+          </a:fillRef>
+          <a:effectRef idx="0">
+            <a:schemeClr val="accent1"/>
+          </a:effectRef>
+          <a:fontRef idx="minor">
+            <a:schemeClr val="tx1"/>
+          </a:fontRef>
+        </p:style>
+      </p:cxnSp>
+      <p:sp>
+        <p:nvSpPr>
+          <p:cNvPr id="25" name="Rectangle 24">
+            <a:extLst>
+              <a:ext uri="{FF2B5EF4-FFF2-40B4-BE49-F238E27FC236}">
+                <a16:creationId xmlns:a16="http://schemas.microsoft.com/office/drawing/2014/main" id="{2659DDA7-791E-417B-8757-C5E85A5681C1}"/>
+              </a:ext>
+            </a:extLst>
+          </p:cNvPr>
+          <p:cNvSpPr/>
+          <p:nvPr/>
+        </p:nvSpPr>
+        <p:spPr>
+          <a:xfrm>
+            <a:off x="0" y="4397468"/>
+            <a:ext cx="10498494" cy="565008"/>
+          </a:xfrm>
+          <a:prstGeom prst="rect">
+            <a:avLst/>
+          </a:prstGeom>
+          <a:solidFill>
+            <a:schemeClr val="bg1"/>
+          </a:solidFill>
+          <a:ln>
+            <a:solidFill>
+              <a:schemeClr val="bg1"/>
+            </a:solidFill>
+          </a:ln>
+        </p:spPr>
+        <p:style>
+          <a:lnRef idx="2">
+            <a:schemeClr val="accent1">
+              <a:shade val="50000"/>
+            </a:schemeClr>
+          </a:lnRef>
+          <a:fillRef idx="1">
+            <a:schemeClr val="accent1"/>
+          </a:fillRef>
+          <a:effectRef idx="0">
+            <a:schemeClr val="accent1"/>
+          </a:effectRef>
+          <a:fontRef idx="minor">
+            <a:schemeClr val="lt1"/>
+          </a:fontRef>
+        </p:style>
+        <p:txBody>
+          <a:bodyPr rtlCol="0" anchor="ctr"/>
+          <a:lstStyle/>
+          <a:p>
+            <a:pPr algn="ctr"/>
+            <a:endParaRPr lang="en-US"/>
+          </a:p>
+        </p:txBody>
+      </p:sp>
+      <mc:AlternateContent xmlns:mc="http://schemas.openxmlformats.org/markup-compatibility/2006" xmlns:a14="http://schemas.microsoft.com/office/drawing/2010/main">
+        <mc:Choice Requires="a14">
+          <p:sp>
+            <p:nvSpPr>
+              <p:cNvPr id="27" name="Rectangle 26">
+                <a:extLst>
+                  <a:ext uri="{FF2B5EF4-FFF2-40B4-BE49-F238E27FC236}">
+                    <a16:creationId xmlns:a16="http://schemas.microsoft.com/office/drawing/2014/main" id="{D41E033E-7DC6-4C24-937F-2C5525AC1A05}"/>
+                  </a:ext>
+                </a:extLst>
+              </p:cNvPr>
+              <p:cNvSpPr/>
+              <p:nvPr/>
+            </p:nvSpPr>
+            <p:spPr>
+              <a:xfrm>
+                <a:off x="3863382" y="4409505"/>
+                <a:ext cx="1714159" cy="420679"/>
+              </a:xfrm>
+              <a:prstGeom prst="rect">
+                <a:avLst/>
+              </a:prstGeom>
+              <a:noFill/>
+              <a:ln>
+                <a:noFill/>
+              </a:ln>
+            </p:spPr>
+            <p:style>
+              <a:lnRef idx="2">
+                <a:schemeClr val="accent1">
+                  <a:shade val="50000"/>
+                </a:schemeClr>
+              </a:lnRef>
+              <a:fillRef idx="1">
+                <a:schemeClr val="accent1"/>
+              </a:fillRef>
+              <a:effectRef idx="0">
+                <a:schemeClr val="accent1"/>
+              </a:effectRef>
+              <a:fontRef idx="minor">
+                <a:schemeClr val="lt1"/>
+              </a:fontRef>
+            </p:style>
+            <p:txBody>
+              <a:bodyPr rtlCol="0" anchor="ctr"/>
+              <a:lstStyle/>
+              <a:p>
+                <a:pPr algn="ctr"/>
+                <a14:m>
+                  <m:oMathPara xmlns:m="http://schemas.openxmlformats.org/officeDocument/2006/math">
+                    <m:oMathParaPr>
+                      <m:jc m:val="centerGroup"/>
+                    </m:oMathParaPr>
+                    <m:oMath xmlns:m="http://schemas.openxmlformats.org/officeDocument/2006/math">
+                      <m:sSub>
+                        <m:sSubPr>
+                          <m:ctrlPr>
+                            <a:rPr lang="en-US" i="1" dirty="0" smtClean="0">
+                              <a:solidFill>
+                                <a:schemeClr val="tx1"/>
+                              </a:solidFill>
+                              <a:latin typeface="Cambria Math" panose="02040503050406030204" pitchFamily="18" charset="0"/>
+                              <a:cs typeface="Times New Roman" panose="02020603050405020304" pitchFamily="18" charset="0"/>
+                            </a:rPr>
+                          </m:ctrlPr>
+                        </m:sSubPr>
+                        <m:e>
+                          <m:r>
+                            <m:rPr>
+                              <m:sty m:val="p"/>
+                            </m:rPr>
+                            <a:rPr lang="en-US" b="0" i="0" dirty="0" smtClean="0">
+                              <a:solidFill>
+                                <a:schemeClr val="tx1"/>
+                              </a:solidFill>
+                              <a:latin typeface="Cambria Math" panose="02040503050406030204" pitchFamily="18" charset="0"/>
+                              <a:cs typeface="Times New Roman" panose="02020603050405020304" pitchFamily="18" charset="0"/>
+                            </a:rPr>
+                            <m:t>V</m:t>
+                          </m:r>
+                        </m:e>
+                        <m:sub>
+                          <m:r>
+                            <m:rPr>
+                              <m:sty m:val="p"/>
+                            </m:rPr>
+                            <a:rPr lang="en-US" b="0" i="0" dirty="0" smtClean="0">
+                              <a:solidFill>
+                                <a:schemeClr val="tx1"/>
+                              </a:solidFill>
+                              <a:latin typeface="Cambria Math" panose="02040503050406030204" pitchFamily="18" charset="0"/>
+                              <a:cs typeface="Times New Roman" panose="02020603050405020304" pitchFamily="18" charset="0"/>
+                            </a:rPr>
+                            <m:t>o</m:t>
+                          </m:r>
+                        </m:sub>
+                      </m:sSub>
+                      <m:r>
+                        <a:rPr lang="en-US" b="0" i="0" dirty="0" smtClean="0">
+                          <a:solidFill>
+                            <a:schemeClr val="tx1"/>
+                          </a:solidFill>
+                          <a:latin typeface="Cambria Math" panose="02040503050406030204" pitchFamily="18" charset="0"/>
+                          <a:cs typeface="Times New Roman" panose="02020603050405020304" pitchFamily="18" charset="0"/>
+                        </a:rPr>
+                        <m:t>=20</m:t>
+                      </m:r>
+                      <m:r>
+                        <a:rPr lang="en-US" i="1" dirty="0" smtClean="0">
+                          <a:solidFill>
+                            <a:schemeClr val="tx1"/>
+                          </a:solidFill>
+                          <a:latin typeface="Cambria Math" panose="02040503050406030204" pitchFamily="18" charset="0"/>
+                          <a:cs typeface="Times New Roman" panose="02020603050405020304" pitchFamily="18" charset="0"/>
+                        </a:rPr>
+                        <m:t>0</m:t>
+                      </m:r>
+                      <m:r>
+                        <a:rPr lang="en-US" b="0" i="1" dirty="0" smtClean="0">
+                          <a:solidFill>
+                            <a:schemeClr val="tx1"/>
+                          </a:solidFill>
+                          <a:latin typeface="Cambria Math" panose="02040503050406030204" pitchFamily="18" charset="0"/>
+                          <a:cs typeface="Times New Roman" panose="02020603050405020304" pitchFamily="18" charset="0"/>
+                        </a:rPr>
+                        <m:t> </m:t>
+                      </m:r>
+                      <m:sSub>
+                        <m:sSubPr>
+                          <m:ctrlPr>
+                            <a:rPr lang="en-US" b="1" i="1" dirty="0" smtClean="0">
+                              <a:solidFill>
+                                <a:schemeClr val="tx1"/>
+                              </a:solidFill>
+                              <a:latin typeface="Cambria Math" panose="02040503050406030204" pitchFamily="18" charset="0"/>
+                              <a:cs typeface="Times New Roman" panose="02020603050405020304" pitchFamily="18" charset="0"/>
+                            </a:rPr>
+                          </m:ctrlPr>
+                        </m:sSubPr>
+                        <m:e>
+                          <m:r>
+                            <a:rPr lang="en-US" b="0" i="1" dirty="0" smtClean="0">
+                              <a:solidFill>
+                                <a:schemeClr val="tx1"/>
+                              </a:solidFill>
+                              <a:latin typeface="Cambria Math" panose="02040503050406030204" pitchFamily="18" charset="0"/>
+                              <a:cs typeface="Times New Roman" panose="02020603050405020304" pitchFamily="18" charset="0"/>
+                            </a:rPr>
+                            <m:t>𝑉</m:t>
+                          </m:r>
+                        </m:e>
+                        <m:sub>
+                          <m:r>
+                            <a:rPr lang="en-US" b="1" i="1" dirty="0" smtClean="0">
+                              <a:solidFill>
+                                <a:schemeClr val="tx1"/>
+                              </a:solidFill>
+                              <a:latin typeface="Cambria Math" panose="02040503050406030204" pitchFamily="18" charset="0"/>
+                              <a:cs typeface="Times New Roman" panose="02020603050405020304" pitchFamily="18" charset="0"/>
+                            </a:rPr>
+                            <m:t>𝒑𝒑</m:t>
+                          </m:r>
+                        </m:sub>
+                      </m:sSub>
+                      <m:r>
+                        <a:rPr lang="en-US" b="1" i="1" dirty="0" smtClean="0">
+                          <a:solidFill>
+                            <a:schemeClr val="tx1"/>
+                          </a:solidFill>
+                          <a:latin typeface="Cambria Math" panose="02040503050406030204" pitchFamily="18" charset="0"/>
+                          <a:cs typeface="Times New Roman" panose="02020603050405020304" pitchFamily="18" charset="0"/>
+                        </a:rPr>
+                        <m:t> </m:t>
+                      </m:r>
+                    </m:oMath>
+                  </m:oMathPara>
+                </a14:m>
+                <a:endParaRPr lang="en-US" b="1" dirty="0">
+                  <a:solidFill>
+                    <a:schemeClr val="tx1"/>
+                  </a:solidFill>
+                  <a:latin typeface="Times New Roman" panose="02020603050405020304" pitchFamily="18" charset="0"/>
+                  <a:cs typeface="Times New Roman" panose="02020603050405020304" pitchFamily="18" charset="0"/>
+                </a:endParaRPr>
+              </a:p>
+            </p:txBody>
+          </p:sp>
+        </mc:Choice>
+        <mc:Fallback xmlns="">
+          <p:sp>
+            <p:nvSpPr>
+              <p:cNvPr id="27" name="Rectangle 26">
+                <a:extLst>
+                  <a:ext uri="{FF2B5EF4-FFF2-40B4-BE49-F238E27FC236}">
+                    <a16:creationId xmlns:a16="http://schemas.microsoft.com/office/drawing/2014/main" id="{D41E033E-7DC6-4C24-937F-2C5525AC1A05}"/>
+                  </a:ext>
+                </a:extLst>
+              </p:cNvPr>
+              <p:cNvSpPr>
+                <a:spLocks noRot="1" noChangeAspect="1" noMove="1" noResize="1" noEditPoints="1" noAdjustHandles="1" noChangeArrowheads="1" noChangeShapeType="1" noTextEdit="1"/>
+              </p:cNvSpPr>
+              <p:nvPr/>
+            </p:nvSpPr>
+            <p:spPr>
+              <a:xfrm>
+                <a:off x="3863382" y="4409505"/>
+                <a:ext cx="1714159" cy="420679"/>
+              </a:xfrm>
+              <a:prstGeom prst="rect">
+                <a:avLst/>
+              </a:prstGeom>
+              <a:blipFill>
+                <a:blip r:embed="rId5"/>
+                <a:stretch>
+                  <a:fillRect b="-2899"/>
+                </a:stretch>
+              </a:blipFill>
+              <a:ln>
+                <a:noFill/>
+              </a:ln>
+            </p:spPr>
+            <p:txBody>
+              <a:bodyPr/>
+              <a:lstStyle/>
+              <a:p>
+                <a:r>
+                  <a:rPr lang="en-US">
+                    <a:noFill/>
+                  </a:rPr>
+                  <a:t> </a:t>
+                </a:r>
+              </a:p>
+            </p:txBody>
+          </p:sp>
+        </mc:Fallback>
+      </mc:AlternateContent>
+      <mc:AlternateContent xmlns:mc="http://schemas.openxmlformats.org/markup-compatibility/2006" xmlns:a14="http://schemas.microsoft.com/office/drawing/2010/main">
+        <mc:Choice Requires="a14">
+          <p:sp>
+            <p:nvSpPr>
+              <p:cNvPr id="29" name="Rectangle 28">
+                <a:extLst>
+                  <a:ext uri="{FF2B5EF4-FFF2-40B4-BE49-F238E27FC236}">
+                    <a16:creationId xmlns:a16="http://schemas.microsoft.com/office/drawing/2014/main" id="{11EF93F9-E6D6-47AE-8BA3-70124CE076A8}"/>
+                  </a:ext>
+                </a:extLst>
+              </p:cNvPr>
+              <p:cNvSpPr/>
+              <p:nvPr/>
+            </p:nvSpPr>
+            <p:spPr>
+              <a:xfrm>
+                <a:off x="2216874" y="4409505"/>
+                <a:ext cx="1714159" cy="420679"/>
+              </a:xfrm>
+              <a:prstGeom prst="rect">
+                <a:avLst/>
+              </a:prstGeom>
+              <a:noFill/>
+              <a:ln>
+                <a:noFill/>
+              </a:ln>
+            </p:spPr>
+            <p:style>
+              <a:lnRef idx="2">
+                <a:schemeClr val="accent1">
+                  <a:shade val="50000"/>
+                </a:schemeClr>
+              </a:lnRef>
+              <a:fillRef idx="1">
+                <a:schemeClr val="accent1"/>
+              </a:fillRef>
+              <a:effectRef idx="0">
+                <a:schemeClr val="accent1"/>
+              </a:effectRef>
+              <a:fontRef idx="minor">
+                <a:schemeClr val="lt1"/>
+              </a:fontRef>
+            </p:style>
+            <p:txBody>
+              <a:bodyPr rtlCol="0" anchor="ctr"/>
+              <a:lstStyle/>
+              <a:p>
+                <a:pPr algn="ctr"/>
+                <a14:m>
+                  <m:oMathPara xmlns:m="http://schemas.openxmlformats.org/officeDocument/2006/math">
+                    <m:oMathParaPr>
+                      <m:jc m:val="centerGroup"/>
+                    </m:oMathParaPr>
+                    <m:oMath xmlns:m="http://schemas.openxmlformats.org/officeDocument/2006/math">
+                      <m:sSub>
+                        <m:sSubPr>
+                          <m:ctrlPr>
+                            <a:rPr lang="en-US" i="1" dirty="0" smtClean="0">
+                              <a:solidFill>
+                                <a:schemeClr val="tx1"/>
+                              </a:solidFill>
+                              <a:latin typeface="Cambria Math" panose="02040503050406030204" pitchFamily="18" charset="0"/>
+                              <a:cs typeface="Times New Roman" panose="02020603050405020304" pitchFamily="18" charset="0"/>
+                            </a:rPr>
+                          </m:ctrlPr>
+                        </m:sSubPr>
+                        <m:e>
+                          <m:r>
+                            <m:rPr>
+                              <m:sty m:val="p"/>
+                            </m:rPr>
+                            <a:rPr lang="en-US" b="0" i="0" dirty="0" smtClean="0">
+                              <a:solidFill>
+                                <a:schemeClr val="tx1"/>
+                              </a:solidFill>
+                              <a:latin typeface="Cambria Math" panose="02040503050406030204" pitchFamily="18" charset="0"/>
+                              <a:cs typeface="Times New Roman" panose="02020603050405020304" pitchFamily="18" charset="0"/>
+                            </a:rPr>
+                            <m:t>I</m:t>
+                          </m:r>
+                        </m:e>
+                        <m:sub>
+                          <m:r>
+                            <m:rPr>
+                              <m:sty m:val="p"/>
+                            </m:rPr>
+                            <a:rPr lang="en-US" b="0" i="0" dirty="0" smtClean="0">
+                              <a:solidFill>
+                                <a:schemeClr val="tx1"/>
+                              </a:solidFill>
+                              <a:latin typeface="Cambria Math" panose="02040503050406030204" pitchFamily="18" charset="0"/>
+                              <a:cs typeface="Times New Roman" panose="02020603050405020304" pitchFamily="18" charset="0"/>
+                            </a:rPr>
+                            <m:t>M</m:t>
+                          </m:r>
+                        </m:sub>
+                      </m:sSub>
+                      <m:r>
+                        <a:rPr lang="en-US" b="0" i="0" dirty="0" smtClean="0">
+                          <a:solidFill>
+                            <a:schemeClr val="tx1"/>
+                          </a:solidFill>
+                          <a:latin typeface="Cambria Math" panose="02040503050406030204" pitchFamily="18" charset="0"/>
+                          <a:cs typeface="Times New Roman" panose="02020603050405020304" pitchFamily="18" charset="0"/>
+                        </a:rPr>
+                        <m:t>=</m:t>
+                      </m:r>
+                      <m:r>
+                        <a:rPr lang="en-US" b="0" i="1" dirty="0" smtClean="0">
+                          <a:solidFill>
+                            <a:schemeClr val="tx1"/>
+                          </a:solidFill>
+                          <a:latin typeface="Cambria Math" panose="02040503050406030204" pitchFamily="18" charset="0"/>
+                          <a:cs typeface="Times New Roman" panose="02020603050405020304" pitchFamily="18" charset="0"/>
+                        </a:rPr>
+                        <m:t>6.82 </m:t>
+                      </m:r>
+                      <m:r>
+                        <a:rPr lang="en-US" b="0" i="1" dirty="0" smtClean="0">
+                          <a:solidFill>
+                            <a:schemeClr val="tx1"/>
+                          </a:solidFill>
+                          <a:latin typeface="Cambria Math" panose="02040503050406030204" pitchFamily="18" charset="0"/>
+                          <a:cs typeface="Times New Roman" panose="02020603050405020304" pitchFamily="18" charset="0"/>
+                        </a:rPr>
+                        <m:t>𝐴</m:t>
+                      </m:r>
+                    </m:oMath>
+                  </m:oMathPara>
+                </a14:m>
+                <a:endParaRPr lang="en-US" b="1" dirty="0">
+                  <a:solidFill>
+                    <a:schemeClr val="tx1"/>
+                  </a:solidFill>
+                  <a:latin typeface="Times New Roman" panose="02020603050405020304" pitchFamily="18" charset="0"/>
+                  <a:cs typeface="Times New Roman" panose="02020603050405020304" pitchFamily="18" charset="0"/>
+                </a:endParaRPr>
+              </a:p>
+            </p:txBody>
+          </p:sp>
+        </mc:Choice>
+        <mc:Fallback xmlns="">
+          <p:sp>
+            <p:nvSpPr>
+              <p:cNvPr id="29" name="Rectangle 28">
+                <a:extLst>
+                  <a:ext uri="{FF2B5EF4-FFF2-40B4-BE49-F238E27FC236}">
+                    <a16:creationId xmlns:a16="http://schemas.microsoft.com/office/drawing/2014/main" id="{11EF93F9-E6D6-47AE-8BA3-70124CE076A8}"/>
+                  </a:ext>
+                </a:extLst>
+              </p:cNvPr>
+              <p:cNvSpPr>
+                <a:spLocks noRot="1" noChangeAspect="1" noMove="1" noResize="1" noEditPoints="1" noAdjustHandles="1" noChangeArrowheads="1" noChangeShapeType="1" noTextEdit="1"/>
+              </p:cNvSpPr>
+              <p:nvPr/>
+            </p:nvSpPr>
+            <p:spPr>
+              <a:xfrm>
+                <a:off x="2216874" y="4409505"/>
+                <a:ext cx="1714159" cy="420679"/>
+              </a:xfrm>
+              <a:prstGeom prst="rect">
+                <a:avLst/>
+              </a:prstGeom>
+              <a:blipFill>
+                <a:blip r:embed="rId6"/>
+                <a:stretch>
+                  <a:fillRect/>
+                </a:stretch>
+              </a:blipFill>
+              <a:ln>
+                <a:noFill/>
+              </a:ln>
+            </p:spPr>
+            <p:txBody>
+              <a:bodyPr/>
+              <a:lstStyle/>
+              <a:p>
+                <a:r>
+                  <a:rPr lang="en-US">
+                    <a:noFill/>
+                  </a:rPr>
+                  <a:t> </a:t>
+                </a:r>
+              </a:p>
+            </p:txBody>
+          </p:sp>
+        </mc:Fallback>
+      </mc:AlternateContent>
+      <mc:AlternateContent xmlns:mc="http://schemas.openxmlformats.org/markup-compatibility/2006" xmlns:a14="http://schemas.microsoft.com/office/drawing/2010/main">
+        <mc:Choice Requires="a14">
+          <p:sp>
+            <p:nvSpPr>
+              <p:cNvPr id="30" name="Rectangle 29">
+                <a:extLst>
+                  <a:ext uri="{FF2B5EF4-FFF2-40B4-BE49-F238E27FC236}">
+                    <a16:creationId xmlns:a16="http://schemas.microsoft.com/office/drawing/2014/main" id="{ED44881D-9EA3-4514-BC6E-C3AA2184745A}"/>
+                  </a:ext>
+                </a:extLst>
+              </p:cNvPr>
+              <p:cNvSpPr/>
+              <p:nvPr/>
+            </p:nvSpPr>
+            <p:spPr>
+              <a:xfrm>
+                <a:off x="8803945" y="4342975"/>
+                <a:ext cx="1694549" cy="420679"/>
+              </a:xfrm>
+              <a:prstGeom prst="rect">
+                <a:avLst/>
+              </a:prstGeom>
+              <a:noFill/>
+              <a:ln>
+                <a:noFill/>
+              </a:ln>
+            </p:spPr>
+            <p:style>
+              <a:lnRef idx="2">
+                <a:schemeClr val="accent1">
+                  <a:shade val="50000"/>
+                </a:schemeClr>
+              </a:lnRef>
+              <a:fillRef idx="1">
+                <a:schemeClr val="accent1"/>
+              </a:fillRef>
+              <a:effectRef idx="0">
+                <a:schemeClr val="accent1"/>
+              </a:effectRef>
+              <a:fontRef idx="minor">
+                <a:schemeClr val="lt1"/>
+              </a:fontRef>
+            </p:style>
+            <p:txBody>
+              <a:bodyPr rtlCol="0" anchor="ctr"/>
+              <a:lstStyle/>
+              <a:p>
+                <a:pPr algn="ctr"/>
+                <a14:m>
+                  <m:oMathPara xmlns:m="http://schemas.openxmlformats.org/officeDocument/2006/math">
+                    <m:oMathParaPr>
+                      <m:jc m:val="centerGroup"/>
+                    </m:oMathParaPr>
+                    <m:oMath xmlns:m="http://schemas.openxmlformats.org/officeDocument/2006/math">
+                      <m:r>
+                        <a:rPr lang="en-US" i="1" dirty="0" smtClean="0">
+                          <a:solidFill>
+                            <a:schemeClr val="tx1"/>
+                          </a:solidFill>
+                          <a:latin typeface="Cambria Math" panose="02040503050406030204" pitchFamily="18" charset="0"/>
+                          <a:cs typeface="Times New Roman" panose="02020603050405020304" pitchFamily="18" charset="0"/>
+                        </a:rPr>
+                        <m:t>𝑓</m:t>
+                      </m:r>
+                      <m:r>
+                        <a:rPr lang="en-US" b="0" i="0" dirty="0" smtClean="0">
+                          <a:solidFill>
+                            <a:schemeClr val="tx1"/>
+                          </a:solidFill>
+                          <a:latin typeface="Cambria Math" panose="02040503050406030204" pitchFamily="18" charset="0"/>
+                          <a:cs typeface="Times New Roman" panose="02020603050405020304" pitchFamily="18" charset="0"/>
+                        </a:rPr>
+                        <m:t>=</m:t>
+                      </m:r>
+                      <m:r>
+                        <a:rPr lang="en-US" b="0" i="1" dirty="0" smtClean="0">
+                          <a:solidFill>
+                            <a:schemeClr val="tx1"/>
+                          </a:solidFill>
+                          <a:latin typeface="Cambria Math" panose="02040503050406030204" pitchFamily="18" charset="0"/>
+                          <a:cs typeface="Times New Roman" panose="02020603050405020304" pitchFamily="18" charset="0"/>
+                        </a:rPr>
+                        <m:t>81.3 </m:t>
+                      </m:r>
+                      <m:r>
+                        <a:rPr lang="en-US" b="0" i="1" dirty="0" smtClean="0">
+                          <a:solidFill>
+                            <a:schemeClr val="tx1"/>
+                          </a:solidFill>
+                          <a:latin typeface="Cambria Math" panose="02040503050406030204" pitchFamily="18" charset="0"/>
+                          <a:cs typeface="Times New Roman" panose="02020603050405020304" pitchFamily="18" charset="0"/>
+                        </a:rPr>
+                        <m:t>𝑘𝐻𝑧</m:t>
+                      </m:r>
+                      <m:r>
+                        <a:rPr lang="en-US" b="1" i="1" dirty="0" smtClean="0">
+                          <a:solidFill>
+                            <a:schemeClr val="tx1"/>
+                          </a:solidFill>
+                          <a:latin typeface="Cambria Math" panose="02040503050406030204" pitchFamily="18" charset="0"/>
+                          <a:cs typeface="Times New Roman" panose="02020603050405020304" pitchFamily="18" charset="0"/>
+                        </a:rPr>
+                        <m:t> </m:t>
+                      </m:r>
+                    </m:oMath>
+                  </m:oMathPara>
+                </a14:m>
+                <a:endParaRPr lang="en-US" b="1" dirty="0">
+                  <a:solidFill>
+                    <a:schemeClr val="tx1"/>
+                  </a:solidFill>
+                  <a:latin typeface="Times New Roman" panose="02020603050405020304" pitchFamily="18" charset="0"/>
+                  <a:cs typeface="Times New Roman" panose="02020603050405020304" pitchFamily="18" charset="0"/>
+                </a:endParaRPr>
+              </a:p>
+            </p:txBody>
+          </p:sp>
+        </mc:Choice>
+        <mc:Fallback xmlns="">
+          <p:sp>
+            <p:nvSpPr>
+              <p:cNvPr id="30" name="Rectangle 29">
+                <a:extLst>
+                  <a:ext uri="{FF2B5EF4-FFF2-40B4-BE49-F238E27FC236}">
+                    <a16:creationId xmlns:a16="http://schemas.microsoft.com/office/drawing/2014/main" id="{ED44881D-9EA3-4514-BC6E-C3AA2184745A}"/>
+                  </a:ext>
+                </a:extLst>
+              </p:cNvPr>
+              <p:cNvSpPr>
+                <a:spLocks noRot="1" noChangeAspect="1" noMove="1" noResize="1" noEditPoints="1" noAdjustHandles="1" noChangeArrowheads="1" noChangeShapeType="1" noTextEdit="1"/>
+              </p:cNvSpPr>
+              <p:nvPr/>
+            </p:nvSpPr>
+            <p:spPr>
+              <a:xfrm>
+                <a:off x="8803945" y="4342975"/>
+                <a:ext cx="1694549" cy="420679"/>
+              </a:xfrm>
+              <a:prstGeom prst="rect">
+                <a:avLst/>
+              </a:prstGeom>
+              <a:blipFill>
+                <a:blip r:embed="rId7"/>
+                <a:stretch>
+                  <a:fillRect b="-7246"/>
+                </a:stretch>
+              </a:blipFill>
+              <a:ln>
+                <a:noFill/>
+              </a:ln>
+            </p:spPr>
+            <p:txBody>
+              <a:bodyPr/>
+              <a:lstStyle/>
+              <a:p>
+                <a:r>
+                  <a:rPr lang="en-US">
+                    <a:noFill/>
+                  </a:rPr>
+                  <a:t> </a:t>
+                </a:r>
+              </a:p>
+            </p:txBody>
+          </p:sp>
+        </mc:Fallback>
+      </mc:AlternateContent>
+      <mc:AlternateContent xmlns:mc="http://schemas.openxmlformats.org/markup-compatibility/2006" xmlns:a14="http://schemas.microsoft.com/office/drawing/2010/main">
+        <mc:Choice Requires="a14">
+          <p:sp>
+            <p:nvSpPr>
+              <p:cNvPr id="31" name="Rectangle 30">
+                <a:extLst>
+                  <a:ext uri="{FF2B5EF4-FFF2-40B4-BE49-F238E27FC236}">
+                    <a16:creationId xmlns:a16="http://schemas.microsoft.com/office/drawing/2014/main" id="{94CB56B4-FC06-4E36-9FAD-E1C7E2ED0EB6}"/>
+                  </a:ext>
+                </a:extLst>
+              </p:cNvPr>
+              <p:cNvSpPr/>
+              <p:nvPr/>
+            </p:nvSpPr>
+            <p:spPr>
+              <a:xfrm>
+                <a:off x="5260366" y="4368259"/>
+                <a:ext cx="1901714" cy="420679"/>
+              </a:xfrm>
+              <a:prstGeom prst="rect">
+                <a:avLst/>
+              </a:prstGeom>
+              <a:noFill/>
+              <a:ln>
+                <a:noFill/>
+              </a:ln>
+            </p:spPr>
+            <p:style>
+              <a:lnRef idx="2">
+                <a:schemeClr val="accent1">
+                  <a:shade val="50000"/>
+                </a:schemeClr>
+              </a:lnRef>
+              <a:fillRef idx="1">
+                <a:schemeClr val="accent1"/>
+              </a:fillRef>
+              <a:effectRef idx="0">
+                <a:schemeClr val="accent1"/>
+              </a:effectRef>
+              <a:fontRef idx="minor">
+                <a:schemeClr val="lt1"/>
+              </a:fontRef>
+            </p:style>
+            <p:txBody>
+              <a:bodyPr rtlCol="0" anchor="ctr"/>
+              <a:lstStyle/>
+              <a:p>
+                <a:pPr algn="ctr"/>
+                <a14:m>
+                  <m:oMathPara xmlns:m="http://schemas.openxmlformats.org/officeDocument/2006/math">
+                    <m:oMathParaPr>
+                      <m:jc m:val="centerGroup"/>
+                    </m:oMathParaPr>
+                    <m:oMath xmlns:m="http://schemas.openxmlformats.org/officeDocument/2006/math">
+                      <m:r>
+                        <a:rPr lang="en-US" i="1" dirty="0" smtClean="0">
+                          <a:solidFill>
+                            <a:schemeClr val="tx1"/>
+                          </a:solidFill>
+                          <a:latin typeface="Cambria Math" panose="02040503050406030204" pitchFamily="18" charset="0"/>
+                          <a:cs typeface="Times New Roman" panose="02020603050405020304" pitchFamily="18" charset="0"/>
+                        </a:rPr>
+                        <m:t>𝐷</m:t>
+                      </m:r>
+                      <m:r>
+                        <a:rPr lang="en-US" b="0" i="0" dirty="0" smtClean="0">
+                          <a:solidFill>
+                            <a:schemeClr val="tx1"/>
+                          </a:solidFill>
+                          <a:latin typeface="Cambria Math" panose="02040503050406030204" pitchFamily="18" charset="0"/>
+                          <a:cs typeface="Times New Roman" panose="02020603050405020304" pitchFamily="18" charset="0"/>
+                        </a:rPr>
+                        <m:t>=</m:t>
+                      </m:r>
+                      <m:r>
+                        <a:rPr lang="en-US" b="0" i="1" dirty="0" smtClean="0">
+                          <a:solidFill>
+                            <a:schemeClr val="tx1"/>
+                          </a:solidFill>
+                          <a:latin typeface="Cambria Math" panose="02040503050406030204" pitchFamily="18" charset="0"/>
+                          <a:cs typeface="Times New Roman" panose="02020603050405020304" pitchFamily="18" charset="0"/>
+                        </a:rPr>
+                        <m:t>0.85</m:t>
+                      </m:r>
+                    </m:oMath>
+                  </m:oMathPara>
+                </a14:m>
+                <a:endParaRPr lang="en-US" b="1" dirty="0">
+                  <a:solidFill>
+                    <a:schemeClr val="tx1"/>
+                  </a:solidFill>
+                  <a:latin typeface="Times New Roman" panose="02020603050405020304" pitchFamily="18" charset="0"/>
+                  <a:cs typeface="Times New Roman" panose="02020603050405020304" pitchFamily="18" charset="0"/>
+                </a:endParaRPr>
+              </a:p>
+            </p:txBody>
+          </p:sp>
+        </mc:Choice>
+        <mc:Fallback xmlns="">
+          <p:sp>
+            <p:nvSpPr>
+              <p:cNvPr id="31" name="Rectangle 30">
+                <a:extLst>
+                  <a:ext uri="{FF2B5EF4-FFF2-40B4-BE49-F238E27FC236}">
+                    <a16:creationId xmlns:a16="http://schemas.microsoft.com/office/drawing/2014/main" id="{94CB56B4-FC06-4E36-9FAD-E1C7E2ED0EB6}"/>
+                  </a:ext>
+                </a:extLst>
+              </p:cNvPr>
+              <p:cNvSpPr>
+                <a:spLocks noRot="1" noChangeAspect="1" noMove="1" noResize="1" noEditPoints="1" noAdjustHandles="1" noChangeArrowheads="1" noChangeShapeType="1" noTextEdit="1"/>
+              </p:cNvSpPr>
+              <p:nvPr/>
+            </p:nvSpPr>
+            <p:spPr>
+              <a:xfrm>
+                <a:off x="5260366" y="4368259"/>
+                <a:ext cx="1901714" cy="420679"/>
+              </a:xfrm>
+              <a:prstGeom prst="rect">
+                <a:avLst/>
+              </a:prstGeom>
+              <a:blipFill>
+                <a:blip r:embed="rId8"/>
+                <a:stretch>
+                  <a:fillRect/>
+                </a:stretch>
+              </a:blipFill>
+              <a:ln>
+                <a:noFill/>
+              </a:ln>
+            </p:spPr>
+            <p:txBody>
+              <a:bodyPr/>
+              <a:lstStyle/>
+              <a:p>
+                <a:r>
+                  <a:rPr lang="en-US">
+                    <a:noFill/>
+                  </a:rPr>
+                  <a:t> </a:t>
+                </a:r>
+              </a:p>
+            </p:txBody>
+          </p:sp>
+        </mc:Fallback>
+      </mc:AlternateContent>
+      <p:cxnSp>
+        <p:nvCxnSpPr>
+          <p:cNvPr id="36" name="Straight Arrow Connector 35">
+            <a:extLst>
+              <a:ext uri="{FF2B5EF4-FFF2-40B4-BE49-F238E27FC236}">
+                <a16:creationId xmlns:a16="http://schemas.microsoft.com/office/drawing/2014/main" id="{1CAE49FA-500A-42C6-9F78-AB195423EC38}"/>
+              </a:ext>
+            </a:extLst>
+          </p:cNvPr>
+          <p:cNvCxnSpPr>
+            <a:cxnSpLocks/>
+          </p:cNvCxnSpPr>
+          <p:nvPr/>
+        </p:nvCxnSpPr>
+        <p:spPr>
+          <a:xfrm>
+            <a:off x="7223522" y="2465064"/>
+            <a:ext cx="535675" cy="0"/>
+          </a:xfrm>
+          <a:prstGeom prst="straightConnector1">
+            <a:avLst/>
+          </a:prstGeom>
+          <a:ln w="28575" cap="flat" cmpd="sng" algn="ctr">
+            <a:solidFill>
+              <a:schemeClr val="dk1"/>
+            </a:solidFill>
+            <a:prstDash val="solid"/>
+            <a:round/>
+            <a:headEnd type="arrow" w="med" len="med"/>
+            <a:tailEnd type="arrow" w="med" len="med"/>
+          </a:ln>
+        </p:spPr>
+        <p:style>
+          <a:lnRef idx="0">
+            <a:scrgbClr r="0" g="0" b="0"/>
+          </a:lnRef>
+          <a:fillRef idx="0">
+            <a:scrgbClr r="0" g="0" b="0"/>
+          </a:fillRef>
+          <a:effectRef idx="0">
+            <a:scrgbClr r="0" g="0" b="0"/>
+          </a:effectRef>
+          <a:fontRef idx="minor">
+            <a:schemeClr val="tx1"/>
+          </a:fontRef>
+        </p:style>
+      </p:cxnSp>
+      <mc:AlternateContent xmlns:mc="http://schemas.openxmlformats.org/markup-compatibility/2006" xmlns:a14="http://schemas.microsoft.com/office/drawing/2010/main">
+        <mc:Choice Requires="a14">
+          <p:sp>
+            <p:nvSpPr>
+              <p:cNvPr id="37" name="Rectangle 36">
+                <a:extLst>
+                  <a:ext uri="{FF2B5EF4-FFF2-40B4-BE49-F238E27FC236}">
+                    <a16:creationId xmlns:a16="http://schemas.microsoft.com/office/drawing/2014/main" id="{C69B2E6E-202D-4845-B3AC-54E881FE5AE2}"/>
+                  </a:ext>
+                </a:extLst>
+              </p:cNvPr>
+              <p:cNvSpPr/>
+              <p:nvPr/>
+            </p:nvSpPr>
+            <p:spPr>
+              <a:xfrm>
+                <a:off x="7020999" y="2094347"/>
+                <a:ext cx="1091681" cy="267610"/>
+              </a:xfrm>
+              <a:prstGeom prst="rect">
+                <a:avLst/>
+              </a:prstGeom>
+              <a:noFill/>
+              <a:ln>
+                <a:solidFill>
+                  <a:schemeClr val="bg1"/>
+                </a:solidFill>
+              </a:ln>
+            </p:spPr>
+            <p:style>
+              <a:lnRef idx="2">
+                <a:schemeClr val="accent1">
+                  <a:shade val="50000"/>
+                </a:schemeClr>
+              </a:lnRef>
+              <a:fillRef idx="1">
+                <a:schemeClr val="accent1"/>
+              </a:fillRef>
+              <a:effectRef idx="0">
+                <a:schemeClr val="accent1"/>
+              </a:effectRef>
+              <a:fontRef idx="minor">
+                <a:schemeClr val="lt1"/>
+              </a:fontRef>
+            </p:style>
+            <p:txBody>
+              <a:bodyPr rtlCol="0" anchor="ctr"/>
+              <a:lstStyle/>
+              <a:p>
+                <a:pPr algn="ctr"/>
+                <a14:m>
+                  <m:oMathPara xmlns:m="http://schemas.openxmlformats.org/officeDocument/2006/math">
+                    <m:oMathParaPr>
+                      <m:jc m:val="centerGroup"/>
+                    </m:oMathParaPr>
+                    <m:oMath xmlns:m="http://schemas.openxmlformats.org/officeDocument/2006/math">
+                      <m:r>
+                        <a:rPr lang="en-US" sz="2000" b="1" i="1" smtClean="0">
+                          <a:solidFill>
+                            <a:schemeClr val="tx1"/>
+                          </a:solidFill>
+                          <a:latin typeface="Cambria Math" panose="02040503050406030204" pitchFamily="18" charset="0"/>
+                          <a:cs typeface="Times New Roman" panose="02020603050405020304" pitchFamily="18" charset="0"/>
+                        </a:rPr>
+                        <m:t>𝑫</m:t>
+                      </m:r>
+                    </m:oMath>
+                  </m:oMathPara>
+                </a14:m>
+                <a:endParaRPr lang="en-US" sz="2000" b="1" dirty="0">
+                  <a:solidFill>
+                    <a:schemeClr val="tx1"/>
+                  </a:solidFill>
+                  <a:latin typeface="Times New Roman" panose="02020603050405020304" pitchFamily="18" charset="0"/>
+                  <a:cs typeface="Times New Roman" panose="02020603050405020304" pitchFamily="18" charset="0"/>
+                </a:endParaRPr>
+              </a:p>
+            </p:txBody>
+          </p:sp>
+        </mc:Choice>
+        <mc:Fallback xmlns="">
+          <p:sp>
+            <p:nvSpPr>
+              <p:cNvPr id="37" name="Rectangle 36">
+                <a:extLst>
+                  <a:ext uri="{FF2B5EF4-FFF2-40B4-BE49-F238E27FC236}">
+                    <a16:creationId xmlns:a16="http://schemas.microsoft.com/office/drawing/2014/main" id="{C69B2E6E-202D-4845-B3AC-54E881FE5AE2}"/>
+                  </a:ext>
+                </a:extLst>
+              </p:cNvPr>
+              <p:cNvSpPr>
+                <a:spLocks noRot="1" noChangeAspect="1" noMove="1" noResize="1" noEditPoints="1" noAdjustHandles="1" noChangeArrowheads="1" noChangeShapeType="1" noTextEdit="1"/>
+              </p:cNvSpPr>
+              <p:nvPr/>
+            </p:nvSpPr>
+            <p:spPr>
+              <a:xfrm>
+                <a:off x="7020999" y="2094347"/>
+                <a:ext cx="1091681" cy="267610"/>
+              </a:xfrm>
+              <a:prstGeom prst="rect">
+                <a:avLst/>
+              </a:prstGeom>
+              <a:blipFill>
+                <a:blip r:embed="rId9"/>
+                <a:stretch>
+                  <a:fillRect b="-15556"/>
+                </a:stretch>
+              </a:blipFill>
+              <a:ln>
+                <a:solidFill>
+                  <a:schemeClr val="bg1"/>
+                </a:solidFill>
+              </a:ln>
+            </p:spPr>
+            <p:txBody>
+              <a:bodyPr/>
+              <a:lstStyle/>
+              <a:p>
+                <a:r>
+                  <a:rPr lang="en-US">
+                    <a:noFill/>
+                  </a:rPr>
+                  <a:t> </a:t>
+                </a:r>
+              </a:p>
+            </p:txBody>
+          </p:sp>
+        </mc:Fallback>
+      </mc:AlternateContent>
+    </p:spTree>
+    <p:extLst>
+      <p:ext uri="{BB962C8B-B14F-4D97-AF65-F5344CB8AC3E}">
+        <p14:creationId xmlns:p14="http://schemas.microsoft.com/office/powerpoint/2010/main" val="2461323007"/>
+      </p:ext>
+    </p:extLst>
+  </p:cSld>
+  <p:clrMapOvr>
+    <a:masterClrMapping/>
+  </p:clrMapOvr>
+</p:sld>
+</file>
+
+<file path=ppt/slides/slide6.xml><?xml version="1.0" encoding="utf-8"?>
+<p:sld xmlns:a="http://schemas.openxmlformats.org/drawingml/2006/main" xmlns:r="http://schemas.openxmlformats.org/officeDocument/2006/relationships" xmlns:p="http://schemas.openxmlformats.org/presentationml/2006/main">
+  <p:cSld>
+    <p:spTree>
+      <p:nvGrpSpPr>
+        <p:cNvPr id="1" name=""/>
+        <p:cNvGrpSpPr/>
+        <p:nvPr/>
+      </p:nvGrpSpPr>
+      <p:grpSpPr>
+        <a:xfrm>
+          <a:off x="0" y="0"/>
+          <a:ext cx="0" cy="0"/>
+          <a:chOff x="0" y="0"/>
+          <a:chExt cx="0" cy="0"/>
+        </a:xfrm>
+      </p:grpSpPr>
+      <p:pic>
+        <p:nvPicPr>
+          <p:cNvPr id="3" name="Picture 2">
+            <a:extLst>
+              <a:ext uri="{FF2B5EF4-FFF2-40B4-BE49-F238E27FC236}">
+                <a16:creationId xmlns:a16="http://schemas.microsoft.com/office/drawing/2014/main" id="{74DC8CB5-CEFA-4824-8CCF-990DB0072CA3}"/>
+              </a:ext>
+            </a:extLst>
+          </p:cNvPr>
+          <p:cNvPicPr>
+            <a:picLocks noChangeAspect="1"/>
+          </p:cNvPicPr>
+          <p:nvPr/>
+        </p:nvPicPr>
+        <p:blipFill>
+          <a:blip r:embed="rId2">
+            <a:extLst>
+              <a:ext uri="{28A0092B-C50C-407E-A947-70E740481C1C}">
+                <a14:useLocalDpi xmlns:a14="http://schemas.microsoft.com/office/drawing/2010/main" val="0"/>
+              </a:ext>
+            </a:extLst>
+          </a:blip>
+          <a:stretch>
+            <a:fillRect/>
+          </a:stretch>
+        </p:blipFill>
+        <p:spPr>
+          <a:xfrm>
+            <a:off x="73089" y="1471207"/>
+            <a:ext cx="10498493" cy="4383121"/>
+          </a:xfrm>
+          <a:prstGeom prst="rect">
+            <a:avLst/>
+          </a:prstGeom>
+        </p:spPr>
+      </p:pic>
+      <mc:AlternateContent xmlns:mc="http://schemas.openxmlformats.org/markup-compatibility/2006" xmlns:a14="http://schemas.microsoft.com/office/drawing/2010/main">
+        <mc:Choice Requires="a14">
+          <p:sp>
+            <p:nvSpPr>
+              <p:cNvPr id="4" name="Rectangle 3">
+                <a:extLst>
+                  <a:ext uri="{FF2B5EF4-FFF2-40B4-BE49-F238E27FC236}">
+                    <a16:creationId xmlns:a16="http://schemas.microsoft.com/office/drawing/2014/main" id="{29689016-F23F-4FBA-B88D-16FA1DA37698}"/>
+                  </a:ext>
+                </a:extLst>
+              </p:cNvPr>
+              <p:cNvSpPr/>
+              <p:nvPr/>
+            </p:nvSpPr>
+            <p:spPr>
+              <a:xfrm>
+                <a:off x="5604621" y="2371252"/>
+                <a:ext cx="1091681" cy="420679"/>
+              </a:xfrm>
+              <a:prstGeom prst="rect">
+                <a:avLst/>
+              </a:prstGeom>
+              <a:noFill/>
+              <a:ln>
+                <a:noFill/>
+              </a:ln>
+            </p:spPr>
+            <p:style>
+              <a:lnRef idx="2">
+                <a:schemeClr val="accent1">
+                  <a:shade val="50000"/>
+                </a:schemeClr>
+              </a:lnRef>
+              <a:fillRef idx="1">
+                <a:schemeClr val="accent1"/>
+              </a:fillRef>
+              <a:effectRef idx="0">
+                <a:schemeClr val="accent1"/>
+              </a:effectRef>
+              <a:fontRef idx="minor">
+                <a:schemeClr val="lt1"/>
+              </a:fontRef>
+            </p:style>
+            <p:txBody>
+              <a:bodyPr rtlCol="0" anchor="ctr"/>
+              <a:lstStyle/>
+              <a:p>
+                <a:pPr algn="ctr"/>
+                <a14:m>
+                  <m:oMathPara xmlns:m="http://schemas.openxmlformats.org/officeDocument/2006/math">
+                    <m:oMathParaPr>
+                      <m:jc m:val="centerGroup"/>
+                    </m:oMathParaPr>
+                    <m:oMath xmlns:m="http://schemas.openxmlformats.org/officeDocument/2006/math">
+                      <m:sSub>
+                        <m:sSubPr>
+                          <m:ctrlPr>
+                            <a:rPr lang="en-US" sz="2000" b="1" i="1" smtClean="0">
+                              <a:solidFill>
+                                <a:schemeClr val="tx1"/>
+                              </a:solidFill>
+                              <a:latin typeface="Cambria Math" panose="02040503050406030204" pitchFamily="18" charset="0"/>
+                              <a:cs typeface="Times New Roman" panose="02020603050405020304" pitchFamily="18" charset="0"/>
+                            </a:rPr>
+                          </m:ctrlPr>
+                        </m:sSubPr>
+                        <m:e>
+                          <m:r>
+                            <a:rPr lang="en-US" sz="2000" b="1" i="0" smtClean="0">
+                              <a:solidFill>
+                                <a:schemeClr val="tx1"/>
+                              </a:solidFill>
+                              <a:latin typeface="Cambria Math" panose="02040503050406030204" pitchFamily="18" charset="0"/>
+                              <a:cs typeface="Times New Roman" panose="02020603050405020304" pitchFamily="18" charset="0"/>
+                            </a:rPr>
+                            <m:t>𝐕</m:t>
+                          </m:r>
+                        </m:e>
+                        <m:sub>
+                          <m:r>
+                            <a:rPr lang="en-US" sz="2000" b="1" i="0" smtClean="0">
+                              <a:solidFill>
+                                <a:schemeClr val="tx1"/>
+                              </a:solidFill>
+                              <a:latin typeface="Cambria Math" panose="02040503050406030204" pitchFamily="18" charset="0"/>
+                              <a:cs typeface="Times New Roman" panose="02020603050405020304" pitchFamily="18" charset="0"/>
+                            </a:rPr>
+                            <m:t>𝐎</m:t>
+                          </m:r>
+                        </m:sub>
+                      </m:sSub>
+                    </m:oMath>
+                  </m:oMathPara>
+                </a14:m>
+                <a:endParaRPr lang="en-US" sz="2000" b="1" dirty="0">
+                  <a:solidFill>
+                    <a:schemeClr val="tx1"/>
+                  </a:solidFill>
+                  <a:latin typeface="Times New Roman" panose="02020603050405020304" pitchFamily="18" charset="0"/>
+                  <a:cs typeface="Times New Roman" panose="02020603050405020304" pitchFamily="18" charset="0"/>
+                </a:endParaRPr>
+              </a:p>
+            </p:txBody>
+          </p:sp>
+        </mc:Choice>
+        <mc:Fallback xmlns="">
+          <p:sp>
+            <p:nvSpPr>
+              <p:cNvPr id="4" name="Rectangle 3">
+                <a:extLst>
+                  <a:ext uri="{FF2B5EF4-FFF2-40B4-BE49-F238E27FC236}">
+                    <a16:creationId xmlns:a16="http://schemas.microsoft.com/office/drawing/2014/main" id="{29689016-F23F-4FBA-B88D-16FA1DA37698}"/>
+                  </a:ext>
+                </a:extLst>
+              </p:cNvPr>
+              <p:cNvSpPr>
+                <a:spLocks noRot="1" noChangeAspect="1" noMove="1" noResize="1" noEditPoints="1" noAdjustHandles="1" noChangeArrowheads="1" noChangeShapeType="1" noTextEdit="1"/>
+              </p:cNvSpPr>
+              <p:nvPr/>
+            </p:nvSpPr>
+            <p:spPr>
+              <a:xfrm>
+                <a:off x="5604621" y="2371252"/>
+                <a:ext cx="1091681" cy="420679"/>
+              </a:xfrm>
+              <a:prstGeom prst="rect">
+                <a:avLst/>
+              </a:prstGeom>
+              <a:blipFill>
+                <a:blip r:embed="rId3"/>
+                <a:stretch>
+                  <a:fillRect/>
+                </a:stretch>
+              </a:blipFill>
+              <a:ln>
+                <a:noFill/>
+              </a:ln>
+            </p:spPr>
+            <p:txBody>
+              <a:bodyPr/>
+              <a:lstStyle/>
+              <a:p>
+                <a:r>
+                  <a:rPr lang="en-US">
+                    <a:noFill/>
+                  </a:rPr>
+                  <a:t> </a:t>
+                </a:r>
+              </a:p>
+            </p:txBody>
+          </p:sp>
+        </mc:Fallback>
+      </mc:AlternateContent>
+      <p:cxnSp>
+        <p:nvCxnSpPr>
+          <p:cNvPr id="5" name="Straight Arrow Connector 4">
+            <a:extLst>
+              <a:ext uri="{FF2B5EF4-FFF2-40B4-BE49-F238E27FC236}">
+                <a16:creationId xmlns:a16="http://schemas.microsoft.com/office/drawing/2014/main" id="{88487717-A693-47B0-9828-E45ED89D7D07}"/>
+              </a:ext>
+            </a:extLst>
+          </p:cNvPr>
+          <p:cNvCxnSpPr>
+            <a:cxnSpLocks/>
+          </p:cNvCxnSpPr>
+          <p:nvPr/>
+        </p:nvCxnSpPr>
+        <p:spPr>
+          <a:xfrm flipH="1">
+            <a:off x="5741219" y="2648615"/>
+            <a:ext cx="181950" cy="143317"/>
+          </a:xfrm>
+          <a:prstGeom prst="straightConnector1">
+            <a:avLst/>
+          </a:prstGeom>
+          <a:ln>
+            <a:solidFill>
+              <a:schemeClr val="tx1"/>
+            </a:solidFill>
+            <a:tailEnd type="triangle"/>
+          </a:ln>
+        </p:spPr>
+        <p:style>
+          <a:lnRef idx="1">
+            <a:schemeClr val="accent1"/>
+          </a:lnRef>
+          <a:fillRef idx="0">
+            <a:schemeClr val="accent1"/>
+          </a:fillRef>
+          <a:effectRef idx="0">
+            <a:schemeClr val="accent1"/>
+          </a:effectRef>
+          <a:fontRef idx="minor">
+            <a:schemeClr val="tx1"/>
+          </a:fontRef>
+        </p:style>
+      </p:cxnSp>
+      <mc:AlternateContent xmlns:mc="http://schemas.openxmlformats.org/markup-compatibility/2006" xmlns:a14="http://schemas.microsoft.com/office/drawing/2010/main">
+        <mc:Choice Requires="a14">
+          <p:sp>
+            <p:nvSpPr>
+              <p:cNvPr id="6" name="Rectangle 5">
+                <a:extLst>
+                  <a:ext uri="{FF2B5EF4-FFF2-40B4-BE49-F238E27FC236}">
+                    <a16:creationId xmlns:a16="http://schemas.microsoft.com/office/drawing/2014/main" id="{D5C66DB7-D8C4-4B4A-A608-D979906DF96F}"/>
+                  </a:ext>
+                </a:extLst>
+              </p:cNvPr>
+              <p:cNvSpPr/>
+              <p:nvPr/>
+            </p:nvSpPr>
+            <p:spPr>
+              <a:xfrm>
+                <a:off x="6115687" y="1233702"/>
+                <a:ext cx="1091681" cy="420679"/>
+              </a:xfrm>
+              <a:prstGeom prst="rect">
+                <a:avLst/>
+              </a:prstGeom>
+              <a:noFill/>
+              <a:ln>
+                <a:noFill/>
+              </a:ln>
+            </p:spPr>
+            <p:style>
+              <a:lnRef idx="2">
+                <a:schemeClr val="accent1">
+                  <a:shade val="50000"/>
+                </a:schemeClr>
+              </a:lnRef>
+              <a:fillRef idx="1">
+                <a:schemeClr val="accent1"/>
+              </a:fillRef>
+              <a:effectRef idx="0">
+                <a:schemeClr val="accent1"/>
+              </a:effectRef>
+              <a:fontRef idx="minor">
+                <a:schemeClr val="lt1"/>
+              </a:fontRef>
+            </p:style>
+            <p:txBody>
+              <a:bodyPr rtlCol="0" anchor="ctr"/>
+              <a:lstStyle/>
+              <a:p>
+                <a:pPr algn="ctr"/>
+                <a14:m>
+                  <m:oMathPara xmlns:m="http://schemas.openxmlformats.org/officeDocument/2006/math">
+                    <m:oMathParaPr>
+                      <m:jc m:val="centerGroup"/>
+                    </m:oMathParaPr>
+                    <m:oMath xmlns:m="http://schemas.openxmlformats.org/officeDocument/2006/math">
+                      <m:sSub>
+                        <m:sSubPr>
+                          <m:ctrlPr>
+                            <a:rPr lang="en-US" sz="2000" b="1" i="1" smtClean="0">
+                              <a:solidFill>
+                                <a:schemeClr val="tx1"/>
+                              </a:solidFill>
+                              <a:latin typeface="Cambria Math" panose="02040503050406030204" pitchFamily="18" charset="0"/>
+                              <a:cs typeface="Times New Roman" panose="02020603050405020304" pitchFamily="18" charset="0"/>
+                            </a:rPr>
+                          </m:ctrlPr>
+                        </m:sSubPr>
+                        <m:e>
+                          <m:r>
+                            <a:rPr lang="en-US" sz="2000" b="1" i="0" smtClean="0">
+                              <a:solidFill>
+                                <a:schemeClr val="tx1"/>
+                              </a:solidFill>
+                              <a:latin typeface="Cambria Math" panose="02040503050406030204" pitchFamily="18" charset="0"/>
+                              <a:cs typeface="Times New Roman" panose="02020603050405020304" pitchFamily="18" charset="0"/>
+                            </a:rPr>
+                            <m:t>𝐕</m:t>
+                          </m:r>
+                        </m:e>
+                        <m:sub>
+                          <m:r>
+                            <a:rPr lang="en-US" sz="2000" b="1" i="0" smtClean="0">
+                              <a:solidFill>
+                                <a:schemeClr val="tx1"/>
+                              </a:solidFill>
+                              <a:latin typeface="Cambria Math" panose="02040503050406030204" pitchFamily="18" charset="0"/>
+                              <a:cs typeface="Times New Roman" panose="02020603050405020304" pitchFamily="18" charset="0"/>
+                            </a:rPr>
+                            <m:t>𝐑𝐗</m:t>
+                          </m:r>
+                        </m:sub>
+                      </m:sSub>
+                    </m:oMath>
+                  </m:oMathPara>
+                </a14:m>
+                <a:endParaRPr lang="en-US" sz="2000" b="1" dirty="0">
+                  <a:solidFill>
+                    <a:schemeClr val="tx1"/>
+                  </a:solidFill>
+                  <a:latin typeface="Times New Roman" panose="02020603050405020304" pitchFamily="18" charset="0"/>
+                  <a:cs typeface="Times New Roman" panose="02020603050405020304" pitchFamily="18" charset="0"/>
+                </a:endParaRPr>
+              </a:p>
+            </p:txBody>
+          </p:sp>
+        </mc:Choice>
+        <mc:Fallback xmlns="">
+          <p:sp>
+            <p:nvSpPr>
+              <p:cNvPr id="6" name="Rectangle 5">
+                <a:extLst>
+                  <a:ext uri="{FF2B5EF4-FFF2-40B4-BE49-F238E27FC236}">
+                    <a16:creationId xmlns:a16="http://schemas.microsoft.com/office/drawing/2014/main" id="{D5C66DB7-D8C4-4B4A-A608-D979906DF96F}"/>
+                  </a:ext>
+                </a:extLst>
+              </p:cNvPr>
+              <p:cNvSpPr>
+                <a:spLocks noRot="1" noChangeAspect="1" noMove="1" noResize="1" noEditPoints="1" noAdjustHandles="1" noChangeArrowheads="1" noChangeShapeType="1" noTextEdit="1"/>
+              </p:cNvSpPr>
+              <p:nvPr/>
+            </p:nvSpPr>
+            <p:spPr>
+              <a:xfrm>
+                <a:off x="6115687" y="1233702"/>
+                <a:ext cx="1091681" cy="420679"/>
+              </a:xfrm>
+              <a:prstGeom prst="rect">
+                <a:avLst/>
+              </a:prstGeom>
+              <a:blipFill>
+                <a:blip r:embed="rId4"/>
+                <a:stretch>
+                  <a:fillRect b="-1449"/>
+                </a:stretch>
+              </a:blipFill>
+              <a:ln>
+                <a:noFill/>
+              </a:ln>
+            </p:spPr>
+            <p:txBody>
+              <a:bodyPr/>
+              <a:lstStyle/>
+              <a:p>
+                <a:r>
+                  <a:rPr lang="en-US">
+                    <a:noFill/>
+                  </a:rPr>
+                  <a:t> </a:t>
+                </a:r>
+              </a:p>
+            </p:txBody>
+          </p:sp>
+        </mc:Fallback>
+      </mc:AlternateContent>
+      <p:cxnSp>
+        <p:nvCxnSpPr>
+          <p:cNvPr id="7" name="Straight Arrow Connector 6">
+            <a:extLst>
+              <a:ext uri="{FF2B5EF4-FFF2-40B4-BE49-F238E27FC236}">
+                <a16:creationId xmlns:a16="http://schemas.microsoft.com/office/drawing/2014/main" id="{F8446CDA-A9FA-4B20-B38D-B4501409E9EC}"/>
+              </a:ext>
+            </a:extLst>
+          </p:cNvPr>
+          <p:cNvCxnSpPr>
+            <a:cxnSpLocks/>
+          </p:cNvCxnSpPr>
+          <p:nvPr/>
+        </p:nvCxnSpPr>
+        <p:spPr>
+          <a:xfrm flipH="1">
+            <a:off x="6258925" y="1506804"/>
+            <a:ext cx="181950" cy="143317"/>
+          </a:xfrm>
+          <a:prstGeom prst="straightConnector1">
+            <a:avLst/>
+          </a:prstGeom>
+          <a:ln>
+            <a:solidFill>
+              <a:schemeClr val="tx1"/>
+            </a:solidFill>
+            <a:tailEnd type="triangle"/>
+          </a:ln>
+        </p:spPr>
+        <p:style>
+          <a:lnRef idx="1">
+            <a:schemeClr val="accent1"/>
+          </a:lnRef>
+          <a:fillRef idx="0">
+            <a:schemeClr val="accent1"/>
+          </a:fillRef>
+          <a:effectRef idx="0">
+            <a:schemeClr val="accent1"/>
+          </a:effectRef>
+          <a:fontRef idx="minor">
+            <a:schemeClr val="tx1"/>
+          </a:fontRef>
+        </p:style>
+      </p:cxnSp>
+      <mc:AlternateContent xmlns:mc="http://schemas.openxmlformats.org/markup-compatibility/2006" xmlns:a14="http://schemas.microsoft.com/office/drawing/2010/main">
+        <mc:Choice Requires="a14">
+          <p:sp>
+            <p:nvSpPr>
+              <p:cNvPr id="8" name="Rectangle 7">
+                <a:extLst>
+                  <a:ext uri="{FF2B5EF4-FFF2-40B4-BE49-F238E27FC236}">
+                    <a16:creationId xmlns:a16="http://schemas.microsoft.com/office/drawing/2014/main" id="{5B50E374-331D-4293-8552-10A49A017DE7}"/>
+                  </a:ext>
+                </a:extLst>
+              </p:cNvPr>
+              <p:cNvSpPr/>
+              <p:nvPr/>
+            </p:nvSpPr>
+            <p:spPr>
+              <a:xfrm>
+                <a:off x="5764265" y="3551141"/>
+                <a:ext cx="1091681" cy="420679"/>
+              </a:xfrm>
+              <a:prstGeom prst="rect">
+                <a:avLst/>
+              </a:prstGeom>
+              <a:noFill/>
+              <a:ln>
+                <a:noFill/>
+              </a:ln>
+            </p:spPr>
+            <p:style>
+              <a:lnRef idx="2">
+                <a:schemeClr val="accent1">
+                  <a:shade val="50000"/>
+                </a:schemeClr>
+              </a:lnRef>
+              <a:fillRef idx="1">
+                <a:schemeClr val="accent1"/>
+              </a:fillRef>
+              <a:effectRef idx="0">
+                <a:schemeClr val="accent1"/>
+              </a:effectRef>
+              <a:fontRef idx="minor">
+                <a:schemeClr val="lt1"/>
+              </a:fontRef>
+            </p:style>
+            <p:txBody>
+              <a:bodyPr rtlCol="0" anchor="ctr"/>
+              <a:lstStyle/>
+              <a:p>
+                <a:pPr algn="ctr"/>
+                <a14:m>
+                  <m:oMathPara xmlns:m="http://schemas.openxmlformats.org/officeDocument/2006/math">
+                    <m:oMathParaPr>
+                      <m:jc m:val="centerGroup"/>
+                    </m:oMathParaPr>
+                    <m:oMath xmlns:m="http://schemas.openxmlformats.org/officeDocument/2006/math">
+                      <m:sSub>
+                        <m:sSubPr>
+                          <m:ctrlPr>
+                            <a:rPr lang="en-US" sz="2000" b="1" i="1" smtClean="0">
+                              <a:solidFill>
+                                <a:schemeClr val="tx1"/>
+                              </a:solidFill>
+                              <a:latin typeface="Cambria Math" panose="02040503050406030204" pitchFamily="18" charset="0"/>
+                              <a:cs typeface="Times New Roman" panose="02020603050405020304" pitchFamily="18" charset="0"/>
+                            </a:rPr>
+                          </m:ctrlPr>
+                        </m:sSubPr>
+                        <m:e>
+                          <m:r>
+                            <a:rPr lang="en-US" sz="2000" b="1" i="0" smtClean="0">
+                              <a:solidFill>
+                                <a:schemeClr val="tx1"/>
+                              </a:solidFill>
+                              <a:latin typeface="Cambria Math" panose="02040503050406030204" pitchFamily="18" charset="0"/>
+                              <a:cs typeface="Times New Roman" panose="02020603050405020304" pitchFamily="18" charset="0"/>
+                            </a:rPr>
+                            <m:t>𝐈</m:t>
+                          </m:r>
+                        </m:e>
+                        <m:sub>
+                          <m:r>
+                            <a:rPr lang="en-US" sz="2000" b="1" i="0" smtClean="0">
+                              <a:solidFill>
+                                <a:schemeClr val="tx1"/>
+                              </a:solidFill>
+                              <a:latin typeface="Cambria Math" panose="02040503050406030204" pitchFamily="18" charset="0"/>
+                              <a:cs typeface="Times New Roman" panose="02020603050405020304" pitchFamily="18" charset="0"/>
+                            </a:rPr>
+                            <m:t>𝐓𝐗</m:t>
+                          </m:r>
+                        </m:sub>
+                      </m:sSub>
+                    </m:oMath>
+                  </m:oMathPara>
+                </a14:m>
+                <a:endParaRPr lang="en-US" sz="2000" b="1" dirty="0">
+                  <a:solidFill>
+                    <a:schemeClr val="tx1"/>
+                  </a:solidFill>
+                  <a:latin typeface="Times New Roman" panose="02020603050405020304" pitchFamily="18" charset="0"/>
+                  <a:cs typeface="Times New Roman" panose="02020603050405020304" pitchFamily="18" charset="0"/>
+                </a:endParaRPr>
+              </a:p>
+            </p:txBody>
+          </p:sp>
+        </mc:Choice>
+        <mc:Fallback xmlns="">
+          <p:sp>
+            <p:nvSpPr>
+              <p:cNvPr id="8" name="Rectangle 7">
+                <a:extLst>
+                  <a:ext uri="{FF2B5EF4-FFF2-40B4-BE49-F238E27FC236}">
+                    <a16:creationId xmlns:a16="http://schemas.microsoft.com/office/drawing/2014/main" id="{5B50E374-331D-4293-8552-10A49A017DE7}"/>
+                  </a:ext>
+                </a:extLst>
+              </p:cNvPr>
+              <p:cNvSpPr>
+                <a:spLocks noRot="1" noChangeAspect="1" noMove="1" noResize="1" noEditPoints="1" noAdjustHandles="1" noChangeArrowheads="1" noChangeShapeType="1" noTextEdit="1"/>
+              </p:cNvSpPr>
+              <p:nvPr/>
+            </p:nvSpPr>
+            <p:spPr>
+              <a:xfrm>
+                <a:off x="5764265" y="3551141"/>
+                <a:ext cx="1091681" cy="420679"/>
+              </a:xfrm>
+              <a:prstGeom prst="rect">
+                <a:avLst/>
+              </a:prstGeom>
+              <a:blipFill>
+                <a:blip r:embed="rId5"/>
+                <a:stretch>
+                  <a:fillRect/>
+                </a:stretch>
+              </a:blipFill>
+              <a:ln>
+                <a:noFill/>
+              </a:ln>
+            </p:spPr>
+            <p:txBody>
+              <a:bodyPr/>
+              <a:lstStyle/>
+              <a:p>
+                <a:r>
+                  <a:rPr lang="en-US">
+                    <a:noFill/>
+                  </a:rPr>
+                  <a:t> </a:t>
+                </a:r>
+              </a:p>
+            </p:txBody>
+          </p:sp>
+        </mc:Fallback>
+      </mc:AlternateContent>
+      <p:cxnSp>
+        <p:nvCxnSpPr>
+          <p:cNvPr id="9" name="Straight Arrow Connector 8">
+            <a:extLst>
+              <a:ext uri="{FF2B5EF4-FFF2-40B4-BE49-F238E27FC236}">
+                <a16:creationId xmlns:a16="http://schemas.microsoft.com/office/drawing/2014/main" id="{2525CA05-7271-425A-93C8-36D54BF0D96E}"/>
+              </a:ext>
+            </a:extLst>
+          </p:cNvPr>
+          <p:cNvCxnSpPr>
+            <a:cxnSpLocks/>
+          </p:cNvCxnSpPr>
+          <p:nvPr/>
+        </p:nvCxnSpPr>
+        <p:spPr>
+          <a:xfrm flipH="1">
+            <a:off x="5855240" y="3828503"/>
+            <a:ext cx="181950" cy="143317"/>
+          </a:xfrm>
+          <a:prstGeom prst="straightConnector1">
+            <a:avLst/>
+          </a:prstGeom>
+          <a:ln>
+            <a:solidFill>
+              <a:schemeClr val="tx1"/>
+            </a:solidFill>
+            <a:tailEnd type="triangle"/>
+          </a:ln>
+        </p:spPr>
+        <p:style>
+          <a:lnRef idx="1">
+            <a:schemeClr val="accent1"/>
+          </a:lnRef>
+          <a:fillRef idx="0">
+            <a:schemeClr val="accent1"/>
+          </a:fillRef>
+          <a:effectRef idx="0">
+            <a:schemeClr val="accent1"/>
+          </a:effectRef>
+          <a:fontRef idx="minor">
+            <a:schemeClr val="tx1"/>
+          </a:fontRef>
+        </p:style>
+      </p:cxnSp>
+      <mc:AlternateContent xmlns:mc="http://schemas.openxmlformats.org/markup-compatibility/2006" xmlns:a14="http://schemas.microsoft.com/office/drawing/2010/main">
+        <mc:Choice Requires="a14">
+          <p:sp>
+            <p:nvSpPr>
+              <p:cNvPr id="11" name="Rectangle 10">
+                <a:extLst>
+                  <a:ext uri="{FF2B5EF4-FFF2-40B4-BE49-F238E27FC236}">
+                    <a16:creationId xmlns:a16="http://schemas.microsoft.com/office/drawing/2014/main" id="{6CC9AE69-845C-4CCF-BA3B-59D603931032}"/>
+                  </a:ext>
+                </a:extLst>
+              </p:cNvPr>
+              <p:cNvSpPr/>
+              <p:nvPr/>
+            </p:nvSpPr>
+            <p:spPr>
+              <a:xfrm>
+                <a:off x="6855946" y="2371253"/>
+                <a:ext cx="1091681" cy="420679"/>
+              </a:xfrm>
+              <a:prstGeom prst="rect">
+                <a:avLst/>
+              </a:prstGeom>
+              <a:noFill/>
+              <a:ln>
+                <a:noFill/>
+              </a:ln>
+            </p:spPr>
+            <p:style>
+              <a:lnRef idx="2">
+                <a:schemeClr val="accent1">
+                  <a:shade val="50000"/>
+                </a:schemeClr>
+              </a:lnRef>
+              <a:fillRef idx="1">
+                <a:schemeClr val="accent1"/>
+              </a:fillRef>
+              <a:effectRef idx="0">
+                <a:schemeClr val="accent1"/>
+              </a:effectRef>
+              <a:fontRef idx="minor">
+                <a:schemeClr val="lt1"/>
+              </a:fontRef>
+            </p:style>
+            <p:txBody>
+              <a:bodyPr rtlCol="0" anchor="ctr"/>
+              <a:lstStyle/>
+              <a:p>
+                <a:pPr algn="ctr"/>
+                <a14:m>
+                  <m:oMathPara xmlns:m="http://schemas.openxmlformats.org/officeDocument/2006/math">
+                    <m:oMathParaPr>
+                      <m:jc m:val="centerGroup"/>
+                    </m:oMathParaPr>
+                    <m:oMath xmlns:m="http://schemas.openxmlformats.org/officeDocument/2006/math">
+                      <m:sSub>
+                        <m:sSubPr>
+                          <m:ctrlPr>
+                            <a:rPr lang="en-US" sz="2000" b="1" i="1" smtClean="0">
+                              <a:solidFill>
+                                <a:schemeClr val="tx1"/>
+                              </a:solidFill>
+                              <a:latin typeface="Cambria Math" panose="02040503050406030204" pitchFamily="18" charset="0"/>
+                              <a:cs typeface="Times New Roman" panose="02020603050405020304" pitchFamily="18" charset="0"/>
+                            </a:rPr>
+                          </m:ctrlPr>
+                        </m:sSubPr>
+                        <m:e>
+                          <m:r>
+                            <a:rPr lang="en-US" sz="2000" b="1" i="0" smtClean="0">
+                              <a:solidFill>
+                                <a:schemeClr val="tx1"/>
+                              </a:solidFill>
+                              <a:latin typeface="Cambria Math" panose="02040503050406030204" pitchFamily="18" charset="0"/>
+                              <a:cs typeface="Times New Roman" panose="02020603050405020304" pitchFamily="18" charset="0"/>
+                            </a:rPr>
+                            <m:t>𝐈</m:t>
+                          </m:r>
+                        </m:e>
+                        <m:sub>
+                          <m:r>
+                            <a:rPr lang="en-US" sz="2000" b="1" i="0" smtClean="0">
+                              <a:solidFill>
+                                <a:schemeClr val="tx1"/>
+                              </a:solidFill>
+                              <a:latin typeface="Cambria Math" panose="02040503050406030204" pitchFamily="18" charset="0"/>
+                              <a:cs typeface="Times New Roman" panose="02020603050405020304" pitchFamily="18" charset="0"/>
+                            </a:rPr>
+                            <m:t>𝐌</m:t>
+                          </m:r>
+                        </m:sub>
+                      </m:sSub>
+                    </m:oMath>
+                  </m:oMathPara>
+                </a14:m>
+                <a:endParaRPr lang="en-US" sz="2000" b="1" dirty="0">
+                  <a:solidFill>
+                    <a:schemeClr val="tx1"/>
+                  </a:solidFill>
+                  <a:latin typeface="Times New Roman" panose="02020603050405020304" pitchFamily="18" charset="0"/>
+                  <a:cs typeface="Times New Roman" panose="02020603050405020304" pitchFamily="18" charset="0"/>
+                </a:endParaRPr>
+              </a:p>
+            </p:txBody>
+          </p:sp>
+        </mc:Choice>
+        <mc:Fallback xmlns="">
+          <p:sp>
+            <p:nvSpPr>
+              <p:cNvPr id="11" name="Rectangle 10">
+                <a:extLst>
+                  <a:ext uri="{FF2B5EF4-FFF2-40B4-BE49-F238E27FC236}">
+                    <a16:creationId xmlns:a16="http://schemas.microsoft.com/office/drawing/2014/main" id="{6CC9AE69-845C-4CCF-BA3B-59D603931032}"/>
+                  </a:ext>
+                </a:extLst>
+              </p:cNvPr>
+              <p:cNvSpPr>
+                <a:spLocks noRot="1" noChangeAspect="1" noMove="1" noResize="1" noEditPoints="1" noAdjustHandles="1" noChangeArrowheads="1" noChangeShapeType="1" noTextEdit="1"/>
+              </p:cNvSpPr>
+              <p:nvPr/>
+            </p:nvSpPr>
+            <p:spPr>
+              <a:xfrm>
+                <a:off x="6855946" y="2371253"/>
+                <a:ext cx="1091681" cy="420679"/>
+              </a:xfrm>
+              <a:prstGeom prst="rect">
+                <a:avLst/>
+              </a:prstGeom>
+              <a:blipFill>
+                <a:blip r:embed="rId6"/>
+                <a:stretch>
+                  <a:fillRect/>
+                </a:stretch>
+              </a:blipFill>
+              <a:ln>
+                <a:noFill/>
+              </a:ln>
+            </p:spPr>
+            <p:txBody>
+              <a:bodyPr/>
+              <a:lstStyle/>
+              <a:p>
+                <a:r>
+                  <a:rPr lang="en-US">
+                    <a:noFill/>
+                  </a:rPr>
+                  <a:t> </a:t>
+                </a:r>
+              </a:p>
+            </p:txBody>
+          </p:sp>
+        </mc:Fallback>
+      </mc:AlternateContent>
+      <p:cxnSp>
+        <p:nvCxnSpPr>
+          <p:cNvPr id="12" name="Straight Arrow Connector 11">
+            <a:extLst>
+              <a:ext uri="{FF2B5EF4-FFF2-40B4-BE49-F238E27FC236}">
+                <a16:creationId xmlns:a16="http://schemas.microsoft.com/office/drawing/2014/main" id="{A9A3FDEA-81F1-493D-956F-84C38B691CE0}"/>
+              </a:ext>
+            </a:extLst>
+          </p:cNvPr>
+          <p:cNvCxnSpPr>
+            <a:cxnSpLocks/>
+          </p:cNvCxnSpPr>
+          <p:nvPr/>
+        </p:nvCxnSpPr>
+        <p:spPr>
+          <a:xfrm flipH="1" flipV="1">
+            <a:off x="7036308" y="2371253"/>
+            <a:ext cx="171060" cy="147577"/>
+          </a:xfrm>
+          <a:prstGeom prst="straightConnector1">
+            <a:avLst/>
+          </a:prstGeom>
+          <a:ln>
+            <a:solidFill>
+              <a:schemeClr val="tx1"/>
+            </a:solidFill>
+            <a:tailEnd type="triangle"/>
+          </a:ln>
+        </p:spPr>
+        <p:style>
+          <a:lnRef idx="1">
+            <a:schemeClr val="accent1"/>
+          </a:lnRef>
+          <a:fillRef idx="0">
+            <a:schemeClr val="accent1"/>
+          </a:fillRef>
+          <a:effectRef idx="0">
+            <a:schemeClr val="accent1"/>
+          </a:effectRef>
+          <a:fontRef idx="minor">
+            <a:schemeClr val="tx1"/>
+          </a:fontRef>
+        </p:style>
+      </p:cxnSp>
+      <p:sp>
+        <p:nvSpPr>
+          <p:cNvPr id="19" name="Rectangle 18">
+            <a:extLst>
+              <a:ext uri="{FF2B5EF4-FFF2-40B4-BE49-F238E27FC236}">
+                <a16:creationId xmlns:a16="http://schemas.microsoft.com/office/drawing/2014/main" id="{9E4EC551-E6F1-492D-8233-BB93453778FD}"/>
+              </a:ext>
+            </a:extLst>
+          </p:cNvPr>
+          <p:cNvSpPr/>
+          <p:nvPr/>
+        </p:nvSpPr>
+        <p:spPr>
+          <a:xfrm>
+            <a:off x="0" y="4594578"/>
+            <a:ext cx="10498494" cy="628976"/>
+          </a:xfrm>
+          <a:prstGeom prst="rect">
+            <a:avLst/>
+          </a:prstGeom>
+          <a:solidFill>
+            <a:schemeClr val="bg1"/>
+          </a:solidFill>
+          <a:ln>
+            <a:solidFill>
+              <a:schemeClr val="bg1"/>
+            </a:solidFill>
+          </a:ln>
+        </p:spPr>
+        <p:style>
+          <a:lnRef idx="2">
+            <a:schemeClr val="accent1">
+              <a:shade val="50000"/>
+            </a:schemeClr>
+          </a:lnRef>
+          <a:fillRef idx="1">
+            <a:schemeClr val="accent1"/>
+          </a:fillRef>
+          <a:effectRef idx="0">
+            <a:schemeClr val="accent1"/>
+          </a:effectRef>
+          <a:fontRef idx="minor">
+            <a:schemeClr val="lt1"/>
+          </a:fontRef>
+        </p:style>
+        <p:txBody>
+          <a:bodyPr rtlCol="0" anchor="ctr"/>
+          <a:lstStyle/>
+          <a:p>
+            <a:pPr algn="ctr"/>
+            <a:endParaRPr lang="en-US"/>
+          </a:p>
+        </p:txBody>
+      </p:sp>
+      <mc:AlternateContent xmlns:mc="http://schemas.openxmlformats.org/markup-compatibility/2006" xmlns:a14="http://schemas.microsoft.com/office/drawing/2010/main">
+        <mc:Choice Requires="a14">
+          <p:sp>
+            <p:nvSpPr>
+              <p:cNvPr id="14" name="Rectangle 13">
+                <a:extLst>
+                  <a:ext uri="{FF2B5EF4-FFF2-40B4-BE49-F238E27FC236}">
+                    <a16:creationId xmlns:a16="http://schemas.microsoft.com/office/drawing/2014/main" id="{DF9752F2-8C9F-479F-9108-F06511B8D586}"/>
+                  </a:ext>
+                </a:extLst>
+              </p:cNvPr>
+              <p:cNvSpPr/>
+              <p:nvPr/>
+            </p:nvSpPr>
+            <p:spPr>
+              <a:xfrm>
+                <a:off x="361085" y="4606616"/>
+                <a:ext cx="1901714" cy="420679"/>
+              </a:xfrm>
+              <a:prstGeom prst="rect">
+                <a:avLst/>
+              </a:prstGeom>
+              <a:noFill/>
+              <a:ln>
+                <a:noFill/>
+              </a:ln>
+            </p:spPr>
+            <p:style>
+              <a:lnRef idx="2">
+                <a:schemeClr val="accent1">
+                  <a:shade val="50000"/>
+                </a:schemeClr>
+              </a:lnRef>
+              <a:fillRef idx="1">
+                <a:schemeClr val="accent1"/>
+              </a:fillRef>
+              <a:effectRef idx="0">
+                <a:schemeClr val="accent1"/>
+              </a:effectRef>
+              <a:fontRef idx="minor">
+                <a:schemeClr val="lt1"/>
+              </a:fontRef>
+            </p:style>
+            <p:txBody>
+              <a:bodyPr rtlCol="0" anchor="ctr"/>
+              <a:lstStyle/>
+              <a:p>
+                <a:pPr algn="ctr"/>
+                <a14:m>
+                  <m:oMathPara xmlns:m="http://schemas.openxmlformats.org/officeDocument/2006/math">
+                    <m:oMathParaPr>
+                      <m:jc m:val="centerGroup"/>
+                    </m:oMathParaPr>
+                    <m:oMath xmlns:m="http://schemas.openxmlformats.org/officeDocument/2006/math">
+                      <m:sSub>
+                        <m:sSubPr>
+                          <m:ctrlPr>
+                            <a:rPr lang="en-US" i="1" dirty="0" smtClean="0">
+                              <a:solidFill>
+                                <a:schemeClr val="tx1"/>
+                              </a:solidFill>
+                              <a:latin typeface="Cambria Math" panose="02040503050406030204" pitchFamily="18" charset="0"/>
+                              <a:cs typeface="Times New Roman" panose="02020603050405020304" pitchFamily="18" charset="0"/>
+                            </a:rPr>
+                          </m:ctrlPr>
+                        </m:sSubPr>
+                        <m:e>
+                          <m:r>
+                            <m:rPr>
+                              <m:sty m:val="p"/>
+                            </m:rPr>
+                            <a:rPr lang="en-US" b="0" i="0" dirty="0" smtClean="0">
+                              <a:solidFill>
+                                <a:schemeClr val="tx1"/>
+                              </a:solidFill>
+                              <a:latin typeface="Cambria Math" panose="02040503050406030204" pitchFamily="18" charset="0"/>
+                              <a:cs typeface="Times New Roman" panose="02020603050405020304" pitchFamily="18" charset="0"/>
+                            </a:rPr>
+                            <m:t>V</m:t>
+                          </m:r>
+                        </m:e>
+                        <m:sub>
+                          <m:r>
+                            <m:rPr>
+                              <m:sty m:val="p"/>
+                            </m:rPr>
+                            <a:rPr lang="en-US" b="0" i="0" dirty="0">
+                              <a:solidFill>
+                                <a:schemeClr val="tx1"/>
+                              </a:solidFill>
+                              <a:latin typeface="Cambria Math" panose="02040503050406030204" pitchFamily="18" charset="0"/>
+                              <a:cs typeface="Times New Roman" panose="02020603050405020304" pitchFamily="18" charset="0"/>
+                            </a:rPr>
+                            <m:t>RX</m:t>
+                          </m:r>
+                        </m:sub>
+                      </m:sSub>
+                      <m:r>
+                        <a:rPr lang="en-US" b="0" i="0" dirty="0" smtClean="0">
+                          <a:solidFill>
+                            <a:schemeClr val="tx1"/>
+                          </a:solidFill>
+                          <a:latin typeface="Cambria Math" panose="02040503050406030204" pitchFamily="18" charset="0"/>
+                          <a:cs typeface="Times New Roman" panose="02020603050405020304" pitchFamily="18" charset="0"/>
+                        </a:rPr>
+                        <m:t>=20.7</m:t>
+                      </m:r>
+                      <m:sSub>
+                        <m:sSubPr>
+                          <m:ctrlPr>
+                            <a:rPr lang="en-US" i="1" dirty="0" smtClean="0">
+                              <a:solidFill>
+                                <a:schemeClr val="tx1"/>
+                              </a:solidFill>
+                              <a:latin typeface="Cambria Math" panose="02040503050406030204" pitchFamily="18" charset="0"/>
+                              <a:cs typeface="Times New Roman" panose="02020603050405020304" pitchFamily="18" charset="0"/>
+                            </a:rPr>
+                          </m:ctrlPr>
+                        </m:sSubPr>
+                        <m:e>
+                          <m:r>
+                            <a:rPr lang="en-US" b="0" i="1" dirty="0" smtClean="0">
+                              <a:solidFill>
+                                <a:schemeClr val="tx1"/>
+                              </a:solidFill>
+                              <a:latin typeface="Cambria Math" panose="02040503050406030204" pitchFamily="18" charset="0"/>
+                              <a:cs typeface="Times New Roman" panose="02020603050405020304" pitchFamily="18" charset="0"/>
+                            </a:rPr>
+                            <m:t> </m:t>
+                          </m:r>
+                          <m:r>
+                            <a:rPr lang="en-US" b="0" i="1" dirty="0" smtClean="0">
+                              <a:solidFill>
+                                <a:schemeClr val="tx1"/>
+                              </a:solidFill>
+                              <a:latin typeface="Cambria Math" panose="02040503050406030204" pitchFamily="18" charset="0"/>
+                              <a:cs typeface="Times New Roman" panose="02020603050405020304" pitchFamily="18" charset="0"/>
+                            </a:rPr>
+                            <m:t>𝐴</m:t>
+                          </m:r>
+                        </m:e>
+                        <m:sub>
+                          <m:r>
+                            <a:rPr lang="en-US" b="0" i="1" dirty="0" smtClean="0">
+                              <a:solidFill>
+                                <a:schemeClr val="tx1"/>
+                              </a:solidFill>
+                              <a:latin typeface="Cambria Math" panose="02040503050406030204" pitchFamily="18" charset="0"/>
+                              <a:cs typeface="Times New Roman" panose="02020603050405020304" pitchFamily="18" charset="0"/>
+                            </a:rPr>
+                            <m:t>𝑅𝑀𝑆</m:t>
+                          </m:r>
+                        </m:sub>
+                      </m:sSub>
+                      <m:r>
+                        <a:rPr lang="en-US" b="1" i="1" dirty="0" smtClean="0">
+                          <a:solidFill>
+                            <a:schemeClr val="tx1"/>
+                          </a:solidFill>
+                          <a:latin typeface="Cambria Math" panose="02040503050406030204" pitchFamily="18" charset="0"/>
+                          <a:cs typeface="Times New Roman" panose="02020603050405020304" pitchFamily="18" charset="0"/>
+                        </a:rPr>
+                        <m:t> </m:t>
+                      </m:r>
+                    </m:oMath>
+                  </m:oMathPara>
+                </a14:m>
+                <a:endParaRPr lang="en-US" b="1" dirty="0">
+                  <a:solidFill>
+                    <a:schemeClr val="tx1"/>
+                  </a:solidFill>
+                  <a:latin typeface="Times New Roman" panose="02020603050405020304" pitchFamily="18" charset="0"/>
+                  <a:cs typeface="Times New Roman" panose="02020603050405020304" pitchFamily="18" charset="0"/>
+                </a:endParaRPr>
+              </a:p>
+            </p:txBody>
+          </p:sp>
+        </mc:Choice>
+        <mc:Fallback xmlns="">
+          <p:sp>
+            <p:nvSpPr>
+              <p:cNvPr id="14" name="Rectangle 13">
+                <a:extLst>
+                  <a:ext uri="{FF2B5EF4-FFF2-40B4-BE49-F238E27FC236}">
+                    <a16:creationId xmlns:a16="http://schemas.microsoft.com/office/drawing/2014/main" id="{DF9752F2-8C9F-479F-9108-F06511B8D586}"/>
+                  </a:ext>
+                </a:extLst>
+              </p:cNvPr>
+              <p:cNvSpPr>
+                <a:spLocks noRot="1" noChangeAspect="1" noMove="1" noResize="1" noEditPoints="1" noAdjustHandles="1" noChangeArrowheads="1" noChangeShapeType="1" noTextEdit="1"/>
+              </p:cNvSpPr>
+              <p:nvPr/>
+            </p:nvSpPr>
+            <p:spPr>
+              <a:xfrm>
+                <a:off x="361085" y="4606616"/>
+                <a:ext cx="1901714" cy="420679"/>
+              </a:xfrm>
+              <a:prstGeom prst="rect">
+                <a:avLst/>
+              </a:prstGeom>
+              <a:blipFill>
+                <a:blip r:embed="rId7"/>
+                <a:stretch>
+                  <a:fillRect/>
+                </a:stretch>
+              </a:blipFill>
+              <a:ln>
+                <a:noFill/>
+              </a:ln>
+            </p:spPr>
+            <p:txBody>
+              <a:bodyPr/>
+              <a:lstStyle/>
+              <a:p>
+                <a:r>
+                  <a:rPr lang="en-US">
+                    <a:noFill/>
+                  </a:rPr>
+                  <a:t> </a:t>
+                </a:r>
+              </a:p>
+            </p:txBody>
+          </p:sp>
+        </mc:Fallback>
+      </mc:AlternateContent>
+      <mc:AlternateContent xmlns:mc="http://schemas.openxmlformats.org/markup-compatibility/2006" xmlns:a14="http://schemas.microsoft.com/office/drawing/2010/main">
+        <mc:Choice Requires="a14">
+          <p:sp>
+            <p:nvSpPr>
+              <p:cNvPr id="16" name="Rectangle 15">
+                <a:extLst>
+                  <a:ext uri="{FF2B5EF4-FFF2-40B4-BE49-F238E27FC236}">
+                    <a16:creationId xmlns:a16="http://schemas.microsoft.com/office/drawing/2014/main" id="{CC98B42C-D7D2-4373-AB3D-0DAD0875FCEA}"/>
+                  </a:ext>
+                </a:extLst>
+              </p:cNvPr>
+              <p:cNvSpPr/>
+              <p:nvPr/>
+            </p:nvSpPr>
+            <p:spPr>
+              <a:xfrm>
+                <a:off x="3863382" y="4606616"/>
+                <a:ext cx="1714159" cy="420679"/>
+              </a:xfrm>
+              <a:prstGeom prst="rect">
+                <a:avLst/>
+              </a:prstGeom>
+              <a:noFill/>
+              <a:ln>
+                <a:noFill/>
+              </a:ln>
+            </p:spPr>
+            <p:style>
+              <a:lnRef idx="2">
+                <a:schemeClr val="accent1">
+                  <a:shade val="50000"/>
+                </a:schemeClr>
+              </a:lnRef>
+              <a:fillRef idx="1">
+                <a:schemeClr val="accent1"/>
+              </a:fillRef>
+              <a:effectRef idx="0">
+                <a:schemeClr val="accent1"/>
+              </a:effectRef>
+              <a:fontRef idx="minor">
+                <a:schemeClr val="lt1"/>
+              </a:fontRef>
+            </p:style>
+            <p:txBody>
+              <a:bodyPr rtlCol="0" anchor="ctr"/>
+              <a:lstStyle/>
+              <a:p>
+                <a:pPr algn="ctr"/>
+                <a14:m>
+                  <m:oMathPara xmlns:m="http://schemas.openxmlformats.org/officeDocument/2006/math">
+                    <m:oMathParaPr>
+                      <m:jc m:val="centerGroup"/>
+                    </m:oMathParaPr>
+                    <m:oMath xmlns:m="http://schemas.openxmlformats.org/officeDocument/2006/math">
+                      <m:sSub>
+                        <m:sSubPr>
+                          <m:ctrlPr>
+                            <a:rPr lang="en-US" i="1" dirty="0" smtClean="0">
+                              <a:solidFill>
+                                <a:schemeClr val="tx1"/>
+                              </a:solidFill>
+                              <a:latin typeface="Cambria Math" panose="02040503050406030204" pitchFamily="18" charset="0"/>
+                              <a:cs typeface="Times New Roman" panose="02020603050405020304" pitchFamily="18" charset="0"/>
+                            </a:rPr>
+                          </m:ctrlPr>
+                        </m:sSubPr>
+                        <m:e>
+                          <m:r>
+                            <m:rPr>
+                              <m:sty m:val="p"/>
+                            </m:rPr>
+                            <a:rPr lang="en-US" b="0" i="0" dirty="0" smtClean="0">
+                              <a:solidFill>
+                                <a:schemeClr val="tx1"/>
+                              </a:solidFill>
+                              <a:latin typeface="Cambria Math" panose="02040503050406030204" pitchFamily="18" charset="0"/>
+                              <a:cs typeface="Times New Roman" panose="02020603050405020304" pitchFamily="18" charset="0"/>
+                            </a:rPr>
+                            <m:t>V</m:t>
+                          </m:r>
+                        </m:e>
+                        <m:sub>
+                          <m:r>
+                            <m:rPr>
+                              <m:sty m:val="p"/>
+                            </m:rPr>
+                            <a:rPr lang="en-US" b="0" i="0" dirty="0" smtClean="0">
+                              <a:solidFill>
+                                <a:schemeClr val="tx1"/>
+                              </a:solidFill>
+                              <a:latin typeface="Cambria Math" panose="02040503050406030204" pitchFamily="18" charset="0"/>
+                              <a:cs typeface="Times New Roman" panose="02020603050405020304" pitchFamily="18" charset="0"/>
+                            </a:rPr>
+                            <m:t>o</m:t>
+                          </m:r>
+                        </m:sub>
+                      </m:sSub>
+                      <m:r>
+                        <a:rPr lang="en-US" b="0" i="0" dirty="0" smtClean="0">
+                          <a:solidFill>
+                            <a:schemeClr val="tx1"/>
+                          </a:solidFill>
+                          <a:latin typeface="Cambria Math" panose="02040503050406030204" pitchFamily="18" charset="0"/>
+                          <a:cs typeface="Times New Roman" panose="02020603050405020304" pitchFamily="18" charset="0"/>
+                        </a:rPr>
+                        <m:t>=20</m:t>
+                      </m:r>
+                      <m:r>
+                        <a:rPr lang="en-US" i="1" dirty="0" smtClean="0">
+                          <a:solidFill>
+                            <a:schemeClr val="tx1"/>
+                          </a:solidFill>
+                          <a:latin typeface="Cambria Math" panose="02040503050406030204" pitchFamily="18" charset="0"/>
+                          <a:cs typeface="Times New Roman" panose="02020603050405020304" pitchFamily="18" charset="0"/>
+                        </a:rPr>
+                        <m:t>0</m:t>
+                      </m:r>
+                      <m:r>
+                        <a:rPr lang="en-US" b="0" i="1" dirty="0" smtClean="0">
+                          <a:solidFill>
+                            <a:schemeClr val="tx1"/>
+                          </a:solidFill>
+                          <a:latin typeface="Cambria Math" panose="02040503050406030204" pitchFamily="18" charset="0"/>
+                          <a:cs typeface="Times New Roman" panose="02020603050405020304" pitchFamily="18" charset="0"/>
+                        </a:rPr>
+                        <m:t> </m:t>
+                      </m:r>
+                      <m:sSub>
+                        <m:sSubPr>
+                          <m:ctrlPr>
+                            <a:rPr lang="en-US" b="1" i="1" dirty="0" smtClean="0">
+                              <a:solidFill>
+                                <a:schemeClr val="tx1"/>
+                              </a:solidFill>
+                              <a:latin typeface="Cambria Math" panose="02040503050406030204" pitchFamily="18" charset="0"/>
+                              <a:cs typeface="Times New Roman" panose="02020603050405020304" pitchFamily="18" charset="0"/>
+                            </a:rPr>
+                          </m:ctrlPr>
+                        </m:sSubPr>
+                        <m:e>
+                          <m:r>
+                            <a:rPr lang="en-US" b="0" i="1" dirty="0" smtClean="0">
+                              <a:solidFill>
+                                <a:schemeClr val="tx1"/>
+                              </a:solidFill>
+                              <a:latin typeface="Cambria Math" panose="02040503050406030204" pitchFamily="18" charset="0"/>
+                              <a:cs typeface="Times New Roman" panose="02020603050405020304" pitchFamily="18" charset="0"/>
+                            </a:rPr>
+                            <m:t>𝑉</m:t>
+                          </m:r>
+                        </m:e>
+                        <m:sub>
+                          <m:r>
+                            <a:rPr lang="en-US" b="1" i="1" dirty="0" smtClean="0">
+                              <a:solidFill>
+                                <a:schemeClr val="tx1"/>
+                              </a:solidFill>
+                              <a:latin typeface="Cambria Math" panose="02040503050406030204" pitchFamily="18" charset="0"/>
+                              <a:cs typeface="Times New Roman" panose="02020603050405020304" pitchFamily="18" charset="0"/>
+                            </a:rPr>
+                            <m:t>𝒑𝒑</m:t>
+                          </m:r>
+                        </m:sub>
+                      </m:sSub>
+                      <m:r>
+                        <a:rPr lang="en-US" b="1" i="1" dirty="0" smtClean="0">
+                          <a:solidFill>
+                            <a:schemeClr val="tx1"/>
+                          </a:solidFill>
+                          <a:latin typeface="Cambria Math" panose="02040503050406030204" pitchFamily="18" charset="0"/>
+                          <a:cs typeface="Times New Roman" panose="02020603050405020304" pitchFamily="18" charset="0"/>
+                        </a:rPr>
+                        <m:t> </m:t>
+                      </m:r>
+                    </m:oMath>
+                  </m:oMathPara>
+                </a14:m>
+                <a:endParaRPr lang="en-US" b="1" dirty="0">
+                  <a:solidFill>
+                    <a:schemeClr val="tx1"/>
+                  </a:solidFill>
+                  <a:latin typeface="Times New Roman" panose="02020603050405020304" pitchFamily="18" charset="0"/>
+                  <a:cs typeface="Times New Roman" panose="02020603050405020304" pitchFamily="18" charset="0"/>
+                </a:endParaRPr>
+              </a:p>
+            </p:txBody>
+          </p:sp>
+        </mc:Choice>
+        <mc:Fallback xmlns="">
+          <p:sp>
+            <p:nvSpPr>
+              <p:cNvPr id="16" name="Rectangle 15">
+                <a:extLst>
+                  <a:ext uri="{FF2B5EF4-FFF2-40B4-BE49-F238E27FC236}">
+                    <a16:creationId xmlns:a16="http://schemas.microsoft.com/office/drawing/2014/main" id="{CC98B42C-D7D2-4373-AB3D-0DAD0875FCEA}"/>
+                  </a:ext>
+                </a:extLst>
+              </p:cNvPr>
+              <p:cNvSpPr>
+                <a:spLocks noRot="1" noChangeAspect="1" noMove="1" noResize="1" noEditPoints="1" noAdjustHandles="1" noChangeArrowheads="1" noChangeShapeType="1" noTextEdit="1"/>
+              </p:cNvSpPr>
+              <p:nvPr/>
+            </p:nvSpPr>
+            <p:spPr>
+              <a:xfrm>
+                <a:off x="3863382" y="4606616"/>
+                <a:ext cx="1714159" cy="420679"/>
+              </a:xfrm>
+              <a:prstGeom prst="rect">
+                <a:avLst/>
+              </a:prstGeom>
+              <a:blipFill>
+                <a:blip r:embed="rId8"/>
+                <a:stretch>
+                  <a:fillRect b="-1449"/>
+                </a:stretch>
+              </a:blipFill>
+              <a:ln>
+                <a:noFill/>
+              </a:ln>
+            </p:spPr>
+            <p:txBody>
+              <a:bodyPr/>
+              <a:lstStyle/>
+              <a:p>
+                <a:r>
+                  <a:rPr lang="en-US">
+                    <a:noFill/>
+                  </a:rPr>
+                  <a:t> </a:t>
+                </a:r>
+              </a:p>
+            </p:txBody>
+          </p:sp>
+        </mc:Fallback>
+      </mc:AlternateContent>
+      <mc:AlternateContent xmlns:mc="http://schemas.openxmlformats.org/markup-compatibility/2006" xmlns:a14="http://schemas.microsoft.com/office/drawing/2010/main">
+        <mc:Choice Requires="a14">
+          <p:sp>
+            <p:nvSpPr>
+              <p:cNvPr id="17" name="Rectangle 16">
+                <a:extLst>
+                  <a:ext uri="{FF2B5EF4-FFF2-40B4-BE49-F238E27FC236}">
+                    <a16:creationId xmlns:a16="http://schemas.microsoft.com/office/drawing/2014/main" id="{FE374060-0250-4D68-A03D-7F9D2C7787A5}"/>
+                  </a:ext>
+                </a:extLst>
+              </p:cNvPr>
+              <p:cNvSpPr/>
+              <p:nvPr/>
+            </p:nvSpPr>
+            <p:spPr>
+              <a:xfrm>
+                <a:off x="6959557" y="4540086"/>
+                <a:ext cx="1901714" cy="420679"/>
+              </a:xfrm>
+              <a:prstGeom prst="rect">
+                <a:avLst/>
+              </a:prstGeom>
+              <a:noFill/>
+              <a:ln>
+                <a:noFill/>
+              </a:ln>
+            </p:spPr>
+            <p:style>
+              <a:lnRef idx="2">
+                <a:schemeClr val="accent1">
+                  <a:shade val="50000"/>
+                </a:schemeClr>
+              </a:lnRef>
+              <a:fillRef idx="1">
+                <a:schemeClr val="accent1"/>
+              </a:fillRef>
+              <a:effectRef idx="0">
+                <a:schemeClr val="accent1"/>
+              </a:effectRef>
+              <a:fontRef idx="minor">
+                <a:schemeClr val="lt1"/>
+              </a:fontRef>
+            </p:style>
+            <p:txBody>
+              <a:bodyPr rtlCol="0" anchor="ctr"/>
+              <a:lstStyle/>
+              <a:p>
+                <a:pPr algn="ctr"/>
+                <a14:m>
+                  <m:oMathPara xmlns:m="http://schemas.openxmlformats.org/officeDocument/2006/math">
+                    <m:oMathParaPr>
+                      <m:jc m:val="centerGroup"/>
+                    </m:oMathParaPr>
+                    <m:oMath xmlns:m="http://schemas.openxmlformats.org/officeDocument/2006/math">
+                      <m:sSub>
+                        <m:sSubPr>
+                          <m:ctrlPr>
+                            <a:rPr lang="en-US" i="1" dirty="0" smtClean="0">
+                              <a:solidFill>
+                                <a:schemeClr val="tx1"/>
+                              </a:solidFill>
+                              <a:latin typeface="Cambria Math" panose="02040503050406030204" pitchFamily="18" charset="0"/>
+                              <a:cs typeface="Times New Roman" panose="02020603050405020304" pitchFamily="18" charset="0"/>
+                            </a:rPr>
+                          </m:ctrlPr>
+                        </m:sSubPr>
+                        <m:e>
+                          <m:r>
+                            <m:rPr>
+                              <m:sty m:val="p"/>
+                            </m:rPr>
+                            <a:rPr lang="en-US" b="0" i="0" dirty="0" smtClean="0">
+                              <a:solidFill>
+                                <a:schemeClr val="tx1"/>
+                              </a:solidFill>
+                              <a:latin typeface="Cambria Math" panose="02040503050406030204" pitchFamily="18" charset="0"/>
+                              <a:cs typeface="Times New Roman" panose="02020603050405020304" pitchFamily="18" charset="0"/>
+                            </a:rPr>
+                            <m:t>I</m:t>
+                          </m:r>
+                        </m:e>
+                        <m:sub>
+                          <m:r>
+                            <m:rPr>
+                              <m:sty m:val="p"/>
+                            </m:rPr>
+                            <a:rPr lang="en-US" b="0" i="0" dirty="0" smtClean="0">
+                              <a:solidFill>
+                                <a:schemeClr val="tx1"/>
+                              </a:solidFill>
+                              <a:latin typeface="Cambria Math" panose="02040503050406030204" pitchFamily="18" charset="0"/>
+                              <a:cs typeface="Times New Roman" panose="02020603050405020304" pitchFamily="18" charset="0"/>
+                            </a:rPr>
+                            <m:t>T</m:t>
+                          </m:r>
+                          <m:r>
+                            <m:rPr>
+                              <m:sty m:val="p"/>
+                            </m:rPr>
+                            <a:rPr lang="en-US" b="0" i="0" dirty="0">
+                              <a:solidFill>
+                                <a:schemeClr val="tx1"/>
+                              </a:solidFill>
+                              <a:latin typeface="Cambria Math" panose="02040503050406030204" pitchFamily="18" charset="0"/>
+                              <a:cs typeface="Times New Roman" panose="02020603050405020304" pitchFamily="18" charset="0"/>
+                            </a:rPr>
+                            <m:t>X</m:t>
+                          </m:r>
+                        </m:sub>
+                      </m:sSub>
+                      <m:r>
+                        <a:rPr lang="en-US" b="0" i="0" dirty="0" smtClean="0">
+                          <a:solidFill>
+                            <a:schemeClr val="tx1"/>
+                          </a:solidFill>
+                          <a:latin typeface="Cambria Math" panose="02040503050406030204" pitchFamily="18" charset="0"/>
+                          <a:cs typeface="Times New Roman" panose="02020603050405020304" pitchFamily="18" charset="0"/>
+                        </a:rPr>
+                        <m:t>=</m:t>
+                      </m:r>
+                      <m:r>
+                        <a:rPr lang="en-US" b="0" i="1" dirty="0" smtClean="0">
+                          <a:solidFill>
+                            <a:schemeClr val="tx1"/>
+                          </a:solidFill>
+                          <a:latin typeface="Cambria Math" panose="02040503050406030204" pitchFamily="18" charset="0"/>
+                          <a:cs typeface="Times New Roman" panose="02020603050405020304" pitchFamily="18" charset="0"/>
+                        </a:rPr>
+                        <m:t>1.74</m:t>
+                      </m:r>
+                      <m:sSub>
+                        <m:sSubPr>
+                          <m:ctrlPr>
+                            <a:rPr lang="en-US" b="0" i="1" dirty="0" smtClean="0">
+                              <a:solidFill>
+                                <a:schemeClr val="tx1"/>
+                              </a:solidFill>
+                              <a:latin typeface="Cambria Math" panose="02040503050406030204" pitchFamily="18" charset="0"/>
+                              <a:cs typeface="Times New Roman" panose="02020603050405020304" pitchFamily="18" charset="0"/>
+                            </a:rPr>
+                          </m:ctrlPr>
+                        </m:sSubPr>
+                        <m:e>
+                          <m:r>
+                            <a:rPr lang="en-US" b="0" i="1" dirty="0" smtClean="0">
+                              <a:solidFill>
+                                <a:schemeClr val="tx1"/>
+                              </a:solidFill>
+                              <a:latin typeface="Cambria Math" panose="02040503050406030204" pitchFamily="18" charset="0"/>
+                              <a:cs typeface="Times New Roman" panose="02020603050405020304" pitchFamily="18" charset="0"/>
+                            </a:rPr>
+                            <m:t> </m:t>
+                          </m:r>
+                          <m:r>
+                            <a:rPr lang="en-US" b="0" i="1" dirty="0" smtClean="0">
+                              <a:solidFill>
+                                <a:schemeClr val="tx1"/>
+                              </a:solidFill>
+                              <a:latin typeface="Cambria Math" panose="02040503050406030204" pitchFamily="18" charset="0"/>
+                              <a:cs typeface="Times New Roman" panose="02020603050405020304" pitchFamily="18" charset="0"/>
+                            </a:rPr>
+                            <m:t>𝐴</m:t>
+                          </m:r>
+                        </m:e>
+                        <m:sub>
+                          <m:r>
+                            <a:rPr lang="en-US" b="0" i="1" dirty="0" smtClean="0">
+                              <a:solidFill>
+                                <a:schemeClr val="tx1"/>
+                              </a:solidFill>
+                              <a:latin typeface="Cambria Math" panose="02040503050406030204" pitchFamily="18" charset="0"/>
+                              <a:cs typeface="Times New Roman" panose="02020603050405020304" pitchFamily="18" charset="0"/>
+                            </a:rPr>
+                            <m:t>𝑅𝑚𝑠</m:t>
+                          </m:r>
+                        </m:sub>
+                      </m:sSub>
+                      <m:r>
+                        <a:rPr lang="en-US" b="1" i="1" dirty="0" smtClean="0">
+                          <a:solidFill>
+                            <a:schemeClr val="tx1"/>
+                          </a:solidFill>
+                          <a:latin typeface="Cambria Math" panose="02040503050406030204" pitchFamily="18" charset="0"/>
+                          <a:cs typeface="Times New Roman" panose="02020603050405020304" pitchFamily="18" charset="0"/>
+                        </a:rPr>
+                        <m:t> </m:t>
+                      </m:r>
+                    </m:oMath>
+                  </m:oMathPara>
+                </a14:m>
+                <a:endParaRPr lang="en-US" b="1" dirty="0">
+                  <a:solidFill>
+                    <a:schemeClr val="tx1"/>
+                  </a:solidFill>
+                  <a:latin typeface="Times New Roman" panose="02020603050405020304" pitchFamily="18" charset="0"/>
+                  <a:cs typeface="Times New Roman" panose="02020603050405020304" pitchFamily="18" charset="0"/>
+                </a:endParaRPr>
+              </a:p>
+            </p:txBody>
+          </p:sp>
+        </mc:Choice>
+        <mc:Fallback xmlns="">
+          <p:sp>
+            <p:nvSpPr>
+              <p:cNvPr id="17" name="Rectangle 16">
+                <a:extLst>
+                  <a:ext uri="{FF2B5EF4-FFF2-40B4-BE49-F238E27FC236}">
+                    <a16:creationId xmlns:a16="http://schemas.microsoft.com/office/drawing/2014/main" id="{FE374060-0250-4D68-A03D-7F9D2C7787A5}"/>
+                  </a:ext>
+                </a:extLst>
+              </p:cNvPr>
+              <p:cNvSpPr>
+                <a:spLocks noRot="1" noChangeAspect="1" noMove="1" noResize="1" noEditPoints="1" noAdjustHandles="1" noChangeArrowheads="1" noChangeShapeType="1" noTextEdit="1"/>
+              </p:cNvSpPr>
+              <p:nvPr/>
+            </p:nvSpPr>
+            <p:spPr>
+              <a:xfrm>
+                <a:off x="6959557" y="4540086"/>
+                <a:ext cx="1901714" cy="420679"/>
+              </a:xfrm>
+              <a:prstGeom prst="rect">
+                <a:avLst/>
+              </a:prstGeom>
+              <a:blipFill>
+                <a:blip r:embed="rId9"/>
+                <a:stretch>
+                  <a:fillRect/>
+                </a:stretch>
+              </a:blipFill>
+              <a:ln>
+                <a:noFill/>
+              </a:ln>
+            </p:spPr>
+            <p:txBody>
+              <a:bodyPr/>
+              <a:lstStyle/>
+              <a:p>
+                <a:r>
+                  <a:rPr lang="en-US">
+                    <a:noFill/>
+                  </a:rPr>
+                  <a:t> </a:t>
+                </a:r>
+              </a:p>
+            </p:txBody>
+          </p:sp>
+        </mc:Fallback>
+      </mc:AlternateContent>
+      <mc:AlternateContent xmlns:mc="http://schemas.openxmlformats.org/markup-compatibility/2006" xmlns:a14="http://schemas.microsoft.com/office/drawing/2010/main">
+        <mc:Choice Requires="a14">
+          <p:sp>
+            <p:nvSpPr>
+              <p:cNvPr id="18" name="Rectangle 17">
+                <a:extLst>
+                  <a:ext uri="{FF2B5EF4-FFF2-40B4-BE49-F238E27FC236}">
+                    <a16:creationId xmlns:a16="http://schemas.microsoft.com/office/drawing/2014/main" id="{891D8DF4-903D-4E8F-BD59-304A1333B8CA}"/>
+                  </a:ext>
+                </a:extLst>
+              </p:cNvPr>
+              <p:cNvSpPr/>
+              <p:nvPr/>
+            </p:nvSpPr>
+            <p:spPr>
+              <a:xfrm>
+                <a:off x="2216874" y="4606616"/>
+                <a:ext cx="1714159" cy="420679"/>
+              </a:xfrm>
+              <a:prstGeom prst="rect">
+                <a:avLst/>
+              </a:prstGeom>
+              <a:noFill/>
+              <a:ln>
+                <a:noFill/>
+              </a:ln>
+            </p:spPr>
+            <p:style>
+              <a:lnRef idx="2">
+                <a:schemeClr val="accent1">
+                  <a:shade val="50000"/>
+                </a:schemeClr>
+              </a:lnRef>
+              <a:fillRef idx="1">
+                <a:schemeClr val="accent1"/>
+              </a:fillRef>
+              <a:effectRef idx="0">
+                <a:schemeClr val="accent1"/>
+              </a:effectRef>
+              <a:fontRef idx="minor">
+                <a:schemeClr val="lt1"/>
+              </a:fontRef>
+            </p:style>
+            <p:txBody>
+              <a:bodyPr rtlCol="0" anchor="ctr"/>
+              <a:lstStyle/>
+              <a:p>
+                <a:pPr algn="ctr"/>
+                <a14:m>
+                  <m:oMathPara xmlns:m="http://schemas.openxmlformats.org/officeDocument/2006/math">
+                    <m:oMathParaPr>
+                      <m:jc m:val="centerGroup"/>
+                    </m:oMathParaPr>
+                    <m:oMath xmlns:m="http://schemas.openxmlformats.org/officeDocument/2006/math">
+                      <m:sSub>
+                        <m:sSubPr>
+                          <m:ctrlPr>
+                            <a:rPr lang="en-US" i="1" dirty="0" smtClean="0">
+                              <a:solidFill>
+                                <a:schemeClr val="tx1"/>
+                              </a:solidFill>
+                              <a:latin typeface="Cambria Math" panose="02040503050406030204" pitchFamily="18" charset="0"/>
+                              <a:cs typeface="Times New Roman" panose="02020603050405020304" pitchFamily="18" charset="0"/>
+                            </a:rPr>
+                          </m:ctrlPr>
+                        </m:sSubPr>
+                        <m:e>
+                          <m:r>
+                            <m:rPr>
+                              <m:sty m:val="p"/>
+                            </m:rPr>
+                            <a:rPr lang="en-US" b="0" i="0" dirty="0" smtClean="0">
+                              <a:solidFill>
+                                <a:schemeClr val="tx1"/>
+                              </a:solidFill>
+                              <a:latin typeface="Cambria Math" panose="02040503050406030204" pitchFamily="18" charset="0"/>
+                              <a:cs typeface="Times New Roman" panose="02020603050405020304" pitchFamily="18" charset="0"/>
+                            </a:rPr>
+                            <m:t>I</m:t>
+                          </m:r>
+                        </m:e>
+                        <m:sub>
+                          <m:r>
+                            <m:rPr>
+                              <m:sty m:val="p"/>
+                            </m:rPr>
+                            <a:rPr lang="en-US" b="0" i="0" dirty="0" smtClean="0">
+                              <a:solidFill>
+                                <a:schemeClr val="tx1"/>
+                              </a:solidFill>
+                              <a:latin typeface="Cambria Math" panose="02040503050406030204" pitchFamily="18" charset="0"/>
+                              <a:cs typeface="Times New Roman" panose="02020603050405020304" pitchFamily="18" charset="0"/>
+                            </a:rPr>
+                            <m:t>M</m:t>
+                          </m:r>
+                        </m:sub>
+                      </m:sSub>
+                      <m:r>
+                        <a:rPr lang="en-US" b="0" i="0" dirty="0" smtClean="0">
+                          <a:solidFill>
+                            <a:schemeClr val="tx1"/>
+                          </a:solidFill>
+                          <a:latin typeface="Cambria Math" panose="02040503050406030204" pitchFamily="18" charset="0"/>
+                          <a:cs typeface="Times New Roman" panose="02020603050405020304" pitchFamily="18" charset="0"/>
+                        </a:rPr>
+                        <m:t>=</m:t>
+                      </m:r>
+                      <m:r>
+                        <a:rPr lang="en-US" b="0" i="1" dirty="0" smtClean="0">
+                          <a:solidFill>
+                            <a:schemeClr val="tx1"/>
+                          </a:solidFill>
+                          <a:latin typeface="Cambria Math" panose="02040503050406030204" pitchFamily="18" charset="0"/>
+                          <a:cs typeface="Times New Roman" panose="02020603050405020304" pitchFamily="18" charset="0"/>
+                        </a:rPr>
+                        <m:t>6.82 </m:t>
+                      </m:r>
+                      <m:r>
+                        <a:rPr lang="en-US" b="0" i="1" dirty="0" smtClean="0">
+                          <a:solidFill>
+                            <a:schemeClr val="tx1"/>
+                          </a:solidFill>
+                          <a:latin typeface="Cambria Math" panose="02040503050406030204" pitchFamily="18" charset="0"/>
+                          <a:cs typeface="Times New Roman" panose="02020603050405020304" pitchFamily="18" charset="0"/>
+                        </a:rPr>
+                        <m:t>𝐴</m:t>
+                      </m:r>
+                    </m:oMath>
+                  </m:oMathPara>
+                </a14:m>
+                <a:endParaRPr lang="en-US" b="1" dirty="0">
+                  <a:solidFill>
+                    <a:schemeClr val="tx1"/>
+                  </a:solidFill>
+                  <a:latin typeface="Times New Roman" panose="02020603050405020304" pitchFamily="18" charset="0"/>
+                  <a:cs typeface="Times New Roman" panose="02020603050405020304" pitchFamily="18" charset="0"/>
+                </a:endParaRPr>
+              </a:p>
+            </p:txBody>
+          </p:sp>
+        </mc:Choice>
+        <mc:Fallback xmlns="">
+          <p:sp>
+            <p:nvSpPr>
+              <p:cNvPr id="18" name="Rectangle 17">
+                <a:extLst>
+                  <a:ext uri="{FF2B5EF4-FFF2-40B4-BE49-F238E27FC236}">
+                    <a16:creationId xmlns:a16="http://schemas.microsoft.com/office/drawing/2014/main" id="{891D8DF4-903D-4E8F-BD59-304A1333B8CA}"/>
+                  </a:ext>
+                </a:extLst>
+              </p:cNvPr>
+              <p:cNvSpPr>
+                <a:spLocks noRot="1" noChangeAspect="1" noMove="1" noResize="1" noEditPoints="1" noAdjustHandles="1" noChangeArrowheads="1" noChangeShapeType="1" noTextEdit="1"/>
+              </p:cNvSpPr>
+              <p:nvPr/>
+            </p:nvSpPr>
+            <p:spPr>
+              <a:xfrm>
+                <a:off x="2216874" y="4606616"/>
+                <a:ext cx="1714159" cy="420679"/>
+              </a:xfrm>
+              <a:prstGeom prst="rect">
+                <a:avLst/>
+              </a:prstGeom>
+              <a:blipFill>
+                <a:blip r:embed="rId10"/>
+                <a:stretch>
+                  <a:fillRect/>
+                </a:stretch>
+              </a:blipFill>
+              <a:ln>
+                <a:noFill/>
+              </a:ln>
+            </p:spPr>
+            <p:txBody>
+              <a:bodyPr/>
+              <a:lstStyle/>
+              <a:p>
+                <a:r>
+                  <a:rPr lang="en-US">
+                    <a:noFill/>
+                  </a:rPr>
+                  <a:t> </a:t>
+                </a:r>
+              </a:p>
+            </p:txBody>
+          </p:sp>
+        </mc:Fallback>
+      </mc:AlternateContent>
+      <mc:AlternateContent xmlns:mc="http://schemas.openxmlformats.org/markup-compatibility/2006" xmlns:a14="http://schemas.microsoft.com/office/drawing/2010/main">
+        <mc:Choice Requires="a14">
+          <p:sp>
+            <p:nvSpPr>
+              <p:cNvPr id="20" name="Rectangle 19">
+                <a:extLst>
+                  <a:ext uri="{FF2B5EF4-FFF2-40B4-BE49-F238E27FC236}">
+                    <a16:creationId xmlns:a16="http://schemas.microsoft.com/office/drawing/2014/main" id="{D56AEFAD-EF9A-4898-8F6E-3F48EA9B8778}"/>
+                  </a:ext>
+                </a:extLst>
+              </p:cNvPr>
+              <p:cNvSpPr/>
+              <p:nvPr/>
+            </p:nvSpPr>
+            <p:spPr>
+              <a:xfrm>
+                <a:off x="8803945" y="4540086"/>
+                <a:ext cx="1694549" cy="420679"/>
+              </a:xfrm>
+              <a:prstGeom prst="rect">
+                <a:avLst/>
+              </a:prstGeom>
+              <a:noFill/>
+              <a:ln>
+                <a:noFill/>
+              </a:ln>
+            </p:spPr>
+            <p:style>
+              <a:lnRef idx="2">
+                <a:schemeClr val="accent1">
+                  <a:shade val="50000"/>
+                </a:schemeClr>
+              </a:lnRef>
+              <a:fillRef idx="1">
+                <a:schemeClr val="accent1"/>
+              </a:fillRef>
+              <a:effectRef idx="0">
+                <a:schemeClr val="accent1"/>
+              </a:effectRef>
+              <a:fontRef idx="minor">
+                <a:schemeClr val="lt1"/>
+              </a:fontRef>
+            </p:style>
+            <p:txBody>
+              <a:bodyPr rtlCol="0" anchor="ctr"/>
+              <a:lstStyle/>
+              <a:p>
+                <a:pPr algn="ctr"/>
+                <a14:m>
+                  <m:oMathPara xmlns:m="http://schemas.openxmlformats.org/officeDocument/2006/math">
+                    <m:oMathParaPr>
+                      <m:jc m:val="centerGroup"/>
+                    </m:oMathParaPr>
+                    <m:oMath xmlns:m="http://schemas.openxmlformats.org/officeDocument/2006/math">
+                      <m:r>
+                        <a:rPr lang="en-US" i="1" dirty="0" smtClean="0">
+                          <a:solidFill>
+                            <a:schemeClr val="tx1"/>
+                          </a:solidFill>
+                          <a:latin typeface="Cambria Math" panose="02040503050406030204" pitchFamily="18" charset="0"/>
+                          <a:cs typeface="Times New Roman" panose="02020603050405020304" pitchFamily="18" charset="0"/>
+                        </a:rPr>
+                        <m:t>𝑓</m:t>
+                      </m:r>
+                      <m:r>
+                        <a:rPr lang="en-US" b="0" i="0" dirty="0" smtClean="0">
+                          <a:solidFill>
+                            <a:schemeClr val="tx1"/>
+                          </a:solidFill>
+                          <a:latin typeface="Cambria Math" panose="02040503050406030204" pitchFamily="18" charset="0"/>
+                          <a:cs typeface="Times New Roman" panose="02020603050405020304" pitchFamily="18" charset="0"/>
+                        </a:rPr>
+                        <m:t>=</m:t>
+                      </m:r>
+                      <m:r>
+                        <a:rPr lang="en-US" b="0" i="1" dirty="0" smtClean="0">
+                          <a:solidFill>
+                            <a:schemeClr val="tx1"/>
+                          </a:solidFill>
+                          <a:latin typeface="Cambria Math" panose="02040503050406030204" pitchFamily="18" charset="0"/>
+                          <a:cs typeface="Times New Roman" panose="02020603050405020304" pitchFamily="18" charset="0"/>
+                        </a:rPr>
+                        <m:t>81.3 </m:t>
+                      </m:r>
+                      <m:r>
+                        <a:rPr lang="en-US" b="0" i="1" dirty="0" smtClean="0">
+                          <a:solidFill>
+                            <a:schemeClr val="tx1"/>
+                          </a:solidFill>
+                          <a:latin typeface="Cambria Math" panose="02040503050406030204" pitchFamily="18" charset="0"/>
+                          <a:cs typeface="Times New Roman" panose="02020603050405020304" pitchFamily="18" charset="0"/>
+                        </a:rPr>
+                        <m:t>𝑘𝐻𝑧</m:t>
+                      </m:r>
+                      <m:r>
+                        <a:rPr lang="en-US" b="1" i="1" dirty="0" smtClean="0">
+                          <a:solidFill>
+                            <a:schemeClr val="tx1"/>
+                          </a:solidFill>
+                          <a:latin typeface="Cambria Math" panose="02040503050406030204" pitchFamily="18" charset="0"/>
+                          <a:cs typeface="Times New Roman" panose="02020603050405020304" pitchFamily="18" charset="0"/>
+                        </a:rPr>
+                        <m:t> </m:t>
+                      </m:r>
+                    </m:oMath>
+                  </m:oMathPara>
+                </a14:m>
+                <a:endParaRPr lang="en-US" b="1" dirty="0">
+                  <a:solidFill>
+                    <a:schemeClr val="tx1"/>
+                  </a:solidFill>
+                  <a:latin typeface="Times New Roman" panose="02020603050405020304" pitchFamily="18" charset="0"/>
+                  <a:cs typeface="Times New Roman" panose="02020603050405020304" pitchFamily="18" charset="0"/>
+                </a:endParaRPr>
+              </a:p>
+            </p:txBody>
+          </p:sp>
+        </mc:Choice>
+        <mc:Fallback xmlns="">
+          <p:sp>
+            <p:nvSpPr>
+              <p:cNvPr id="20" name="Rectangle 19">
+                <a:extLst>
+                  <a:ext uri="{FF2B5EF4-FFF2-40B4-BE49-F238E27FC236}">
+                    <a16:creationId xmlns:a16="http://schemas.microsoft.com/office/drawing/2014/main" id="{D56AEFAD-EF9A-4898-8F6E-3F48EA9B8778}"/>
+                  </a:ext>
+                </a:extLst>
+              </p:cNvPr>
+              <p:cNvSpPr>
+                <a:spLocks noRot="1" noChangeAspect="1" noMove="1" noResize="1" noEditPoints="1" noAdjustHandles="1" noChangeArrowheads="1" noChangeShapeType="1" noTextEdit="1"/>
+              </p:cNvSpPr>
+              <p:nvPr/>
+            </p:nvSpPr>
+            <p:spPr>
+              <a:xfrm>
+                <a:off x="8803945" y="4540086"/>
+                <a:ext cx="1694549" cy="420679"/>
+              </a:xfrm>
+              <a:prstGeom prst="rect">
+                <a:avLst/>
+              </a:prstGeom>
+              <a:blipFill>
+                <a:blip r:embed="rId11"/>
+                <a:stretch>
+                  <a:fillRect b="-7246"/>
+                </a:stretch>
+              </a:blipFill>
+              <a:ln>
+                <a:noFill/>
+              </a:ln>
+            </p:spPr>
+            <p:txBody>
+              <a:bodyPr/>
+              <a:lstStyle/>
+              <a:p>
+                <a:r>
+                  <a:rPr lang="en-US">
+                    <a:noFill/>
+                  </a:rPr>
+                  <a:t> </a:t>
+                </a:r>
+              </a:p>
+            </p:txBody>
+          </p:sp>
+        </mc:Fallback>
+      </mc:AlternateContent>
+      <mc:AlternateContent xmlns:mc="http://schemas.openxmlformats.org/markup-compatibility/2006" xmlns:a14="http://schemas.microsoft.com/office/drawing/2010/main">
+        <mc:Choice Requires="a14">
+          <p:sp>
+            <p:nvSpPr>
+              <p:cNvPr id="15" name="Rectangle 14">
+                <a:extLst>
+                  <a:ext uri="{FF2B5EF4-FFF2-40B4-BE49-F238E27FC236}">
+                    <a16:creationId xmlns:a16="http://schemas.microsoft.com/office/drawing/2014/main" id="{E8F64907-9FCB-44BC-A3A7-9C8C08A0812F}"/>
+                  </a:ext>
+                </a:extLst>
+              </p:cNvPr>
+              <p:cNvSpPr/>
+              <p:nvPr/>
+            </p:nvSpPr>
+            <p:spPr>
+              <a:xfrm>
+                <a:off x="5260366" y="4565370"/>
+                <a:ext cx="1901714" cy="420679"/>
+              </a:xfrm>
+              <a:prstGeom prst="rect">
+                <a:avLst/>
+              </a:prstGeom>
+              <a:noFill/>
+              <a:ln>
+                <a:noFill/>
+              </a:ln>
+            </p:spPr>
+            <p:style>
+              <a:lnRef idx="2">
+                <a:schemeClr val="accent1">
+                  <a:shade val="50000"/>
+                </a:schemeClr>
+              </a:lnRef>
+              <a:fillRef idx="1">
+                <a:schemeClr val="accent1"/>
+              </a:fillRef>
+              <a:effectRef idx="0">
+                <a:schemeClr val="accent1"/>
+              </a:effectRef>
+              <a:fontRef idx="minor">
+                <a:schemeClr val="lt1"/>
+              </a:fontRef>
+            </p:style>
+            <p:txBody>
+              <a:bodyPr rtlCol="0" anchor="ctr"/>
+              <a:lstStyle/>
+              <a:p>
+                <a:pPr algn="ctr"/>
+                <a14:m>
+                  <m:oMathPara xmlns:m="http://schemas.openxmlformats.org/officeDocument/2006/math">
+                    <m:oMathParaPr>
+                      <m:jc m:val="centerGroup"/>
+                    </m:oMathParaPr>
+                    <m:oMath xmlns:m="http://schemas.openxmlformats.org/officeDocument/2006/math">
+                      <m:r>
+                        <a:rPr lang="en-US" i="1" dirty="0" smtClean="0">
+                          <a:solidFill>
+                            <a:schemeClr val="tx1"/>
+                          </a:solidFill>
+                          <a:latin typeface="Cambria Math" panose="02040503050406030204" pitchFamily="18" charset="0"/>
+                          <a:cs typeface="Times New Roman" panose="02020603050405020304" pitchFamily="18" charset="0"/>
+                        </a:rPr>
+                        <m:t>𝐷</m:t>
+                      </m:r>
+                      <m:r>
+                        <a:rPr lang="en-US" b="0" i="0" dirty="0" smtClean="0">
+                          <a:solidFill>
+                            <a:schemeClr val="tx1"/>
+                          </a:solidFill>
+                          <a:latin typeface="Cambria Math" panose="02040503050406030204" pitchFamily="18" charset="0"/>
+                          <a:cs typeface="Times New Roman" panose="02020603050405020304" pitchFamily="18" charset="0"/>
+                        </a:rPr>
+                        <m:t>=</m:t>
+                      </m:r>
+                      <m:r>
+                        <a:rPr lang="en-US" b="0" i="1" dirty="0" smtClean="0">
+                          <a:solidFill>
+                            <a:schemeClr val="tx1"/>
+                          </a:solidFill>
+                          <a:latin typeface="Cambria Math" panose="02040503050406030204" pitchFamily="18" charset="0"/>
+                          <a:cs typeface="Times New Roman" panose="02020603050405020304" pitchFamily="18" charset="0"/>
+                        </a:rPr>
+                        <m:t>0.85</m:t>
+                      </m:r>
+                    </m:oMath>
+                  </m:oMathPara>
+                </a14:m>
+                <a:endParaRPr lang="en-US" b="1" dirty="0">
+                  <a:solidFill>
+                    <a:schemeClr val="tx1"/>
+                  </a:solidFill>
+                  <a:latin typeface="Times New Roman" panose="02020603050405020304" pitchFamily="18" charset="0"/>
+                  <a:cs typeface="Times New Roman" panose="02020603050405020304" pitchFamily="18" charset="0"/>
+                </a:endParaRPr>
+              </a:p>
+            </p:txBody>
+          </p:sp>
+        </mc:Choice>
+        <mc:Fallback xmlns="">
+          <p:sp>
+            <p:nvSpPr>
+              <p:cNvPr id="15" name="Rectangle 14">
+                <a:extLst>
+                  <a:ext uri="{FF2B5EF4-FFF2-40B4-BE49-F238E27FC236}">
+                    <a16:creationId xmlns:a16="http://schemas.microsoft.com/office/drawing/2014/main" id="{E8F64907-9FCB-44BC-A3A7-9C8C08A0812F}"/>
+                  </a:ext>
+                </a:extLst>
+              </p:cNvPr>
+              <p:cNvSpPr>
+                <a:spLocks noRot="1" noChangeAspect="1" noMove="1" noResize="1" noEditPoints="1" noAdjustHandles="1" noChangeArrowheads="1" noChangeShapeType="1" noTextEdit="1"/>
+              </p:cNvSpPr>
+              <p:nvPr/>
+            </p:nvSpPr>
+            <p:spPr>
+              <a:xfrm>
+                <a:off x="5260366" y="4565370"/>
+                <a:ext cx="1901714" cy="420679"/>
+              </a:xfrm>
+              <a:prstGeom prst="rect">
+                <a:avLst/>
+              </a:prstGeom>
+              <a:blipFill>
+                <a:blip r:embed="rId12"/>
+                <a:stretch>
+                  <a:fillRect/>
+                </a:stretch>
+              </a:blipFill>
+              <a:ln>
+                <a:noFill/>
+              </a:ln>
+            </p:spPr>
+            <p:txBody>
+              <a:bodyPr/>
+              <a:lstStyle/>
+              <a:p>
+                <a:r>
+                  <a:rPr lang="en-US">
+                    <a:noFill/>
+                  </a:rPr>
+                  <a:t> </a:t>
+                </a:r>
+              </a:p>
+            </p:txBody>
+          </p:sp>
+        </mc:Fallback>
+      </mc:AlternateContent>
+      <p:cxnSp>
+        <p:nvCxnSpPr>
+          <p:cNvPr id="23" name="Straight Arrow Connector 22">
+            <a:extLst>
+              <a:ext uri="{FF2B5EF4-FFF2-40B4-BE49-F238E27FC236}">
+                <a16:creationId xmlns:a16="http://schemas.microsoft.com/office/drawing/2014/main" id="{04CB571D-B529-4587-BDE0-D7A5A69BF220}"/>
+              </a:ext>
+            </a:extLst>
+          </p:cNvPr>
+          <p:cNvCxnSpPr>
+            <a:cxnSpLocks/>
+          </p:cNvCxnSpPr>
+          <p:nvPr/>
+        </p:nvCxnSpPr>
+        <p:spPr>
+          <a:xfrm>
+            <a:off x="7831602" y="2688631"/>
+            <a:ext cx="535675" cy="0"/>
+          </a:xfrm>
+          <a:prstGeom prst="straightConnector1">
+            <a:avLst/>
+          </a:prstGeom>
+          <a:ln w="28575" cap="flat" cmpd="sng" algn="ctr">
+            <a:solidFill>
+              <a:schemeClr val="dk1"/>
+            </a:solidFill>
+            <a:prstDash val="solid"/>
+            <a:round/>
+            <a:headEnd type="arrow" w="med" len="med"/>
+            <a:tailEnd type="arrow" w="med" len="med"/>
+          </a:ln>
+        </p:spPr>
+        <p:style>
+          <a:lnRef idx="0">
+            <a:scrgbClr r="0" g="0" b="0"/>
+          </a:lnRef>
+          <a:fillRef idx="0">
+            <a:scrgbClr r="0" g="0" b="0"/>
+          </a:fillRef>
+          <a:effectRef idx="0">
+            <a:scrgbClr r="0" g="0" b="0"/>
+          </a:effectRef>
+          <a:fontRef idx="minor">
+            <a:schemeClr val="tx1"/>
+          </a:fontRef>
+        </p:style>
+      </p:cxnSp>
+      <mc:AlternateContent xmlns:mc="http://schemas.openxmlformats.org/markup-compatibility/2006" xmlns:a14="http://schemas.microsoft.com/office/drawing/2010/main">
+        <mc:Choice Requires="a14">
+          <p:sp>
+            <p:nvSpPr>
+              <p:cNvPr id="24" name="Rectangle 23">
+                <a:extLst>
+                  <a:ext uri="{FF2B5EF4-FFF2-40B4-BE49-F238E27FC236}">
+                    <a16:creationId xmlns:a16="http://schemas.microsoft.com/office/drawing/2014/main" id="{D2FF9ADA-C711-4198-84C9-9FA488A67A60}"/>
+                  </a:ext>
+                </a:extLst>
+              </p:cNvPr>
+              <p:cNvSpPr/>
+              <p:nvPr/>
+            </p:nvSpPr>
+            <p:spPr>
+              <a:xfrm>
+                <a:off x="7629079" y="2317914"/>
+                <a:ext cx="1091681" cy="267610"/>
+              </a:xfrm>
+              <a:prstGeom prst="rect">
+                <a:avLst/>
+              </a:prstGeom>
+              <a:noFill/>
+              <a:ln>
+                <a:solidFill>
+                  <a:schemeClr val="bg1"/>
+                </a:solidFill>
+              </a:ln>
+            </p:spPr>
+            <p:style>
+              <a:lnRef idx="2">
+                <a:schemeClr val="accent1">
+                  <a:shade val="50000"/>
+                </a:schemeClr>
+              </a:lnRef>
+              <a:fillRef idx="1">
+                <a:schemeClr val="accent1"/>
+              </a:fillRef>
+              <a:effectRef idx="0">
+                <a:schemeClr val="accent1"/>
+              </a:effectRef>
+              <a:fontRef idx="minor">
+                <a:schemeClr val="lt1"/>
+              </a:fontRef>
+            </p:style>
+            <p:txBody>
+              <a:bodyPr rtlCol="0" anchor="ctr"/>
+              <a:lstStyle/>
+              <a:p>
+                <a:pPr algn="ctr"/>
+                <a14:m>
+                  <m:oMathPara xmlns:m="http://schemas.openxmlformats.org/officeDocument/2006/math">
+                    <m:oMathParaPr>
+                      <m:jc m:val="centerGroup"/>
+                    </m:oMathParaPr>
+                    <m:oMath xmlns:m="http://schemas.openxmlformats.org/officeDocument/2006/math">
+                      <m:r>
+                        <a:rPr lang="en-US" sz="2000" b="1" i="1" smtClean="0">
+                          <a:solidFill>
+                            <a:schemeClr val="tx1"/>
+                          </a:solidFill>
+                          <a:latin typeface="Cambria Math" panose="02040503050406030204" pitchFamily="18" charset="0"/>
+                          <a:cs typeface="Times New Roman" panose="02020603050405020304" pitchFamily="18" charset="0"/>
+                        </a:rPr>
+                        <m:t>𝑫</m:t>
+                      </m:r>
+                    </m:oMath>
+                  </m:oMathPara>
+                </a14:m>
+                <a:endParaRPr lang="en-US" sz="2000" b="1" dirty="0">
+                  <a:solidFill>
+                    <a:schemeClr val="tx1"/>
+                  </a:solidFill>
+                  <a:latin typeface="Times New Roman" panose="02020603050405020304" pitchFamily="18" charset="0"/>
+                  <a:cs typeface="Times New Roman" panose="02020603050405020304" pitchFamily="18" charset="0"/>
+                </a:endParaRPr>
+              </a:p>
+            </p:txBody>
+          </p:sp>
+        </mc:Choice>
+        <mc:Fallback xmlns="">
+          <p:sp>
+            <p:nvSpPr>
+              <p:cNvPr id="24" name="Rectangle 23">
+                <a:extLst>
+                  <a:ext uri="{FF2B5EF4-FFF2-40B4-BE49-F238E27FC236}">
+                    <a16:creationId xmlns:a16="http://schemas.microsoft.com/office/drawing/2014/main" id="{D2FF9ADA-C711-4198-84C9-9FA488A67A60}"/>
+                  </a:ext>
+                </a:extLst>
+              </p:cNvPr>
+              <p:cNvSpPr>
+                <a:spLocks noRot="1" noChangeAspect="1" noMove="1" noResize="1" noEditPoints="1" noAdjustHandles="1" noChangeArrowheads="1" noChangeShapeType="1" noTextEdit="1"/>
+              </p:cNvSpPr>
+              <p:nvPr/>
+            </p:nvSpPr>
+            <p:spPr>
+              <a:xfrm>
+                <a:off x="7629079" y="2317914"/>
+                <a:ext cx="1091681" cy="267610"/>
+              </a:xfrm>
+              <a:prstGeom prst="rect">
+                <a:avLst/>
+              </a:prstGeom>
+              <a:blipFill>
+                <a:blip r:embed="rId13"/>
+                <a:stretch>
+                  <a:fillRect b="-15217"/>
+                </a:stretch>
+              </a:blipFill>
+              <a:ln>
+                <a:solidFill>
+                  <a:schemeClr val="bg1"/>
+                </a:solidFill>
+              </a:ln>
+            </p:spPr>
+            <p:txBody>
+              <a:bodyPr/>
+              <a:lstStyle/>
+              <a:p>
+                <a:r>
+                  <a:rPr lang="en-US">
+                    <a:noFill/>
+                  </a:rPr>
+                  <a:t> </a:t>
+                </a:r>
+              </a:p>
+            </p:txBody>
+          </p:sp>
+        </mc:Fallback>
+      </mc:AlternateContent>
+    </p:spTree>
+    <p:extLst>
+      <p:ext uri="{BB962C8B-B14F-4D97-AF65-F5344CB8AC3E}">
+        <p14:creationId xmlns:p14="http://schemas.microsoft.com/office/powerpoint/2010/main" val="3062311183"/>
+      </p:ext>
+    </p:extLst>
+  </p:cSld>
+  <p:clrMapOvr>
+    <a:masterClrMapping/>
+  </p:clrMapOvr>
+</p:sld>
+</file>
+
+<file path=ppt/slides/slide7.xml><?xml version="1.0" encoding="utf-8"?>
+<p:sld xmlns:a="http://schemas.openxmlformats.org/drawingml/2006/main" xmlns:r="http://schemas.openxmlformats.org/officeDocument/2006/relationships" xmlns:p="http://schemas.openxmlformats.org/presentationml/2006/main">
+  <p:cSld>
+    <p:spTree>
+      <p:nvGrpSpPr>
+        <p:cNvPr id="1" name=""/>
+        <p:cNvGrpSpPr/>
+        <p:nvPr/>
+      </p:nvGrpSpPr>
+      <p:grpSpPr>
+        <a:xfrm>
+          <a:off x="0" y="0"/>
+          <a:ext cx="0" cy="0"/>
+          <a:chOff x="0" y="0"/>
+          <a:chExt cx="0" cy="0"/>
+        </a:xfrm>
+      </p:grpSpPr>
     </p:spTree>
     <p:extLst>
       <p:ext uri="{BB962C8B-B14F-4D97-AF65-F5344CB8AC3E}">
@@ -8256,7 +14653,7 @@
 </p:sld>
 </file>
 
-<file path=ppt/slides/slide5.xml><?xml version="1.0" encoding="utf-8"?>
+<file path=ppt/slides/slide8.xml><?xml version="1.0" encoding="utf-8"?>
 <p:sld xmlns:a="http://schemas.openxmlformats.org/drawingml/2006/main" xmlns:r="http://schemas.openxmlformats.org/officeDocument/2006/relationships" xmlns:p="http://schemas.openxmlformats.org/presentationml/2006/main">
   <p:cSld>
     <p:spTree>
@@ -8286,7 +14683,7 @@
 </p:sld>
 </file>
 
-<file path=ppt/slides/slide6.xml><?xml version="1.0" encoding="utf-8"?>
+<file path=ppt/slides/slide9.xml><?xml version="1.0" encoding="utf-8"?>
 <p:sld xmlns:a="http://schemas.openxmlformats.org/drawingml/2006/main" xmlns:r="http://schemas.openxmlformats.org/officeDocument/2006/relationships" xmlns:p="http://schemas.openxmlformats.org/presentationml/2006/main">
   <p:cSld>
     <p:spTree>
